--- a/Prezentacija.pptx
+++ b/Prezentacija.pptx
@@ -5,19 +5,20 @@
     <p:sldMasterId id="2147483725" r:id="rId1"/>
   </p:sldMasterIdLst>
   <p:notesMasterIdLst>
-    <p:notesMasterId r:id="rId12"/>
+    <p:notesMasterId r:id="rId13"/>
   </p:notesMasterIdLst>
   <p:sldIdLst>
     <p:sldId id="256" r:id="rId2"/>
     <p:sldId id="257" r:id="rId3"/>
-    <p:sldId id="258" r:id="rId4"/>
-    <p:sldId id="259" r:id="rId5"/>
-    <p:sldId id="260" r:id="rId6"/>
-    <p:sldId id="261" r:id="rId7"/>
-    <p:sldId id="262" r:id="rId8"/>
-    <p:sldId id="263" r:id="rId9"/>
-    <p:sldId id="264" r:id="rId10"/>
-    <p:sldId id="265" r:id="rId11"/>
+    <p:sldId id="266" r:id="rId4"/>
+    <p:sldId id="258" r:id="rId5"/>
+    <p:sldId id="259" r:id="rId6"/>
+    <p:sldId id="260" r:id="rId7"/>
+    <p:sldId id="261" r:id="rId8"/>
+    <p:sldId id="262" r:id="rId9"/>
+    <p:sldId id="263" r:id="rId10"/>
+    <p:sldId id="264" r:id="rId11"/>
+    <p:sldId id="265" r:id="rId12"/>
   </p:sldIdLst>
   <p:sldSz cx="12192000" cy="6858000"/>
   <p:notesSz cx="6858000" cy="9144000"/>
@@ -116,6 +117,11 @@
       </a:defRPr>
     </a:lvl9pPr>
   </p:defaultTextStyle>
+  <p:extLst>
+    <p:ext uri="{EFAFB233-063F-42B5-8137-9DF3F51BA10A}">
+      <p15:sldGuideLst xmlns:p15="http://schemas.microsoft.com/office/powerpoint/2012/main"/>
+    </p:ext>
+  </p:extLst>
 </p:presentation>
 </file>
 
@@ -201,7 +207,7 @@
           <a:p>
             <a:fld id="{BE5568EA-1560-4AB2-AAFA-E0C19581FD5E}" type="datetimeFigureOut">
               <a:rPr lang="en-US" smtClean="0"/>
-              <a:t>9/24/2019</a:t>
+              <a:t>9/26/2019</a:t>
             </a:fld>
             <a:endParaRPr lang="en-US"/>
           </a:p>
@@ -534,6 +540,121 @@
           <a:p>
             <a:fld id="{B9A2F0D8-77DC-425B-9D06-96E7E9114930}" type="slidenum">
               <a:rPr lang="en-US" smtClean="0"/>
+              <a:t>1</a:t>
+            </a:fld>
+            <a:endParaRPr lang="en-US"/>
+          </a:p>
+        </p:txBody>
+      </p:sp>
+    </p:spTree>
+    <p:extLst>
+      <p:ext uri="{BB962C8B-B14F-4D97-AF65-F5344CB8AC3E}">
+        <p14:creationId xmlns:p14="http://schemas.microsoft.com/office/powerpoint/2010/main" val="948798937"/>
+      </p:ext>
+    </p:extLst>
+  </p:cSld>
+  <p:clrMapOvr>
+    <a:masterClrMapping/>
+  </p:clrMapOvr>
+</p:notes>
+</file>
+
+<file path=ppt/notesSlides/notesSlide2.xml><?xml version="1.0" encoding="utf-8"?>
+<p:notes xmlns:a="http://schemas.openxmlformats.org/drawingml/2006/main" xmlns:r="http://schemas.openxmlformats.org/officeDocument/2006/relationships" xmlns:p="http://schemas.openxmlformats.org/presentationml/2006/main">
+  <p:cSld>
+    <p:spTree>
+      <p:nvGrpSpPr>
+        <p:cNvPr id="1" name=""/>
+        <p:cNvGrpSpPr/>
+        <p:nvPr/>
+      </p:nvGrpSpPr>
+      <p:grpSpPr>
+        <a:xfrm>
+          <a:off x="0" y="0"/>
+          <a:ext cx="0" cy="0"/>
+          <a:chOff x="0" y="0"/>
+          <a:chExt cx="0" cy="0"/>
+        </a:xfrm>
+      </p:grpSpPr>
+      <p:sp>
+        <p:nvSpPr>
+          <p:cNvPr id="2" name="Slide Image Placeholder 1"/>
+          <p:cNvSpPr>
+            <a:spLocks noGrp="1" noRot="1" noChangeAspect="1"/>
+          </p:cNvSpPr>
+          <p:nvPr>
+            <p:ph type="sldImg"/>
+          </p:nvPr>
+        </p:nvSpPr>
+        <p:spPr/>
+      </p:sp>
+      <p:sp>
+        <p:nvSpPr>
+          <p:cNvPr id="3" name="Notes Placeholder 2"/>
+          <p:cNvSpPr>
+            <a:spLocks noGrp="1"/>
+          </p:cNvSpPr>
+          <p:nvPr>
+            <p:ph type="body" idx="1"/>
+          </p:nvPr>
+        </p:nvSpPr>
+        <p:spPr/>
+        <p:txBody>
+          <a:bodyPr/>
+          <a:lstStyle/>
+          <a:p>
+            <a:r>
+              <a:rPr lang="sr-Latn-RS" dirty="0" smtClean="0"/>
+              <a:t>-Commodore</a:t>
+            </a:r>
+            <a:r>
+              <a:rPr lang="sr-Latn-RS" baseline="0" dirty="0" smtClean="0"/>
+              <a:t> 1541 je čitač 5.25 flopi disket-a koji je zavijen 1982 godine u Kanadi od strane kompanije Commodore.</a:t>
+            </a:r>
+          </a:p>
+          <a:p>
+            <a:r>
+              <a:rPr lang="sr-Latn-RS" baseline="0" dirty="0" smtClean="0"/>
+              <a:t>-Ovaj čitač posedovao je jednu glavu koja je bila korišćena i za čitanje i za pisanje podataka na 5.25 flopi disketu.</a:t>
+            </a:r>
+          </a:p>
+          <a:p>
+            <a:r>
+              <a:rPr lang="sr-Latn-RS" baseline="0" dirty="0" smtClean="0"/>
+              <a:t>-Takodje ovaj uredjaj je posedovao dve lampice na osnovu kojih je davao povratne informacije </a:t>
+            </a:r>
+            <a:r>
+              <a:rPr lang="sr-Latn-RS" baseline="0" dirty="0" smtClean="0"/>
+              <a:t>korisniku.</a:t>
+            </a:r>
+            <a:endParaRPr lang="sr-Latn-RS" baseline="0" dirty="0" smtClean="0"/>
+          </a:p>
+          <a:p>
+            <a:r>
+              <a:rPr lang="sr-Latn-RS" baseline="0" dirty="0" smtClean="0"/>
+              <a:t>-Gde je zelena lampica gorela i označavala da je uredjaj upaljen u struju , dok je crvena lapmipaca treptala označavajući rad uredjaja.</a:t>
+            </a:r>
+            <a:endParaRPr lang="en-US" dirty="0"/>
+          </a:p>
+        </p:txBody>
+      </p:sp>
+      <p:sp>
+        <p:nvSpPr>
+          <p:cNvPr id="4" name="Slide Number Placeholder 3"/>
+          <p:cNvSpPr>
+            <a:spLocks noGrp="1"/>
+          </p:cNvSpPr>
+          <p:nvPr>
+            <p:ph type="sldNum" sz="quarter" idx="10"/>
+          </p:nvPr>
+        </p:nvSpPr>
+        <p:spPr/>
+        <p:txBody>
+          <a:bodyPr/>
+          <a:lstStyle/>
+          <a:p>
+            <a:fld id="{B9A2F0D8-77DC-425B-9D06-96E7E9114930}" type="slidenum">
+              <a:rPr lang="en-US" smtClean="0"/>
               <a:t>2</a:t>
             </a:fld>
             <a:endParaRPr lang="en-US"/>
@@ -544,6 +665,936 @@
     <p:extLst>
       <p:ext uri="{BB962C8B-B14F-4D97-AF65-F5344CB8AC3E}">
         <p14:creationId xmlns:p14="http://schemas.microsoft.com/office/powerpoint/2010/main" val="3006756148"/>
+      </p:ext>
+    </p:extLst>
+  </p:cSld>
+  <p:clrMapOvr>
+    <a:masterClrMapping/>
+  </p:clrMapOvr>
+</p:notes>
+</file>
+
+<file path=ppt/notesSlides/notesSlide3.xml><?xml version="1.0" encoding="utf-8"?>
+<p:notes xmlns:a="http://schemas.openxmlformats.org/drawingml/2006/main" xmlns:r="http://schemas.openxmlformats.org/officeDocument/2006/relationships" xmlns:p="http://schemas.openxmlformats.org/presentationml/2006/main">
+  <p:cSld>
+    <p:spTree>
+      <p:nvGrpSpPr>
+        <p:cNvPr id="1" name=""/>
+        <p:cNvGrpSpPr/>
+        <p:nvPr/>
+      </p:nvGrpSpPr>
+      <p:grpSpPr>
+        <a:xfrm>
+          <a:off x="0" y="0"/>
+          <a:ext cx="0" cy="0"/>
+          <a:chOff x="0" y="0"/>
+          <a:chExt cx="0" cy="0"/>
+        </a:xfrm>
+      </p:grpSpPr>
+      <p:sp>
+        <p:nvSpPr>
+          <p:cNvPr id="2" name="Slide Image Placeholder 1"/>
+          <p:cNvSpPr>
+            <a:spLocks noGrp="1" noRot="1" noChangeAspect="1"/>
+          </p:cNvSpPr>
+          <p:nvPr>
+            <p:ph type="sldImg"/>
+          </p:nvPr>
+        </p:nvSpPr>
+        <p:spPr/>
+      </p:sp>
+      <p:sp>
+        <p:nvSpPr>
+          <p:cNvPr id="3" name="Notes Placeholder 2"/>
+          <p:cNvSpPr>
+            <a:spLocks noGrp="1"/>
+          </p:cNvSpPr>
+          <p:nvPr>
+            <p:ph type="body" idx="1"/>
+          </p:nvPr>
+        </p:nvSpPr>
+        <p:spPr/>
+        <p:txBody>
+          <a:bodyPr/>
+          <a:lstStyle/>
+          <a:p>
+            <a:r>
+              <a:rPr lang="en-US" dirty="0" smtClean="0"/>
+              <a:t>-</a:t>
+            </a:r>
+            <a:r>
+              <a:rPr lang="en-US" dirty="0" err="1" smtClean="0"/>
+              <a:t>Origininalna</a:t>
+            </a:r>
+            <a:r>
+              <a:rPr lang="en-US" dirty="0" smtClean="0"/>
+              <a:t> 5.25” </a:t>
+            </a:r>
+            <a:r>
+              <a:rPr lang="en-US" dirty="0" err="1" smtClean="0"/>
+              <a:t>flopi</a:t>
+            </a:r>
+            <a:r>
+              <a:rPr lang="en-US" dirty="0" smtClean="0"/>
+              <a:t> </a:t>
+            </a:r>
+            <a:r>
+              <a:rPr lang="en-US" dirty="0" err="1" smtClean="0"/>
+              <a:t>disketa</a:t>
+            </a:r>
+            <a:r>
+              <a:rPr lang="en-US" dirty="0" smtClean="0"/>
+              <a:t> </a:t>
+            </a:r>
+            <a:r>
+              <a:rPr lang="en-US" dirty="0" err="1" smtClean="0"/>
+              <a:t>ili</a:t>
+            </a:r>
+            <a:r>
+              <a:rPr lang="en-US" dirty="0" smtClean="0"/>
+              <a:t> </a:t>
+            </a:r>
+            <a:r>
+              <a:rPr lang="en-US" dirty="0" err="1" smtClean="0"/>
+              <a:t>miniflpi</a:t>
+            </a:r>
+            <a:r>
+              <a:rPr lang="en-US" baseline="0" dirty="0" smtClean="0"/>
+              <a:t> bio je </a:t>
+            </a:r>
+            <a:r>
+              <a:rPr lang="en-US" baseline="0" dirty="0" err="1" smtClean="0"/>
+              <a:t>magnetni</a:t>
+            </a:r>
+            <a:r>
+              <a:rPr lang="en-US" baseline="0" dirty="0" smtClean="0"/>
+              <a:t> </a:t>
+            </a:r>
+            <a:r>
+              <a:rPr lang="en-US" baseline="0" dirty="0" err="1" smtClean="0"/>
+              <a:t>medijum</a:t>
+            </a:r>
+            <a:r>
+              <a:rPr lang="en-US" baseline="0" dirty="0" smtClean="0"/>
+              <a:t> format </a:t>
+            </a:r>
+            <a:r>
+              <a:rPr lang="en-US" baseline="0" dirty="0" err="1" smtClean="0"/>
+              <a:t>koga</a:t>
+            </a:r>
+            <a:r>
+              <a:rPr lang="en-US" baseline="0" dirty="0" smtClean="0"/>
+              <a:t> je 1976 </a:t>
+            </a:r>
+            <a:r>
+              <a:rPr lang="en-US" baseline="0" dirty="0" err="1" smtClean="0"/>
+              <a:t>godine</a:t>
+            </a:r>
+            <a:r>
+              <a:rPr lang="en-US" baseline="0" dirty="0" smtClean="0"/>
+              <a:t> </a:t>
+            </a:r>
+            <a:r>
+              <a:rPr lang="en-US" baseline="0" dirty="0" err="1" smtClean="0"/>
+              <a:t>predstavio</a:t>
+            </a:r>
+            <a:r>
+              <a:rPr lang="en-US" baseline="0" dirty="0" smtClean="0"/>
+              <a:t> </a:t>
+            </a:r>
+            <a:r>
+              <a:rPr lang="en-US" baseline="0" dirty="0" err="1" smtClean="0"/>
+              <a:t>Shugart</a:t>
+            </a:r>
+            <a:r>
+              <a:rPr lang="en-US" baseline="0" dirty="0" smtClean="0"/>
+              <a:t> Associates</a:t>
+            </a:r>
+          </a:p>
+          <a:p>
+            <a:r>
+              <a:rPr lang="en-US" baseline="0" dirty="0" smtClean="0"/>
+              <a:t> </a:t>
+            </a:r>
+            <a:r>
+              <a:rPr lang="en-US" baseline="0" dirty="0" err="1" smtClean="0"/>
+              <a:t>kao</a:t>
+            </a:r>
+            <a:r>
+              <a:rPr lang="en-US" baseline="0" dirty="0" smtClean="0"/>
+              <a:t> </a:t>
+            </a:r>
+            <a:r>
+              <a:rPr lang="en-US" baseline="0" dirty="0" err="1" smtClean="0"/>
+              <a:t>zamenu</a:t>
+            </a:r>
+            <a:r>
+              <a:rPr lang="en-US" baseline="0" dirty="0" smtClean="0"/>
+              <a:t> za 8-incnu </a:t>
+            </a:r>
+            <a:r>
+              <a:rPr lang="en-US" baseline="0" dirty="0" err="1" smtClean="0"/>
+              <a:t>disketu</a:t>
+            </a:r>
+            <a:r>
+              <a:rPr lang="en-US" baseline="0" dirty="0" smtClean="0"/>
+              <a:t> </a:t>
+            </a:r>
+            <a:r>
+              <a:rPr lang="en-US" baseline="0" dirty="0" err="1" smtClean="0"/>
+              <a:t>koja</a:t>
+            </a:r>
+            <a:r>
+              <a:rPr lang="en-US" baseline="0" dirty="0" smtClean="0"/>
+              <a:t> se </a:t>
+            </a:r>
+            <a:r>
+              <a:rPr lang="en-US" baseline="0" dirty="0" err="1" smtClean="0"/>
+              <a:t>smatrala</a:t>
+            </a:r>
+            <a:r>
+              <a:rPr lang="en-US" baseline="0" dirty="0" smtClean="0"/>
+              <a:t> </a:t>
+            </a:r>
+            <a:r>
+              <a:rPr lang="en-US" baseline="0" dirty="0" err="1" smtClean="0"/>
+              <a:t>prevelikom</a:t>
+            </a:r>
+            <a:r>
+              <a:rPr lang="en-US" baseline="0" dirty="0" smtClean="0"/>
+              <a:t> za </a:t>
+            </a:r>
+            <a:r>
+              <a:rPr lang="en-US" baseline="0" dirty="0" err="1" smtClean="0"/>
+              <a:t>novije</a:t>
+            </a:r>
+            <a:r>
+              <a:rPr lang="en-US" baseline="0" dirty="0" smtClean="0"/>
+              <a:t> </a:t>
+            </a:r>
+            <a:r>
+              <a:rPr lang="en-US" baseline="0" dirty="0" err="1" smtClean="0"/>
+              <a:t>racunare</a:t>
+            </a:r>
+            <a:r>
+              <a:rPr lang="en-US" baseline="0" dirty="0" smtClean="0"/>
+              <a:t>.</a:t>
+            </a:r>
+          </a:p>
+          <a:p>
+            <a:r>
+              <a:rPr lang="en-US" baseline="0" dirty="0" smtClean="0"/>
+              <a:t>-</a:t>
+            </a:r>
+            <a:r>
+              <a:rPr lang="en-US" baseline="0" dirty="0" err="1" smtClean="0"/>
+              <a:t>Osnovni</a:t>
+            </a:r>
+            <a:r>
+              <a:rPr lang="en-US" baseline="0" dirty="0" smtClean="0"/>
+              <a:t> o</a:t>
+            </a:r>
+            <a:r>
+              <a:rPr lang="sr-Latn-RS" baseline="0" dirty="0" smtClean="0"/>
+              <a:t>b</a:t>
+            </a:r>
+            <a:r>
+              <a:rPr lang="en-US" baseline="0" dirty="0" err="1" smtClean="0"/>
+              <a:t>lik</a:t>
+            </a:r>
+            <a:r>
+              <a:rPr lang="en-US" baseline="0" dirty="0" smtClean="0"/>
+              <a:t> </a:t>
+            </a:r>
+            <a:r>
+              <a:rPr lang="en-US" baseline="0" dirty="0" err="1" smtClean="0"/>
+              <a:t>ove</a:t>
+            </a:r>
+            <a:r>
+              <a:rPr lang="en-US" baseline="0" dirty="0" smtClean="0"/>
+              <a:t> </a:t>
+            </a:r>
+            <a:r>
+              <a:rPr lang="en-US" baseline="0" dirty="0" err="1" smtClean="0"/>
+              <a:t>diskete</a:t>
+            </a:r>
+            <a:r>
+              <a:rPr lang="en-US" baseline="0" dirty="0" smtClean="0"/>
+              <a:t> </a:t>
+            </a:r>
+            <a:r>
+              <a:rPr lang="en-US" baseline="0" dirty="0" err="1" smtClean="0"/>
+              <a:t>ima</a:t>
+            </a:r>
+            <a:r>
+              <a:rPr lang="en-US" baseline="0" dirty="0" smtClean="0"/>
+              <a:t> je 35 </a:t>
+            </a:r>
+            <a:r>
+              <a:rPr lang="en-US" baseline="0" dirty="0" err="1" smtClean="0"/>
+              <a:t>kru</a:t>
+            </a:r>
+            <a:r>
+              <a:rPr lang="sr-Latn-RS" baseline="0" dirty="0" smtClean="0"/>
+              <a:t>žnih traka a postojala je i verzija od 40 traka na kojima su bili raspoređeni sektori od po 256 bajta.</a:t>
+            </a:r>
+          </a:p>
+          <a:p>
+            <a:r>
+              <a:rPr lang="sr-Latn-RS" baseline="0" dirty="0" smtClean="0"/>
+              <a:t>-Trake su imale različit broj sektora i bile su raspoređene tako da je prva traka bila bliža spoljašnjoj ivici i imala je najviše sektora dok je </a:t>
+            </a:r>
+            <a:br>
+              <a:rPr lang="sr-Latn-RS" baseline="0" dirty="0" smtClean="0"/>
+            </a:br>
+            <a:r>
+              <a:rPr lang="sr-Latn-RS" baseline="0" dirty="0" smtClean="0"/>
+              <a:t>dok je poslednja traka bila bliža unutrašnjem prstenu diskete sa najmanje sektora.</a:t>
+            </a:r>
+          </a:p>
+        </p:txBody>
+      </p:sp>
+      <p:sp>
+        <p:nvSpPr>
+          <p:cNvPr id="4" name="Slide Number Placeholder 3"/>
+          <p:cNvSpPr>
+            <a:spLocks noGrp="1"/>
+          </p:cNvSpPr>
+          <p:nvPr>
+            <p:ph type="sldNum" sz="quarter" idx="10"/>
+          </p:nvPr>
+        </p:nvSpPr>
+        <p:spPr/>
+        <p:txBody>
+          <a:bodyPr/>
+          <a:lstStyle/>
+          <a:p>
+            <a:fld id="{B9A2F0D8-77DC-425B-9D06-96E7E9114930}" type="slidenum">
+              <a:rPr lang="en-US" smtClean="0"/>
+              <a:t>3</a:t>
+            </a:fld>
+            <a:endParaRPr lang="en-US"/>
+          </a:p>
+        </p:txBody>
+      </p:sp>
+    </p:spTree>
+    <p:extLst>
+      <p:ext uri="{BB962C8B-B14F-4D97-AF65-F5344CB8AC3E}">
+        <p14:creationId xmlns:p14="http://schemas.microsoft.com/office/powerpoint/2010/main" val="4112942903"/>
+      </p:ext>
+    </p:extLst>
+  </p:cSld>
+  <p:clrMapOvr>
+    <a:masterClrMapping/>
+  </p:clrMapOvr>
+</p:notes>
+</file>
+
+<file path=ppt/notesSlides/notesSlide4.xml><?xml version="1.0" encoding="utf-8"?>
+<p:notes xmlns:a="http://schemas.openxmlformats.org/drawingml/2006/main" xmlns:r="http://schemas.openxmlformats.org/officeDocument/2006/relationships" xmlns:p="http://schemas.openxmlformats.org/presentationml/2006/main">
+  <p:cSld>
+    <p:spTree>
+      <p:nvGrpSpPr>
+        <p:cNvPr id="1" name=""/>
+        <p:cNvGrpSpPr/>
+        <p:nvPr/>
+      </p:nvGrpSpPr>
+      <p:grpSpPr>
+        <a:xfrm>
+          <a:off x="0" y="0"/>
+          <a:ext cx="0" cy="0"/>
+          <a:chOff x="0" y="0"/>
+          <a:chExt cx="0" cy="0"/>
+        </a:xfrm>
+      </p:grpSpPr>
+      <p:sp>
+        <p:nvSpPr>
+          <p:cNvPr id="2" name="Slide Image Placeholder 1"/>
+          <p:cNvSpPr>
+            <a:spLocks noGrp="1" noRot="1" noChangeAspect="1"/>
+          </p:cNvSpPr>
+          <p:nvPr>
+            <p:ph type="sldImg"/>
+          </p:nvPr>
+        </p:nvSpPr>
+        <p:spPr/>
+      </p:sp>
+      <p:sp>
+        <p:nvSpPr>
+          <p:cNvPr id="3" name="Notes Placeholder 2"/>
+          <p:cNvSpPr>
+            <a:spLocks noGrp="1"/>
+          </p:cNvSpPr>
+          <p:nvPr>
+            <p:ph type="body" idx="1"/>
+          </p:nvPr>
+        </p:nvSpPr>
+        <p:spPr/>
+        <p:txBody>
+          <a:bodyPr/>
+          <a:lstStyle/>
+          <a:p>
+            <a:pPr marL="0" marR="0" lvl="0" indent="0" algn="l" defTabSz="914400" rtl="0" eaLnBrk="1" fontAlgn="auto" latinLnBrk="0" hangingPunct="1">
+              <a:lnSpc>
+                <a:spcPct val="100000"/>
+              </a:lnSpc>
+              <a:spcBef>
+                <a:spcPts val="0"/>
+              </a:spcBef>
+              <a:spcAft>
+                <a:spcPts val="0"/>
+              </a:spcAft>
+              <a:buClrTx/>
+              <a:buSzTx/>
+              <a:buFontTx/>
+              <a:buNone/>
+              <a:tabLst/>
+              <a:defRPr/>
+            </a:pPr>
+            <a:r>
+              <a:rPr lang="sr-Latn-RS" i="1" dirty="0" smtClean="0"/>
+              <a:t>-</a:t>
+            </a:r>
+            <a:r>
+              <a:rPr lang="en-US" i="1" dirty="0" smtClean="0"/>
+              <a:t>D64 </a:t>
+            </a:r>
+            <a:r>
+              <a:rPr lang="en-US" i="1" dirty="0" err="1" smtClean="0"/>
+              <a:t>fajl</a:t>
+            </a:r>
+            <a:r>
+              <a:rPr lang="en-US" i="1" dirty="0" smtClean="0"/>
+              <a:t> </a:t>
+            </a:r>
+            <a:r>
+              <a:rPr lang="en-US" dirty="0" smtClean="0"/>
+              <a:t>je </a:t>
+            </a:r>
+            <a:r>
+              <a:rPr lang="en-US" dirty="0" err="1" smtClean="0"/>
+              <a:t>naj</a:t>
+            </a:r>
+            <a:r>
+              <a:rPr lang="sr-Latn-RS" dirty="0" smtClean="0"/>
+              <a:t>š</a:t>
+            </a:r>
+            <a:r>
+              <a:rPr lang="en-US" dirty="0" smtClean="0"/>
+              <a:t>ire </a:t>
+            </a:r>
+            <a:r>
+              <a:rPr lang="en-US" dirty="0" err="1" smtClean="0"/>
+              <a:t>podr</a:t>
+            </a:r>
+            <a:r>
+              <a:rPr lang="sr-Latn-RS" dirty="0" smtClean="0"/>
+              <a:t>ž</a:t>
+            </a:r>
+            <a:r>
+              <a:rPr lang="en-US" dirty="0" err="1" smtClean="0"/>
+              <a:t>ani</a:t>
+            </a:r>
+            <a:r>
+              <a:rPr lang="en-US" dirty="0" smtClean="0"/>
+              <a:t> </a:t>
+            </a:r>
+            <a:r>
+              <a:rPr lang="en-US" dirty="0" err="1" smtClean="0"/>
+              <a:t>i</a:t>
+            </a:r>
+            <a:r>
+              <a:rPr lang="en-US" dirty="0" smtClean="0"/>
+              <a:t> dobro </a:t>
+            </a:r>
+            <a:r>
+              <a:rPr lang="en-US" dirty="0" err="1" smtClean="0"/>
+              <a:t>definisan</a:t>
+            </a:r>
+            <a:r>
+              <a:rPr lang="en-US" dirty="0" smtClean="0"/>
+              <a:t> format </a:t>
+            </a:r>
+            <a:r>
+              <a:rPr lang="en-US" dirty="0" err="1" smtClean="0"/>
+              <a:t>koji</a:t>
+            </a:r>
+            <a:r>
+              <a:rPr lang="en-US" dirty="0" smtClean="0"/>
+              <a:t> </a:t>
+            </a:r>
+            <a:r>
+              <a:rPr lang="en-US" dirty="0" err="1" smtClean="0"/>
+              <a:t>predstavlja</a:t>
+            </a:r>
+            <a:r>
+              <a:rPr lang="sr-Latn-RS" dirty="0" smtClean="0"/>
+              <a:t> </a:t>
+            </a:r>
+            <a:r>
+              <a:rPr lang="en-US" dirty="0" err="1" smtClean="0"/>
+              <a:t>elektronsku</a:t>
+            </a:r>
+            <a:r>
+              <a:rPr lang="en-US" dirty="0" smtClean="0"/>
+              <a:t> b</a:t>
+            </a:r>
+            <a:r>
+              <a:rPr lang="sr-Latn-RS" dirty="0" smtClean="0"/>
+              <a:t>ajt</a:t>
+            </a:r>
+            <a:r>
+              <a:rPr lang="en-US" dirty="0" smtClean="0"/>
+              <a:t> </a:t>
+            </a:r>
+            <a:r>
+              <a:rPr lang="en-US" dirty="0" err="1" smtClean="0"/>
+              <a:t>predstavu</a:t>
+            </a:r>
+            <a:r>
+              <a:rPr lang="en-US" dirty="0" smtClean="0"/>
+              <a:t> 5.25"flopi </a:t>
+            </a:r>
+            <a:r>
+              <a:rPr lang="en-US" dirty="0" err="1" smtClean="0"/>
+              <a:t>diskete</a:t>
+            </a:r>
+            <a:r>
+              <a:rPr lang="sr-Latn-RS" baseline="0" dirty="0" smtClean="0"/>
+              <a:t> za Commodore 64 računare</a:t>
+            </a:r>
+          </a:p>
+          <a:p>
+            <a:pPr marL="0" marR="0" lvl="0" indent="0" algn="l" defTabSz="914400" rtl="0" eaLnBrk="1" fontAlgn="auto" latinLnBrk="0" hangingPunct="1">
+              <a:lnSpc>
+                <a:spcPct val="100000"/>
+              </a:lnSpc>
+              <a:spcBef>
+                <a:spcPts val="0"/>
+              </a:spcBef>
+              <a:spcAft>
+                <a:spcPts val="0"/>
+              </a:spcAft>
+              <a:buClrTx/>
+              <a:buSzTx/>
+              <a:buFontTx/>
+              <a:buNone/>
+              <a:tabLst/>
+              <a:defRPr/>
+            </a:pPr>
+            <a:r>
+              <a:rPr lang="sr-Latn-RS" dirty="0" smtClean="0"/>
+              <a:t>-Na kraju D64</a:t>
+            </a:r>
+            <a:r>
+              <a:rPr lang="sr-Latn-RS" baseline="0" dirty="0" smtClean="0"/>
+              <a:t> Fajla mogu se naci dodatni bajtovi koji govore koji sketori imaju gresku.</a:t>
+            </a:r>
+          </a:p>
+          <a:p>
+            <a:pPr marL="0" marR="0" lvl="0" indent="0" algn="l" defTabSz="914400" rtl="0" eaLnBrk="1" fontAlgn="auto" latinLnBrk="0" hangingPunct="1">
+              <a:lnSpc>
+                <a:spcPct val="100000"/>
+              </a:lnSpc>
+              <a:spcBef>
+                <a:spcPts val="0"/>
+              </a:spcBef>
+              <a:spcAft>
+                <a:spcPts val="0"/>
+              </a:spcAft>
+              <a:buClrTx/>
+              <a:buSzTx/>
+              <a:buFontTx/>
+              <a:buNone/>
+              <a:tabLst/>
+              <a:defRPr/>
+            </a:pPr>
+            <a:r>
+              <a:rPr lang="sr-Latn-RS" baseline="0" dirty="0" smtClean="0"/>
+              <a:t>-Ukoliko se dodatni fajlovi ne pojave to znaci da je taj fajl u potpunosti ispravan i nema greške ni na jednom sektoru.</a:t>
+            </a:r>
+            <a:endParaRPr lang="sr-Latn-RS" dirty="0" smtClean="0"/>
+          </a:p>
+        </p:txBody>
+      </p:sp>
+      <p:sp>
+        <p:nvSpPr>
+          <p:cNvPr id="4" name="Slide Number Placeholder 3"/>
+          <p:cNvSpPr>
+            <a:spLocks noGrp="1"/>
+          </p:cNvSpPr>
+          <p:nvPr>
+            <p:ph type="sldNum" sz="quarter" idx="10"/>
+          </p:nvPr>
+        </p:nvSpPr>
+        <p:spPr/>
+        <p:txBody>
+          <a:bodyPr/>
+          <a:lstStyle/>
+          <a:p>
+            <a:fld id="{B9A2F0D8-77DC-425B-9D06-96E7E9114930}" type="slidenum">
+              <a:rPr lang="en-US" smtClean="0"/>
+              <a:t>4</a:t>
+            </a:fld>
+            <a:endParaRPr lang="en-US"/>
+          </a:p>
+        </p:txBody>
+      </p:sp>
+    </p:spTree>
+    <p:extLst>
+      <p:ext uri="{BB962C8B-B14F-4D97-AF65-F5344CB8AC3E}">
+        <p14:creationId xmlns:p14="http://schemas.microsoft.com/office/powerpoint/2010/main" val="3462153828"/>
+      </p:ext>
+    </p:extLst>
+  </p:cSld>
+  <p:clrMapOvr>
+    <a:masterClrMapping/>
+  </p:clrMapOvr>
+</p:notes>
+</file>
+
+<file path=ppt/notesSlides/notesSlide5.xml><?xml version="1.0" encoding="utf-8"?>
+<p:notes xmlns:a="http://schemas.openxmlformats.org/drawingml/2006/main" xmlns:r="http://schemas.openxmlformats.org/officeDocument/2006/relationships" xmlns:p="http://schemas.openxmlformats.org/presentationml/2006/main">
+  <p:cSld>
+    <p:spTree>
+      <p:nvGrpSpPr>
+        <p:cNvPr id="1" name=""/>
+        <p:cNvGrpSpPr/>
+        <p:nvPr/>
+      </p:nvGrpSpPr>
+      <p:grpSpPr>
+        <a:xfrm>
+          <a:off x="0" y="0"/>
+          <a:ext cx="0" cy="0"/>
+          <a:chOff x="0" y="0"/>
+          <a:chExt cx="0" cy="0"/>
+        </a:xfrm>
+      </p:grpSpPr>
+      <p:sp>
+        <p:nvSpPr>
+          <p:cNvPr id="2" name="Slide Image Placeholder 1"/>
+          <p:cNvSpPr>
+            <a:spLocks noGrp="1" noRot="1" noChangeAspect="1"/>
+          </p:cNvSpPr>
+          <p:nvPr>
+            <p:ph type="sldImg"/>
+          </p:nvPr>
+        </p:nvSpPr>
+        <p:spPr/>
+      </p:sp>
+      <p:sp>
+        <p:nvSpPr>
+          <p:cNvPr id="3" name="Notes Placeholder 2"/>
+          <p:cNvSpPr>
+            <a:spLocks noGrp="1"/>
+          </p:cNvSpPr>
+          <p:nvPr>
+            <p:ph type="body" idx="1"/>
+          </p:nvPr>
+        </p:nvSpPr>
+        <p:spPr/>
+        <p:txBody>
+          <a:bodyPr/>
+          <a:lstStyle/>
+          <a:p>
+            <a:r>
+              <a:rPr lang="sr-Latn-RS" dirty="0" smtClean="0"/>
+              <a:t>-5.25</a:t>
+            </a:r>
+            <a:r>
+              <a:rPr lang="sr-Latn-RS" baseline="0" dirty="0" smtClean="0"/>
+              <a:t> Flopi disketa kao sto je već pomenuto predstavlja istoriski medium koji je vladao decenijama, međutim zbog napretka računara, kao i zbog</a:t>
+            </a:r>
+          </a:p>
+          <a:p>
+            <a:r>
+              <a:rPr lang="sr-Latn-RS" dirty="0" smtClean="0"/>
+              <a:t> njegovih prostornih mogućnosti ovaj</a:t>
+            </a:r>
+            <a:r>
+              <a:rPr lang="sr-Latn-RS" baseline="0" dirty="0" smtClean="0"/>
+              <a:t> medium je pregazilo vreme.</a:t>
+            </a:r>
+          </a:p>
+          <a:p>
+            <a:r>
+              <a:rPr lang="sr-Latn-RS" baseline="0" dirty="0" smtClean="0"/>
+              <a:t>-Da bi se zaštitili podaci i arhivirao jedan bitan deo istorije pribegavano je skladištenju i čuvanju podataka u D64 formatu.</a:t>
+            </a:r>
+          </a:p>
+          <a:p>
+            <a:r>
+              <a:rPr lang="sr-Latn-RS" baseline="0" dirty="0" smtClean="0"/>
+              <a:t>-Prilikom čitanja podataka sa 5.25 disketa dolazi do grešaka na pojedinim sektorima , nastale greške se evidentiraju na kraju D64 fajla.</a:t>
+            </a:r>
+          </a:p>
+          <a:p>
+            <a:r>
+              <a:rPr lang="sr-Latn-RS" baseline="0" dirty="0" smtClean="0"/>
+              <a:t> i na osnovu njih se vrši dalja analiza i iscrtavanje fajla.</a:t>
+            </a:r>
+          </a:p>
+          <a:p>
+            <a:r>
+              <a:rPr lang="sr-Latn-RS" baseline="0" dirty="0" smtClean="0"/>
+              <a:t>-opiši sliku.</a:t>
+            </a:r>
+            <a:endParaRPr lang="en-US" dirty="0"/>
+          </a:p>
+        </p:txBody>
+      </p:sp>
+      <p:sp>
+        <p:nvSpPr>
+          <p:cNvPr id="4" name="Slide Number Placeholder 3"/>
+          <p:cNvSpPr>
+            <a:spLocks noGrp="1"/>
+          </p:cNvSpPr>
+          <p:nvPr>
+            <p:ph type="sldNum" sz="quarter" idx="10"/>
+          </p:nvPr>
+        </p:nvSpPr>
+        <p:spPr/>
+        <p:txBody>
+          <a:bodyPr/>
+          <a:lstStyle/>
+          <a:p>
+            <a:fld id="{B9A2F0D8-77DC-425B-9D06-96E7E9114930}" type="slidenum">
+              <a:rPr lang="en-US" smtClean="0"/>
+              <a:t>5</a:t>
+            </a:fld>
+            <a:endParaRPr lang="en-US"/>
+          </a:p>
+        </p:txBody>
+      </p:sp>
+    </p:spTree>
+    <p:extLst>
+      <p:ext uri="{BB962C8B-B14F-4D97-AF65-F5344CB8AC3E}">
+        <p14:creationId xmlns:p14="http://schemas.microsoft.com/office/powerpoint/2010/main" val="3301366292"/>
+      </p:ext>
+    </p:extLst>
+  </p:cSld>
+  <p:clrMapOvr>
+    <a:masterClrMapping/>
+  </p:clrMapOvr>
+</p:notes>
+</file>
+
+<file path=ppt/notesSlides/notesSlide6.xml><?xml version="1.0" encoding="utf-8"?>
+<p:notes xmlns:a="http://schemas.openxmlformats.org/drawingml/2006/main" xmlns:r="http://schemas.openxmlformats.org/officeDocument/2006/relationships" xmlns:p="http://schemas.openxmlformats.org/presentationml/2006/main">
+  <p:cSld>
+    <p:spTree>
+      <p:nvGrpSpPr>
+        <p:cNvPr id="1" name=""/>
+        <p:cNvGrpSpPr/>
+        <p:nvPr/>
+      </p:nvGrpSpPr>
+      <p:grpSpPr>
+        <a:xfrm>
+          <a:off x="0" y="0"/>
+          <a:ext cx="0" cy="0"/>
+          <a:chOff x="0" y="0"/>
+          <a:chExt cx="0" cy="0"/>
+        </a:xfrm>
+      </p:grpSpPr>
+      <p:sp>
+        <p:nvSpPr>
+          <p:cNvPr id="2" name="Slide Image Placeholder 1"/>
+          <p:cNvSpPr>
+            <a:spLocks noGrp="1" noRot="1" noChangeAspect="1"/>
+          </p:cNvSpPr>
+          <p:nvPr>
+            <p:ph type="sldImg"/>
+          </p:nvPr>
+        </p:nvSpPr>
+        <p:spPr/>
+      </p:sp>
+      <p:sp>
+        <p:nvSpPr>
+          <p:cNvPr id="3" name="Notes Placeholder 2"/>
+          <p:cNvSpPr>
+            <a:spLocks noGrp="1"/>
+          </p:cNvSpPr>
+          <p:nvPr>
+            <p:ph type="body" idx="1"/>
+          </p:nvPr>
+        </p:nvSpPr>
+        <p:spPr/>
+        <p:txBody>
+          <a:bodyPr/>
+          <a:lstStyle/>
+          <a:p>
+            <a:r>
+              <a:rPr lang="sr-Latn-RS" dirty="0" smtClean="0"/>
+              <a:t>-Zbog</a:t>
+            </a:r>
+            <a:r>
+              <a:rPr lang="sr-Latn-RS" baseline="0" dirty="0" smtClean="0"/>
+              <a:t> analize problema razvijeno je programsko rešenje koje na osnovu bajtova greške formira vizuelni pikaz sektora.</a:t>
+            </a:r>
+          </a:p>
+          <a:p>
+            <a:r>
+              <a:rPr lang="sr-Latn-RS" baseline="0" dirty="0" smtClean="0"/>
+              <a:t>-Na slici vidimo da se javljaju greškle na pojedinim sektorima i one su obeležene crvenom bojom dok su zeleni sektori ispravni.</a:t>
+            </a:r>
+          </a:p>
+          <a:p>
+            <a:r>
+              <a:rPr lang="sr-Latn-RS" baseline="0" dirty="0" smtClean="0"/>
+              <a:t>-Analizom je ustanovljeno da se prilikom višestrukog čitanja iste 5.25 diskete javljaju greške na različitim slikama.</a:t>
+            </a:r>
+          </a:p>
+          <a:p>
+            <a:r>
+              <a:rPr lang="sr-Latn-RS" baseline="0" dirty="0" smtClean="0"/>
+              <a:t>-Na slici su prikazana dva D64 fajla koji su formirana na osnovu dva čitanja sa iste 5.25 flopi diskete.</a:t>
+            </a:r>
+          </a:p>
+          <a:p>
+            <a:r>
+              <a:rPr lang="sr-Latn-RS" baseline="0" dirty="0" smtClean="0"/>
+              <a:t>-Vidimo da se greške javljaju na različitim sektorima.</a:t>
+            </a:r>
+            <a:endParaRPr lang="en-US" dirty="0"/>
+          </a:p>
+        </p:txBody>
+      </p:sp>
+      <p:sp>
+        <p:nvSpPr>
+          <p:cNvPr id="4" name="Slide Number Placeholder 3"/>
+          <p:cNvSpPr>
+            <a:spLocks noGrp="1"/>
+          </p:cNvSpPr>
+          <p:nvPr>
+            <p:ph type="sldNum" sz="quarter" idx="10"/>
+          </p:nvPr>
+        </p:nvSpPr>
+        <p:spPr/>
+        <p:txBody>
+          <a:bodyPr/>
+          <a:lstStyle/>
+          <a:p>
+            <a:fld id="{B9A2F0D8-77DC-425B-9D06-96E7E9114930}" type="slidenum">
+              <a:rPr lang="en-US" smtClean="0"/>
+              <a:t>6</a:t>
+            </a:fld>
+            <a:endParaRPr lang="en-US"/>
+          </a:p>
+        </p:txBody>
+      </p:sp>
+    </p:spTree>
+    <p:extLst>
+      <p:ext uri="{BB962C8B-B14F-4D97-AF65-F5344CB8AC3E}">
+        <p14:creationId xmlns:p14="http://schemas.microsoft.com/office/powerpoint/2010/main" val="3940579456"/>
+      </p:ext>
+    </p:extLst>
+  </p:cSld>
+  <p:clrMapOvr>
+    <a:masterClrMapping/>
+  </p:clrMapOvr>
+</p:notes>
+</file>
+
+<file path=ppt/notesSlides/notesSlide7.xml><?xml version="1.0" encoding="utf-8"?>
+<p:notes xmlns:a="http://schemas.openxmlformats.org/drawingml/2006/main" xmlns:r="http://schemas.openxmlformats.org/officeDocument/2006/relationships" xmlns:p="http://schemas.openxmlformats.org/presentationml/2006/main">
+  <p:cSld>
+    <p:spTree>
+      <p:nvGrpSpPr>
+        <p:cNvPr id="1" name=""/>
+        <p:cNvGrpSpPr/>
+        <p:nvPr/>
+      </p:nvGrpSpPr>
+      <p:grpSpPr>
+        <a:xfrm>
+          <a:off x="0" y="0"/>
+          <a:ext cx="0" cy="0"/>
+          <a:chOff x="0" y="0"/>
+          <a:chExt cx="0" cy="0"/>
+        </a:xfrm>
+      </p:grpSpPr>
+      <p:sp>
+        <p:nvSpPr>
+          <p:cNvPr id="2" name="Slide Image Placeholder 1"/>
+          <p:cNvSpPr>
+            <a:spLocks noGrp="1" noRot="1" noChangeAspect="1"/>
+          </p:cNvSpPr>
+          <p:nvPr>
+            <p:ph type="sldImg"/>
+          </p:nvPr>
+        </p:nvSpPr>
+        <p:spPr/>
+      </p:sp>
+      <p:sp>
+        <p:nvSpPr>
+          <p:cNvPr id="3" name="Notes Placeholder 2"/>
+          <p:cNvSpPr>
+            <a:spLocks noGrp="1"/>
+          </p:cNvSpPr>
+          <p:nvPr>
+            <p:ph type="body" idx="1"/>
+          </p:nvPr>
+        </p:nvSpPr>
+        <p:spPr/>
+        <p:txBody>
+          <a:bodyPr/>
+          <a:lstStyle/>
+          <a:p>
+            <a:r>
+              <a:rPr lang="sr-Latn-RS" dirty="0" smtClean="0"/>
+              <a:t>-Programsko rešenje je razvijeno uz pomoć Java programskog jezika u Eclipse programskom okruženju</a:t>
+            </a:r>
+            <a:r>
+              <a:rPr lang="sr-Latn-RS" baseline="0" dirty="0" smtClean="0"/>
+              <a:t> prvenstveno namenjenom za rad u javi. Eclipse naravno</a:t>
+            </a:r>
+          </a:p>
+          <a:p>
+            <a:r>
+              <a:rPr lang="sr-Latn-RS" baseline="0" dirty="0" smtClean="0"/>
+              <a:t>podržava i rad sa drugim programskim jezicima kao što su C,C++,Pajton,Php, Rybi ...</a:t>
+            </a:r>
+            <a:endParaRPr lang="sr-Latn-RS" dirty="0" smtClean="0"/>
+          </a:p>
+          <a:p>
+            <a:r>
+              <a:rPr lang="sr-Latn-RS" dirty="0" smtClean="0"/>
+              <a:t>-Za rad sa grafičkim elementima korišćen je Swing radni okvir koji obezbedjuje potreban skup grafičkih komponenti za izradu </a:t>
+            </a:r>
+            <a:r>
+              <a:rPr lang="sr-Latn-RS" smtClean="0"/>
+              <a:t>korisničkog interfejsa.</a:t>
+            </a:r>
+            <a:endParaRPr lang="en-US" dirty="0"/>
+          </a:p>
+        </p:txBody>
+      </p:sp>
+      <p:sp>
+        <p:nvSpPr>
+          <p:cNvPr id="4" name="Slide Number Placeholder 3"/>
+          <p:cNvSpPr>
+            <a:spLocks noGrp="1"/>
+          </p:cNvSpPr>
+          <p:nvPr>
+            <p:ph type="sldNum" sz="quarter" idx="10"/>
+          </p:nvPr>
+        </p:nvSpPr>
+        <p:spPr/>
+        <p:txBody>
+          <a:bodyPr/>
+          <a:lstStyle/>
+          <a:p>
+            <a:fld id="{B9A2F0D8-77DC-425B-9D06-96E7E9114930}" type="slidenum">
+              <a:rPr lang="en-US" smtClean="0"/>
+              <a:t>7</a:t>
+            </a:fld>
+            <a:endParaRPr lang="en-US"/>
+          </a:p>
+        </p:txBody>
+      </p:sp>
+    </p:spTree>
+    <p:extLst>
+      <p:ext uri="{BB962C8B-B14F-4D97-AF65-F5344CB8AC3E}">
+        <p14:creationId xmlns:p14="http://schemas.microsoft.com/office/powerpoint/2010/main" val="4073234541"/>
       </p:ext>
     </p:extLst>
   </p:cSld>
@@ -4829,7 +5880,7 @@
           <a:p>
             <a:fld id="{FC9E3126-F7DE-4F54-A65B-850989AC8305}" type="datetimeFigureOut">
               <a:rPr lang="en-US" smtClean="0"/>
-              <a:t>9/24/2019</a:t>
+              <a:t>9/26/2019</a:t>
             </a:fld>
             <a:endParaRPr lang="en-US"/>
           </a:p>
@@ -5096,7 +6147,7 @@
           <a:p>
             <a:fld id="{FC9E3126-F7DE-4F54-A65B-850989AC8305}" type="datetimeFigureOut">
               <a:rPr lang="en-US" smtClean="0"/>
-              <a:t>9/24/2019</a:t>
+              <a:t>9/26/2019</a:t>
             </a:fld>
             <a:endParaRPr lang="en-US"/>
           </a:p>
@@ -5292,7 +6343,7 @@
           <a:p>
             <a:fld id="{FC9E3126-F7DE-4F54-A65B-850989AC8305}" type="datetimeFigureOut">
               <a:rPr lang="en-US" smtClean="0"/>
-              <a:t>9/24/2019</a:t>
+              <a:t>9/26/2019</a:t>
             </a:fld>
             <a:endParaRPr lang="en-US"/>
           </a:p>
@@ -5555,7 +6606,7 @@
           <a:p>
             <a:fld id="{FC9E3126-F7DE-4F54-A65B-850989AC8305}" type="datetimeFigureOut">
               <a:rPr lang="en-US" smtClean="0"/>
-              <a:t>9/24/2019</a:t>
+              <a:t>9/26/2019</a:t>
             </a:fld>
             <a:endParaRPr lang="en-US"/>
           </a:p>
@@ -5989,7 +7040,7 @@
           <a:p>
             <a:fld id="{FC9E3126-F7DE-4F54-A65B-850989AC8305}" type="datetimeFigureOut">
               <a:rPr lang="en-US" smtClean="0"/>
-              <a:t>9/24/2019</a:t>
+              <a:t>9/26/2019</a:t>
             </a:fld>
             <a:endParaRPr lang="en-US"/>
           </a:p>
@@ -6535,7 +7586,7 @@
           <a:p>
             <a:fld id="{FC9E3126-F7DE-4F54-A65B-850989AC8305}" type="datetimeFigureOut">
               <a:rPr lang="en-US" smtClean="0"/>
-              <a:t>9/24/2019</a:t>
+              <a:t>9/26/2019</a:t>
             </a:fld>
             <a:endParaRPr lang="en-US"/>
           </a:p>
@@ -7255,7 +8306,7 @@
           <a:p>
             <a:fld id="{FC9E3126-F7DE-4F54-A65B-850989AC8305}" type="datetimeFigureOut">
               <a:rPr lang="en-US" smtClean="0"/>
-              <a:t>9/24/2019</a:t>
+              <a:t>9/26/2019</a:t>
             </a:fld>
             <a:endParaRPr lang="en-US"/>
           </a:p>
@@ -7425,7 +8476,7 @@
           <a:p>
             <a:fld id="{FC9E3126-F7DE-4F54-A65B-850989AC8305}" type="datetimeFigureOut">
               <a:rPr lang="en-US" smtClean="0"/>
-              <a:t>9/24/2019</a:t>
+              <a:t>9/26/2019</a:t>
             </a:fld>
             <a:endParaRPr lang="en-US"/>
           </a:p>
@@ -7605,7 +8656,7 @@
           <a:p>
             <a:fld id="{FC9E3126-F7DE-4F54-A65B-850989AC8305}" type="datetimeFigureOut">
               <a:rPr lang="en-US" smtClean="0"/>
-              <a:t>9/24/2019</a:t>
+              <a:t>9/26/2019</a:t>
             </a:fld>
             <a:endParaRPr lang="en-US"/>
           </a:p>
@@ -7775,7 +8826,7 @@
           <a:p>
             <a:fld id="{FC9E3126-F7DE-4F54-A65B-850989AC8305}" type="datetimeFigureOut">
               <a:rPr lang="en-US" smtClean="0"/>
-              <a:t>9/24/2019</a:t>
+              <a:t>9/26/2019</a:t>
             </a:fld>
             <a:endParaRPr lang="en-US"/>
           </a:p>
@@ -8025,7 +9076,7 @@
           <a:p>
             <a:fld id="{FC9E3126-F7DE-4F54-A65B-850989AC8305}" type="datetimeFigureOut">
               <a:rPr lang="en-US" smtClean="0"/>
-              <a:t>9/24/2019</a:t>
+              <a:t>9/26/2019</a:t>
             </a:fld>
             <a:endParaRPr lang="en-US"/>
           </a:p>
@@ -8257,7 +9308,7 @@
           <a:p>
             <a:fld id="{FC9E3126-F7DE-4F54-A65B-850989AC8305}" type="datetimeFigureOut">
               <a:rPr lang="en-US" smtClean="0"/>
-              <a:t>9/24/2019</a:t>
+              <a:t>9/26/2019</a:t>
             </a:fld>
             <a:endParaRPr lang="en-US"/>
           </a:p>
@@ -8638,7 +9689,7 @@
           <a:p>
             <a:fld id="{FC9E3126-F7DE-4F54-A65B-850989AC8305}" type="datetimeFigureOut">
               <a:rPr lang="en-US" smtClean="0"/>
-              <a:t>9/24/2019</a:t>
+              <a:t>9/26/2019</a:t>
             </a:fld>
             <a:endParaRPr lang="en-US"/>
           </a:p>
@@ -8756,7 +9807,7 @@
           <a:p>
             <a:fld id="{FC9E3126-F7DE-4F54-A65B-850989AC8305}" type="datetimeFigureOut">
               <a:rPr lang="en-US" smtClean="0"/>
-              <a:t>9/24/2019</a:t>
+              <a:t>9/26/2019</a:t>
             </a:fld>
             <a:endParaRPr lang="en-US"/>
           </a:p>
@@ -8851,7 +9902,7 @@
           <a:p>
             <a:fld id="{FC9E3126-F7DE-4F54-A65B-850989AC8305}" type="datetimeFigureOut">
               <a:rPr lang="en-US" smtClean="0"/>
-              <a:t>9/24/2019</a:t>
+              <a:t>9/26/2019</a:t>
             </a:fld>
             <a:endParaRPr lang="en-US"/>
           </a:p>
@@ -9100,7 +10151,7 @@
           <a:p>
             <a:fld id="{FC9E3126-F7DE-4F54-A65B-850989AC8305}" type="datetimeFigureOut">
               <a:rPr lang="en-US" smtClean="0"/>
-              <a:t>9/24/2019</a:t>
+              <a:t>9/26/2019</a:t>
             </a:fld>
             <a:endParaRPr lang="en-US"/>
           </a:p>
@@ -9380,7 +10431,7 @@
           <a:p>
             <a:fld id="{FC9E3126-F7DE-4F54-A65B-850989AC8305}" type="datetimeFigureOut">
               <a:rPr lang="en-US" smtClean="0"/>
-              <a:t>9/24/2019</a:t>
+              <a:t>9/26/2019</a:t>
             </a:fld>
             <a:endParaRPr lang="en-US"/>
           </a:p>
@@ -12457,7 +13508,7 @@
           <a:p>
             <a:fld id="{FC9E3126-F7DE-4F54-A65B-850989AC8305}" type="datetimeFigureOut">
               <a:rPr lang="en-US" smtClean="0"/>
-              <a:t>9/24/2019</a:t>
+              <a:t>9/26/2019</a:t>
             </a:fld>
             <a:endParaRPr lang="en-US"/>
           </a:p>
@@ -12887,7 +13938,12 @@
             <p:ph type="ctrTitle"/>
           </p:nvPr>
         </p:nvSpPr>
-        <p:spPr/>
+        <p:spPr>
+          <a:xfrm>
+            <a:off x="1597455" y="2020351"/>
+            <a:ext cx="8791575" cy="2387600"/>
+          </a:xfrm>
+        </p:spPr>
         <p:txBody>
           <a:bodyPr/>
           <a:lstStyle/>
@@ -12895,43 +13951,17 @@
             <a:pPr algn="ctr"/>
             <a:r>
               <a:rPr lang="en-US" dirty="0" err="1" smtClean="0"/>
-              <a:t>Naslov</a:t>
+              <a:t>Jedno</a:t>
+            </a:r>
+            <a:r>
+              <a:rPr lang="en-US" dirty="0" smtClean="0"/>
+              <a:t> re</a:t>
+            </a:r>
+            <a:r>
+              <a:rPr lang="sr-Latn-RS" dirty="0" smtClean="0"/>
+              <a:t>šenje za restauraciju i očuvanje podataka sa starih medijuma</a:t>
             </a:r>
             <a:endParaRPr lang="en-US" dirty="0"/>
-          </a:p>
-        </p:txBody>
-      </p:sp>
-      <p:sp>
-        <p:nvSpPr>
-          <p:cNvPr id="3" name="Subtitle 2"/>
-          <p:cNvSpPr>
-            <a:spLocks noGrp="1"/>
-          </p:cNvSpPr>
-          <p:nvPr>
-            <p:ph type="subTitle" idx="1"/>
-          </p:nvPr>
-        </p:nvSpPr>
-        <p:spPr/>
-        <p:txBody>
-          <a:bodyPr/>
-          <a:lstStyle/>
-          <a:p>
-            <a:pPr algn="ctr"/>
-            <a:r>
-              <a:rPr lang="en-US" dirty="0" smtClean="0">
-                <a:latin typeface="Arial Narrow" panose="020B0606020202030204" pitchFamily="34" charset="0"/>
-              </a:rPr>
-              <a:t>DIPLOMSKI </a:t>
-            </a:r>
-            <a:r>
-              <a:rPr lang="en-US" dirty="0" err="1" smtClean="0">
-                <a:latin typeface="Arial Narrow" panose="020B0606020202030204" pitchFamily="34" charset="0"/>
-              </a:rPr>
-              <a:t>RAd</a:t>
-            </a:r>
-            <a:endParaRPr lang="en-US" dirty="0">
-              <a:latin typeface="Arial Narrow" panose="020B0606020202030204" pitchFamily="34" charset="0"/>
-            </a:endParaRPr>
           </a:p>
         </p:txBody>
       </p:sp>
@@ -12956,6 +13986,106 @@
 </file>
 
 <file path=ppt/slides/slide10.xml><?xml version="1.0" encoding="utf-8"?>
+<p:sld xmlns:a="http://schemas.openxmlformats.org/drawingml/2006/main" xmlns:r="http://schemas.openxmlformats.org/officeDocument/2006/relationships" xmlns:p="http://schemas.openxmlformats.org/presentationml/2006/main">
+  <p:cSld>
+    <p:spTree>
+      <p:nvGrpSpPr>
+        <p:cNvPr id="1" name=""/>
+        <p:cNvGrpSpPr/>
+        <p:nvPr/>
+      </p:nvGrpSpPr>
+      <p:grpSpPr>
+        <a:xfrm>
+          <a:off x="0" y="0"/>
+          <a:ext cx="0" cy="0"/>
+          <a:chOff x="0" y="0"/>
+          <a:chExt cx="0" cy="0"/>
+        </a:xfrm>
+      </p:grpSpPr>
+      <p:sp>
+        <p:nvSpPr>
+          <p:cNvPr id="2" name="Title 1"/>
+          <p:cNvSpPr>
+            <a:spLocks noGrp="1"/>
+          </p:cNvSpPr>
+          <p:nvPr>
+            <p:ph type="title"/>
+          </p:nvPr>
+        </p:nvSpPr>
+        <p:spPr/>
+        <p:txBody>
+          <a:bodyPr/>
+          <a:lstStyle/>
+          <a:p>
+            <a:r>
+              <a:rPr lang="sr-Latn-RS" dirty="0" smtClean="0"/>
+              <a:t>Interne strukture podataka</a:t>
+            </a:r>
+            <a:endParaRPr lang="en-US" dirty="0"/>
+          </a:p>
+        </p:txBody>
+      </p:sp>
+      <p:sp>
+        <p:nvSpPr>
+          <p:cNvPr id="3" name="Content Placeholder 2"/>
+          <p:cNvSpPr>
+            <a:spLocks noGrp="1"/>
+          </p:cNvSpPr>
+          <p:nvPr>
+            <p:ph idx="1"/>
+          </p:nvPr>
+        </p:nvSpPr>
+        <p:spPr/>
+        <p:txBody>
+          <a:bodyPr/>
+          <a:lstStyle/>
+          <a:p>
+            <a:r>
+              <a:rPr lang="sr-Latn-RS" dirty="0" smtClean="0"/>
+              <a:t>Lista</a:t>
+            </a:r>
+          </a:p>
+          <a:p>
+            <a:r>
+              <a:rPr lang="sr-Latn-RS" dirty="0" smtClean="0"/>
+              <a:t>Niz</a:t>
+            </a:r>
+          </a:p>
+          <a:p>
+            <a:r>
+              <a:rPr lang="sr-Latn-RS" dirty="0" smtClean="0"/>
+              <a:t>Bajt</a:t>
+            </a:r>
+          </a:p>
+          <a:p>
+            <a:r>
+              <a:rPr lang="sr-Latn-RS" dirty="0" smtClean="0"/>
+              <a:t>Fajl</a:t>
+            </a:r>
+          </a:p>
+        </p:txBody>
+      </p:sp>
+    </p:spTree>
+    <p:extLst>
+      <p:ext uri="{BB962C8B-B14F-4D97-AF65-F5344CB8AC3E}">
+        <p14:creationId xmlns:p14="http://schemas.microsoft.com/office/powerpoint/2010/main" val="632320174"/>
+      </p:ext>
+    </p:extLst>
+  </p:cSld>
+  <p:clrMapOvr>
+    <a:masterClrMapping/>
+  </p:clrMapOvr>
+  <p:timing>
+    <p:tnLst>
+      <p:par>
+        <p:cTn id="1" dur="indefinite" restart="never" nodeType="tmRoot"/>
+      </p:par>
+    </p:tnLst>
+  </p:timing>
+</p:sld>
+</file>
+
+<file path=ppt/slides/slide11.xml><?xml version="1.0" encoding="utf-8"?>
 <p:sld xmlns:a="http://schemas.openxmlformats.org/drawingml/2006/main" xmlns:r="http://schemas.openxmlformats.org/officeDocument/2006/relationships" xmlns:p="http://schemas.openxmlformats.org/presentationml/2006/main">
   <p:cSld>
     <p:spTree>
@@ -13116,23 +14246,7 @@
             </a:r>
             <a:r>
               <a:rPr lang="en-US" dirty="0" smtClean="0"/>
-              <a:t> 1541 </a:t>
-            </a:r>
-            <a:r>
-              <a:rPr lang="en-US" dirty="0" err="1" smtClean="0"/>
-              <a:t>i</a:t>
-            </a:r>
-            <a:r>
-              <a:rPr lang="en-US" dirty="0" smtClean="0"/>
-              <a:t> </a:t>
-            </a:r>
-            <a:r>
-              <a:rPr lang="en-US" dirty="0"/>
-              <a:t>5.25"flopi </a:t>
-            </a:r>
-            <a:r>
-              <a:rPr lang="en-US" dirty="0" err="1"/>
-              <a:t>disketa</a:t>
+              <a:t> 1541</a:t>
             </a:r>
             <a:endParaRPr lang="en-US" dirty="0"/>
           </a:p>
@@ -13202,126 +14316,46 @@
             </a:br>
             <a:r>
               <a:rPr lang="sr-Latn-RS" dirty="0" smtClean="0"/>
-              <a:t>koji je razvijen u Kanadi od strane kompanije </a:t>
+              <a:t>razvijen </a:t>
+            </a:r>
+            <a:r>
+              <a:rPr lang="sr-Latn-RS" dirty="0" smtClean="0"/>
+              <a:t>1982</a:t>
+            </a:r>
+            <a:r>
+              <a:rPr lang="en-US" dirty="0" smtClean="0"/>
+              <a:t>.</a:t>
+            </a:r>
+            <a:r>
+              <a:rPr lang="sr-Latn-RS" dirty="0" smtClean="0"/>
+              <a:t> godine u </a:t>
+            </a:r>
+            <a:r>
+              <a:rPr lang="sr-Latn-RS" dirty="0"/>
+              <a:t>Kanadi od </a:t>
+            </a:r>
+            <a:r>
+              <a:rPr lang="sr-Latn-RS" dirty="0" smtClean="0"/>
+              <a:t>strane</a:t>
+            </a:r>
+            <a:r>
+              <a:rPr lang="en-US" dirty="0"/>
+              <a:t/>
             </a:r>
             <a:br>
+              <a:rPr lang="en-US" dirty="0"/>
+            </a:br>
+            <a:r>
               <a:rPr lang="sr-Latn-RS" dirty="0" smtClean="0"/>
-            </a:br>
+              <a:t>kompanije</a:t>
+            </a:r>
+            <a:r>
+              <a:rPr lang="en-US" dirty="0" smtClean="0"/>
+              <a:t> </a:t>
+            </a:r>
             <a:r>
               <a:rPr lang="sr-Latn-RS" i="1" dirty="0" smtClean="0"/>
               <a:t>Commodore</a:t>
-            </a:r>
-            <a:r>
-              <a:rPr lang="sr-Latn-RS" dirty="0" smtClean="0"/>
-              <a:t>, 1982 godine.</a:t>
-            </a:r>
-          </a:p>
-          <a:p>
-            <a:r>
-              <a:rPr lang="en-US" dirty="0" err="1"/>
-              <a:t>Originalna</a:t>
-            </a:r>
-            <a:r>
-              <a:rPr lang="en-US" dirty="0"/>
-              <a:t> </a:t>
-            </a:r>
-            <a:r>
-              <a:rPr lang="en-US" i="1" dirty="0"/>
-              <a:t>5.25"flopi </a:t>
-            </a:r>
-            <a:r>
-              <a:rPr lang="en-US" i="1" dirty="0" err="1"/>
-              <a:t>disketa</a:t>
-            </a:r>
-            <a:r>
-              <a:rPr lang="en-US" i="1" dirty="0"/>
-              <a:t> </a:t>
-            </a:r>
-            <a:r>
-              <a:rPr lang="en-US" dirty="0" err="1"/>
-              <a:t>ili</a:t>
-            </a:r>
-            <a:r>
-              <a:rPr lang="en-US" i="1" dirty="0"/>
-              <a:t> </a:t>
-            </a:r>
-            <a:r>
-              <a:rPr lang="en-US" i="1" dirty="0" err="1"/>
-              <a:t>miniflopi</a:t>
-            </a:r>
-            <a:r>
-              <a:rPr lang="en-US" i="1" dirty="0"/>
-              <a:t> </a:t>
-            </a:r>
-            <a:r>
-              <a:rPr lang="en-US" dirty="0"/>
-              <a:t>bio je </a:t>
-            </a:r>
-            <a:r>
-              <a:rPr lang="sr-Latn-RS" dirty="0" smtClean="0"/>
-              <a:t/>
-            </a:r>
-            <a:br>
-              <a:rPr lang="sr-Latn-RS" dirty="0" smtClean="0"/>
-            </a:br>
-            <a:r>
-              <a:rPr lang="en-US" dirty="0" err="1" smtClean="0"/>
-              <a:t>magnetni</a:t>
-            </a:r>
-            <a:r>
-              <a:rPr lang="en-US" dirty="0" smtClean="0"/>
-              <a:t> </a:t>
-            </a:r>
-            <a:r>
-              <a:rPr lang="sr-Latn-RS" dirty="0" smtClean="0"/>
-              <a:t>medium </a:t>
-            </a:r>
-            <a:r>
-              <a:rPr lang="en-US" dirty="0" smtClean="0"/>
-              <a:t>format</a:t>
-            </a:r>
-            <a:r>
-              <a:rPr lang="sr-Latn-RS" dirty="0" smtClean="0"/>
-              <a:t> </a:t>
-            </a:r>
-            <a:r>
-              <a:rPr lang="en-US" dirty="0" err="1" smtClean="0"/>
-              <a:t>koga</a:t>
-            </a:r>
-            <a:r>
-              <a:rPr lang="en-US" dirty="0" smtClean="0"/>
-              <a:t> je 1976. </a:t>
-            </a:r>
-            <a:r>
-              <a:rPr lang="en-US" dirty="0" err="1" smtClean="0"/>
-              <a:t>godine</a:t>
-            </a:r>
-            <a:r>
-              <a:rPr lang="en-US" dirty="0" smtClean="0"/>
-              <a:t> </a:t>
-            </a:r>
-            <a:r>
-              <a:rPr lang="sr-Latn-RS" dirty="0" smtClean="0"/>
-              <a:t/>
-            </a:r>
-            <a:br>
-              <a:rPr lang="sr-Latn-RS" dirty="0" smtClean="0"/>
-            </a:br>
-            <a:r>
-              <a:rPr lang="en-US" dirty="0" err="1" smtClean="0"/>
-              <a:t>predstavio</a:t>
-            </a:r>
-            <a:r>
-              <a:rPr lang="en-US" i="1" dirty="0" smtClean="0"/>
-              <a:t> </a:t>
-            </a:r>
-            <a:r>
-              <a:rPr lang="en-US" i="1" dirty="0" err="1" smtClean="0"/>
-              <a:t>Shugart</a:t>
-            </a:r>
-            <a:r>
-              <a:rPr lang="en-US" i="1" dirty="0" smtClean="0"/>
-              <a:t> Associates</a:t>
             </a:r>
             <a:r>
               <a:rPr lang="sr-Latn-RS" dirty="0" smtClean="0"/>
@@ -13352,38 +14386,8 @@
         </p:blipFill>
         <p:spPr>
           <a:xfrm>
-            <a:off x="7694951" y="2097088"/>
-            <a:ext cx="3352460" cy="2231781"/>
-          </a:xfrm>
-          <a:prstGeom prst="rect">
-            <a:avLst/>
-          </a:prstGeom>
-        </p:spPr>
-      </p:pic>
-      <p:pic>
-        <p:nvPicPr>
-          <p:cNvPr id="8" name="Picture 7"/>
-          <p:cNvPicPr>
-            <a:picLocks noChangeAspect="1"/>
-          </p:cNvPicPr>
-          <p:nvPr/>
-        </p:nvPicPr>
-        <p:blipFill>
-          <a:blip r:embed="rId4" cstate="print">
-            <a:extLst>
-              <a:ext uri="{28A0092B-C50C-407E-A947-70E740481C1C}">
-                <a14:useLocalDpi xmlns:a14="http://schemas.microsoft.com/office/drawing/2010/main" val="0"/>
-              </a:ext>
-            </a:extLst>
-          </a:blip>
-          <a:stretch>
-            <a:fillRect/>
-          </a:stretch>
-        </p:blipFill>
-        <p:spPr>
-          <a:xfrm>
-            <a:off x="8366865" y="4481268"/>
-            <a:ext cx="2008632" cy="1950720"/>
+            <a:off x="6094411" y="3339360"/>
+            <a:ext cx="3997047" cy="2660892"/>
           </a:xfrm>
           <a:prstGeom prst="rect">
             <a:avLst/>
@@ -13443,12 +14447,12 @@
           <a:lstStyle/>
           <a:p>
             <a:r>
-              <a:rPr lang="en-US" dirty="0"/>
-              <a:t>D64 </a:t>
-            </a:r>
-            <a:r>
-              <a:rPr lang="en-US" dirty="0" err="1"/>
-              <a:t>fajl</a:t>
+              <a:rPr lang="en-US" dirty="0" smtClean="0"/>
+              <a:t>5.25"flopi </a:t>
+            </a:r>
+            <a:r>
+              <a:rPr lang="en-US" dirty="0" err="1" smtClean="0"/>
+              <a:t>disketa</a:t>
             </a:r>
             <a:endParaRPr lang="en-US" dirty="0"/>
           </a:p>
@@ -13470,6 +14474,576 @@
           <a:lstStyle/>
           <a:p>
             <a:r>
+              <a:rPr lang="en-US" dirty="0" err="1"/>
+              <a:t>Originalna</a:t>
+            </a:r>
+            <a:r>
+              <a:rPr lang="en-US" dirty="0"/>
+              <a:t> </a:t>
+            </a:r>
+            <a:r>
+              <a:rPr lang="en-US" i="1" dirty="0"/>
+              <a:t>5.25"flopi </a:t>
+            </a:r>
+            <a:r>
+              <a:rPr lang="en-US" i="1" dirty="0" err="1"/>
+              <a:t>disketa</a:t>
+            </a:r>
+            <a:r>
+              <a:rPr lang="en-US" i="1" dirty="0"/>
+              <a:t> </a:t>
+            </a:r>
+            <a:r>
+              <a:rPr lang="en-US" dirty="0" err="1"/>
+              <a:t>ili</a:t>
+            </a:r>
+            <a:r>
+              <a:rPr lang="en-US" i="1" dirty="0"/>
+              <a:t> </a:t>
+            </a:r>
+            <a:r>
+              <a:rPr lang="en-US" i="1" dirty="0" err="1" smtClean="0"/>
+              <a:t>miniflopi</a:t>
+            </a:r>
+            <a:r>
+              <a:rPr lang="en-US" dirty="0" smtClean="0"/>
+              <a:t> </a:t>
+            </a:r>
+            <a:r>
+              <a:rPr lang="en-US" dirty="0"/>
+              <a:t>je </a:t>
+            </a:r>
+            <a:r>
+              <a:rPr lang="sr-Latn-RS" dirty="0"/>
+              <a:t/>
+            </a:r>
+            <a:br>
+              <a:rPr lang="sr-Latn-RS" dirty="0"/>
+            </a:br>
+            <a:r>
+              <a:rPr lang="en-US" dirty="0" err="1"/>
+              <a:t>magnetni</a:t>
+            </a:r>
+            <a:r>
+              <a:rPr lang="en-US" dirty="0"/>
+              <a:t> </a:t>
+            </a:r>
+            <a:r>
+              <a:rPr lang="sr-Latn-RS" dirty="0"/>
+              <a:t>medium </a:t>
+            </a:r>
+            <a:r>
+              <a:rPr lang="en-US" dirty="0"/>
+              <a:t>format</a:t>
+            </a:r>
+            <a:r>
+              <a:rPr lang="sr-Latn-RS" dirty="0"/>
+              <a:t> </a:t>
+            </a:r>
+            <a:r>
+              <a:rPr lang="en-US" dirty="0" err="1"/>
+              <a:t>koga</a:t>
+            </a:r>
+            <a:r>
+              <a:rPr lang="en-US" dirty="0"/>
+              <a:t> je 1976. </a:t>
+            </a:r>
+            <a:r>
+              <a:rPr lang="en-US" dirty="0" err="1"/>
+              <a:t>godine</a:t>
+            </a:r>
+            <a:r>
+              <a:rPr lang="en-US" dirty="0"/>
+              <a:t> </a:t>
+            </a:r>
+            <a:r>
+              <a:rPr lang="sr-Latn-RS" dirty="0"/>
+              <a:t/>
+            </a:r>
+            <a:br>
+              <a:rPr lang="sr-Latn-RS" dirty="0"/>
+            </a:br>
+            <a:r>
+              <a:rPr lang="en-US" dirty="0" err="1"/>
+              <a:t>predstavio</a:t>
+            </a:r>
+            <a:r>
+              <a:rPr lang="en-US" i="1" dirty="0"/>
+              <a:t> </a:t>
+            </a:r>
+            <a:r>
+              <a:rPr lang="en-US" i="1" dirty="0" err="1"/>
+              <a:t>Shugart</a:t>
+            </a:r>
+            <a:r>
+              <a:rPr lang="en-US" i="1" dirty="0"/>
+              <a:t> Associates</a:t>
+            </a:r>
+            <a:r>
+              <a:rPr lang="sr-Latn-RS" dirty="0"/>
+              <a:t>.</a:t>
+            </a:r>
+          </a:p>
+        </p:txBody>
+      </p:sp>
+      <p:pic>
+        <p:nvPicPr>
+          <p:cNvPr id="4" name="Picture 3"/>
+          <p:cNvPicPr>
+            <a:picLocks noChangeAspect="1"/>
+          </p:cNvPicPr>
+          <p:nvPr/>
+        </p:nvPicPr>
+        <p:blipFill>
+          <a:blip r:embed="rId3" cstate="print">
+            <a:extLst>
+              <a:ext uri="{28A0092B-C50C-407E-A947-70E740481C1C}">
+                <a14:useLocalDpi xmlns:a14="http://schemas.microsoft.com/office/drawing/2010/main" val="0"/>
+              </a:ext>
+            </a:extLst>
+          </a:blip>
+          <a:stretch>
+            <a:fillRect/>
+          </a:stretch>
+        </p:blipFill>
+        <p:spPr>
+          <a:xfrm>
+            <a:off x="8012624" y="2097088"/>
+            <a:ext cx="3034787" cy="2947290"/>
+          </a:xfrm>
+          <a:prstGeom prst="rect">
+            <a:avLst/>
+          </a:prstGeom>
+        </p:spPr>
+      </p:pic>
+      <p:graphicFrame>
+        <p:nvGraphicFramePr>
+          <p:cNvPr id="6" name="Table 5"/>
+          <p:cNvGraphicFramePr>
+            <a:graphicFrameLocks noGrp="1"/>
+          </p:cNvGraphicFramePr>
+          <p:nvPr>
+            <p:extLst>
+              <p:ext uri="{D42A27DB-BD31-4B8C-83A1-F6EECF244321}">
+                <p14:modId xmlns:p14="http://schemas.microsoft.com/office/powerpoint/2010/main" val="3328368193"/>
+              </p:ext>
+            </p:extLst>
+          </p:nvPr>
+        </p:nvGraphicFramePr>
+        <p:xfrm>
+          <a:off x="1524712" y="4020344"/>
+          <a:ext cx="6104612" cy="1828800"/>
+        </p:xfrm>
+        <a:graphic>
+          <a:graphicData uri="http://schemas.openxmlformats.org/drawingml/2006/table">
+            <a:tbl>
+              <a:tblPr firstRow="1" bandRow="1">
+                <a:tableStyleId>{7DF18680-E054-41AD-8BC1-D1AEF772440D}</a:tableStyleId>
+              </a:tblPr>
+              <a:tblGrid>
+                <a:gridCol w="780378"/>
+                <a:gridCol w="1549830"/>
+                <a:gridCol w="1751309"/>
+                <a:gridCol w="2023095"/>
+              </a:tblGrid>
+              <a:tr h="301454">
+                <a:tc>
+                  <a:txBody>
+                    <a:bodyPr/>
+                    <a:lstStyle/>
+                    <a:p>
+                      <a:pPr algn="ctr"/>
+                      <a:r>
+                        <a:rPr lang="sr-Latn-RS" dirty="0" smtClean="0"/>
+                        <a:t>Traka</a:t>
+                      </a:r>
+                      <a:endParaRPr lang="en-US" dirty="0"/>
+                    </a:p>
+                  </a:txBody>
+                  <a:tcPr/>
+                </a:tc>
+                <a:tc>
+                  <a:txBody>
+                    <a:bodyPr/>
+                    <a:lstStyle/>
+                    <a:p>
+                      <a:pPr algn="ctr"/>
+                      <a:r>
+                        <a:rPr lang="sr-Latn-RS" dirty="0" smtClean="0"/>
+                        <a:t>Sektori/traka</a:t>
+                      </a:r>
+                      <a:endParaRPr lang="en-US" dirty="0"/>
+                    </a:p>
+                  </a:txBody>
+                  <a:tcPr/>
+                </a:tc>
+                <a:tc>
+                  <a:txBody>
+                    <a:bodyPr/>
+                    <a:lstStyle/>
+                    <a:p>
+                      <a:pPr algn="ctr"/>
+                      <a:r>
+                        <a:rPr lang="sr-Latn-RS" dirty="0" smtClean="0"/>
+                        <a:t>Ukupno</a:t>
+                      </a:r>
+                      <a:r>
+                        <a:rPr lang="sr-Latn-RS" baseline="0" dirty="0" smtClean="0"/>
+                        <a:t> Sektora</a:t>
+                      </a:r>
+                      <a:endParaRPr lang="en-US" dirty="0"/>
+                    </a:p>
+                  </a:txBody>
+                  <a:tcPr/>
+                </a:tc>
+                <a:tc>
+                  <a:txBody>
+                    <a:bodyPr/>
+                    <a:lstStyle/>
+                    <a:p>
+                      <a:pPr algn="ctr"/>
+                      <a:r>
+                        <a:rPr lang="sr-Latn-RS" dirty="0" smtClean="0"/>
+                        <a:t>Skladište u bajtima</a:t>
+                      </a:r>
+                      <a:endParaRPr lang="en-US" dirty="0"/>
+                    </a:p>
+                  </a:txBody>
+                  <a:tcPr/>
+                </a:tc>
+              </a:tr>
+              <a:tr h="323997">
+                <a:tc>
+                  <a:txBody>
+                    <a:bodyPr/>
+                    <a:lstStyle/>
+                    <a:p>
+                      <a:pPr algn="ctr"/>
+                      <a:r>
+                        <a:rPr lang="sr-Latn-RS" dirty="0" smtClean="0"/>
+                        <a:t>1-17</a:t>
+                      </a:r>
+                      <a:endParaRPr lang="en-US" dirty="0"/>
+                    </a:p>
+                  </a:txBody>
+                  <a:tcPr/>
+                </a:tc>
+                <a:tc>
+                  <a:txBody>
+                    <a:bodyPr/>
+                    <a:lstStyle/>
+                    <a:p>
+                      <a:pPr algn="ctr"/>
+                      <a:r>
+                        <a:rPr lang="sr-Latn-RS" dirty="0" smtClean="0"/>
+                        <a:t>21</a:t>
+                      </a:r>
+                      <a:endParaRPr lang="en-US" dirty="0"/>
+                    </a:p>
+                  </a:txBody>
+                  <a:tcPr/>
+                </a:tc>
+                <a:tc>
+                  <a:txBody>
+                    <a:bodyPr/>
+                    <a:lstStyle/>
+                    <a:p>
+                      <a:pPr algn="ctr"/>
+                      <a:r>
+                        <a:rPr lang="sr-Latn-RS" dirty="0" smtClean="0"/>
+                        <a:t>357</a:t>
+                      </a:r>
+                      <a:endParaRPr lang="en-US" dirty="0"/>
+                    </a:p>
+                  </a:txBody>
+                  <a:tcPr/>
+                </a:tc>
+                <a:tc>
+                  <a:txBody>
+                    <a:bodyPr/>
+                    <a:lstStyle/>
+                    <a:p>
+                      <a:pPr algn="ctr"/>
+                      <a:r>
+                        <a:rPr lang="sr-Latn-RS" dirty="0" smtClean="0"/>
+                        <a:t>7820</a:t>
+                      </a:r>
+                      <a:endParaRPr lang="en-US" dirty="0"/>
+                    </a:p>
+                  </a:txBody>
+                  <a:tcPr/>
+                </a:tc>
+              </a:tr>
+              <a:tr h="323997">
+                <a:tc>
+                  <a:txBody>
+                    <a:bodyPr/>
+                    <a:lstStyle/>
+                    <a:p>
+                      <a:pPr algn="ctr"/>
+                      <a:r>
+                        <a:rPr lang="sr-Latn-RS" dirty="0" smtClean="0"/>
+                        <a:t>18-24</a:t>
+                      </a:r>
+                      <a:endParaRPr lang="en-US" dirty="0"/>
+                    </a:p>
+                  </a:txBody>
+                  <a:tcPr/>
+                </a:tc>
+                <a:tc>
+                  <a:txBody>
+                    <a:bodyPr/>
+                    <a:lstStyle/>
+                    <a:p>
+                      <a:pPr algn="ctr"/>
+                      <a:r>
+                        <a:rPr lang="sr-Latn-RS" dirty="0" smtClean="0"/>
+                        <a:t>19</a:t>
+                      </a:r>
+                      <a:endParaRPr lang="en-US" dirty="0"/>
+                    </a:p>
+                  </a:txBody>
+                  <a:tcPr/>
+                </a:tc>
+                <a:tc>
+                  <a:txBody>
+                    <a:bodyPr/>
+                    <a:lstStyle/>
+                    <a:p>
+                      <a:pPr algn="ctr"/>
+                      <a:r>
+                        <a:rPr lang="sr-Latn-RS" dirty="0" smtClean="0"/>
+                        <a:t>133</a:t>
+                      </a:r>
+                      <a:endParaRPr lang="en-US" dirty="0"/>
+                    </a:p>
+                  </a:txBody>
+                  <a:tcPr/>
+                </a:tc>
+                <a:tc>
+                  <a:txBody>
+                    <a:bodyPr/>
+                    <a:lstStyle/>
+                    <a:p>
+                      <a:pPr algn="ctr"/>
+                      <a:r>
+                        <a:rPr lang="sr-Latn-RS" dirty="0" smtClean="0"/>
+                        <a:t>7170</a:t>
+                      </a:r>
+                      <a:endParaRPr lang="en-US" dirty="0"/>
+                    </a:p>
+                  </a:txBody>
+                  <a:tcPr/>
+                </a:tc>
+              </a:tr>
+              <a:tr h="323997">
+                <a:tc>
+                  <a:txBody>
+                    <a:bodyPr/>
+                    <a:lstStyle/>
+                    <a:p>
+                      <a:pPr algn="ctr"/>
+                      <a:r>
+                        <a:rPr lang="sr-Latn-RS" dirty="0" smtClean="0"/>
+                        <a:t>25-30</a:t>
+                      </a:r>
+                      <a:endParaRPr lang="en-US" dirty="0"/>
+                    </a:p>
+                  </a:txBody>
+                  <a:tcPr/>
+                </a:tc>
+                <a:tc>
+                  <a:txBody>
+                    <a:bodyPr/>
+                    <a:lstStyle/>
+                    <a:p>
+                      <a:pPr algn="ctr"/>
+                      <a:r>
+                        <a:rPr lang="sr-Latn-RS" dirty="0" smtClean="0"/>
+                        <a:t>18</a:t>
+                      </a:r>
+                      <a:endParaRPr lang="en-US" dirty="0"/>
+                    </a:p>
+                  </a:txBody>
+                  <a:tcPr/>
+                </a:tc>
+                <a:tc>
+                  <a:txBody>
+                    <a:bodyPr/>
+                    <a:lstStyle/>
+                    <a:p>
+                      <a:pPr algn="ctr"/>
+                      <a:r>
+                        <a:rPr lang="sr-Latn-RS" dirty="0" smtClean="0"/>
+                        <a:t>108</a:t>
+                      </a:r>
+                      <a:endParaRPr lang="en-US" dirty="0"/>
+                    </a:p>
+                  </a:txBody>
+                  <a:tcPr/>
+                </a:tc>
+                <a:tc>
+                  <a:txBody>
+                    <a:bodyPr/>
+                    <a:lstStyle/>
+                    <a:p>
+                      <a:pPr algn="ctr"/>
+                      <a:r>
+                        <a:rPr lang="sr-Latn-RS" dirty="0" smtClean="0"/>
+                        <a:t>6300</a:t>
+                      </a:r>
+                      <a:endParaRPr lang="en-US" dirty="0"/>
+                    </a:p>
+                  </a:txBody>
+                  <a:tcPr/>
+                </a:tc>
+              </a:tr>
+              <a:tr h="323997">
+                <a:tc>
+                  <a:txBody>
+                    <a:bodyPr/>
+                    <a:lstStyle/>
+                    <a:p>
+                      <a:pPr algn="ctr"/>
+                      <a:r>
+                        <a:rPr lang="sr-Latn-RS" dirty="0" smtClean="0"/>
+                        <a:t>31-35</a:t>
+                      </a:r>
+                      <a:endParaRPr lang="en-US" dirty="0"/>
+                    </a:p>
+                  </a:txBody>
+                  <a:tcPr/>
+                </a:tc>
+                <a:tc>
+                  <a:txBody>
+                    <a:bodyPr/>
+                    <a:lstStyle/>
+                    <a:p>
+                      <a:pPr algn="ctr"/>
+                      <a:r>
+                        <a:rPr lang="sr-Latn-RS" dirty="0" smtClean="0"/>
+                        <a:t>17</a:t>
+                      </a:r>
+                      <a:endParaRPr lang="en-US" dirty="0"/>
+                    </a:p>
+                  </a:txBody>
+                  <a:tcPr/>
+                </a:tc>
+                <a:tc>
+                  <a:txBody>
+                    <a:bodyPr/>
+                    <a:lstStyle/>
+                    <a:p>
+                      <a:pPr algn="ctr"/>
+                      <a:r>
+                        <a:rPr lang="sr-Latn-RS" dirty="0" smtClean="0"/>
+                        <a:t>85</a:t>
+                      </a:r>
+                      <a:endParaRPr lang="en-US" dirty="0"/>
+                    </a:p>
+                  </a:txBody>
+                  <a:tcPr/>
+                </a:tc>
+                <a:tc>
+                  <a:txBody>
+                    <a:bodyPr/>
+                    <a:lstStyle/>
+                    <a:p>
+                      <a:pPr algn="ctr"/>
+                      <a:r>
+                        <a:rPr lang="sr-Latn-RS" dirty="0" smtClean="0"/>
+                        <a:t>6020</a:t>
+                      </a:r>
+                      <a:endParaRPr lang="en-US" dirty="0"/>
+                    </a:p>
+                  </a:txBody>
+                  <a:tcPr/>
+                </a:tc>
+              </a:tr>
+            </a:tbl>
+          </a:graphicData>
+        </a:graphic>
+      </p:graphicFrame>
+    </p:spTree>
+    <p:extLst>
+      <p:ext uri="{BB962C8B-B14F-4D97-AF65-F5344CB8AC3E}">
+        <p14:creationId xmlns:p14="http://schemas.microsoft.com/office/powerpoint/2010/main" val="887764602"/>
+      </p:ext>
+    </p:extLst>
+  </p:cSld>
+  <p:clrMapOvr>
+    <a:masterClrMapping/>
+  </p:clrMapOvr>
+  <p:timing>
+    <p:tnLst>
+      <p:par>
+        <p:cTn id="1" dur="indefinite" restart="never" nodeType="tmRoot"/>
+      </p:par>
+    </p:tnLst>
+  </p:timing>
+</p:sld>
+</file>
+
+<file path=ppt/slides/slide4.xml><?xml version="1.0" encoding="utf-8"?>
+<p:sld xmlns:a="http://schemas.openxmlformats.org/drawingml/2006/main" xmlns:r="http://schemas.openxmlformats.org/officeDocument/2006/relationships" xmlns:p="http://schemas.openxmlformats.org/presentationml/2006/main">
+  <p:cSld>
+    <p:spTree>
+      <p:nvGrpSpPr>
+        <p:cNvPr id="1" name=""/>
+        <p:cNvGrpSpPr/>
+        <p:nvPr/>
+      </p:nvGrpSpPr>
+      <p:grpSpPr>
+        <a:xfrm>
+          <a:off x="0" y="0"/>
+          <a:ext cx="0" cy="0"/>
+          <a:chOff x="0" y="0"/>
+          <a:chExt cx="0" cy="0"/>
+        </a:xfrm>
+      </p:grpSpPr>
+      <p:sp>
+        <p:nvSpPr>
+          <p:cNvPr id="2" name="Title 1"/>
+          <p:cNvSpPr>
+            <a:spLocks noGrp="1"/>
+          </p:cNvSpPr>
+          <p:nvPr>
+            <p:ph type="title"/>
+          </p:nvPr>
+        </p:nvSpPr>
+        <p:spPr/>
+        <p:txBody>
+          <a:bodyPr/>
+          <a:lstStyle/>
+          <a:p>
+            <a:r>
+              <a:rPr lang="en-US" dirty="0"/>
+              <a:t>D64 </a:t>
+            </a:r>
+            <a:r>
+              <a:rPr lang="en-US" dirty="0" err="1"/>
+              <a:t>fajl</a:t>
+            </a:r>
+            <a:endParaRPr lang="en-US" dirty="0"/>
+          </a:p>
+        </p:txBody>
+      </p:sp>
+      <p:sp>
+        <p:nvSpPr>
+          <p:cNvPr id="3" name="Content Placeholder 2"/>
+          <p:cNvSpPr>
+            <a:spLocks noGrp="1"/>
+          </p:cNvSpPr>
+          <p:nvPr>
+            <p:ph idx="1"/>
+          </p:nvPr>
+        </p:nvSpPr>
+        <p:spPr/>
+        <p:txBody>
+          <a:bodyPr/>
+          <a:lstStyle/>
+          <a:p>
+            <a:r>
               <a:rPr lang="en-US" i="1" dirty="0"/>
               <a:t>D64 </a:t>
             </a:r>
@@ -13590,24 +15164,24 @@
           <p:nvPr>
             <p:extLst>
               <p:ext uri="{D42A27DB-BD31-4B8C-83A1-F6EECF244321}">
-                <p14:modId xmlns:p14="http://schemas.microsoft.com/office/powerpoint/2010/main" val="3850561422"/>
+                <p14:modId xmlns:p14="http://schemas.microsoft.com/office/powerpoint/2010/main" val="1270662454"/>
               </p:ext>
             </p:extLst>
           </p:nvPr>
         </p:nvGraphicFramePr>
         <p:xfrm>
-          <a:off x="2030411" y="3849666"/>
-          <a:ext cx="8128000" cy="1854200"/>
+          <a:off x="2398132" y="3570696"/>
+          <a:ext cx="7392558" cy="1854200"/>
         </p:xfrm>
         <a:graphic>
           <a:graphicData uri="http://schemas.openxmlformats.org/drawingml/2006/table">
             <a:tbl>
               <a:tblPr firstRow="1" bandRow="1">
-                <a:tableStyleId>{5C22544A-7EE6-4342-B048-85BDC9FD1C3A}</a:tableStyleId>
+                <a:tableStyleId>{7DF18680-E054-41AD-8BC1-D1AEF772440D}</a:tableStyleId>
               </a:tblPr>
               <a:tblGrid>
-                <a:gridCol w="4064000"/>
-                <a:gridCol w="4064000"/>
+                <a:gridCol w="3696279"/>
+                <a:gridCol w="3696279"/>
               </a:tblGrid>
               <a:tr h="370840">
                 <a:tc>
@@ -13690,7 +15264,15 @@
                       <a:pPr algn="ctr"/>
                       <a:r>
                         <a:rPr lang="sr-Latn-RS" dirty="0" smtClean="0"/>
-                        <a:t>35 traka, 689 bajtova greški</a:t>
+                        <a:t>35 traka, </a:t>
+                      </a:r>
+                      <a:r>
+                        <a:rPr lang="sr-Latn-RS" dirty="0" smtClean="0"/>
+                        <a:t>683 </a:t>
+                      </a:r>
+                      <a:r>
+                        <a:rPr lang="sr-Latn-RS" dirty="0" smtClean="0"/>
+                        <a:t>bajtova greški</a:t>
                       </a:r>
                       <a:endParaRPr lang="en-US" dirty="0"/>
                     </a:p>
@@ -13821,160 +15403,6 @@
 </p:sld>
 </file>
 
-<file path=ppt/slides/slide4.xml><?xml version="1.0" encoding="utf-8"?>
-<p:sld xmlns:a="http://schemas.openxmlformats.org/drawingml/2006/main" xmlns:r="http://schemas.openxmlformats.org/officeDocument/2006/relationships" xmlns:p="http://schemas.openxmlformats.org/presentationml/2006/main">
-  <p:cSld>
-    <p:spTree>
-      <p:nvGrpSpPr>
-        <p:cNvPr id="1" name=""/>
-        <p:cNvGrpSpPr/>
-        <p:nvPr/>
-      </p:nvGrpSpPr>
-      <p:grpSpPr>
-        <a:xfrm>
-          <a:off x="0" y="0"/>
-          <a:ext cx="0" cy="0"/>
-          <a:chOff x="0" y="0"/>
-          <a:chExt cx="0" cy="0"/>
-        </a:xfrm>
-      </p:grpSpPr>
-      <p:sp>
-        <p:nvSpPr>
-          <p:cNvPr id="2" name="Title 1"/>
-          <p:cNvSpPr>
-            <a:spLocks noGrp="1"/>
-          </p:cNvSpPr>
-          <p:nvPr>
-            <p:ph type="title"/>
-          </p:nvPr>
-        </p:nvSpPr>
-        <p:spPr/>
-        <p:txBody>
-          <a:bodyPr/>
-          <a:lstStyle/>
-          <a:p>
-            <a:r>
-              <a:rPr lang="sr-Cyrl-RS" dirty="0" smtClean="0"/>
-              <a:t>О</a:t>
-            </a:r>
-            <a:r>
-              <a:rPr lang="sr-Latn-RS" dirty="0" smtClean="0"/>
-              <a:t>pis problema</a:t>
-            </a:r>
-            <a:endParaRPr lang="en-US" dirty="0"/>
-          </a:p>
-        </p:txBody>
-      </p:sp>
-      <p:sp>
-        <p:nvSpPr>
-          <p:cNvPr id="3" name="Content Placeholder 2"/>
-          <p:cNvSpPr>
-            <a:spLocks noGrp="1"/>
-          </p:cNvSpPr>
-          <p:nvPr>
-            <p:ph idx="1"/>
-          </p:nvPr>
-        </p:nvSpPr>
-        <p:spPr/>
-        <p:txBody>
-          <a:bodyPr/>
-          <a:lstStyle/>
-          <a:p>
-            <a:r>
-              <a:rPr lang="sr-Latn-RS" dirty="0" smtClean="0"/>
-              <a:t>Prilikom čitanja </a:t>
-            </a:r>
-            <a:r>
-              <a:rPr lang="sr-Latn-RS" i="1" dirty="0" smtClean="0"/>
-              <a:t>5.25 flopi diskete </a:t>
-            </a:r>
-            <a:br>
-              <a:rPr lang="sr-Latn-RS" i="1" dirty="0" smtClean="0"/>
-            </a:br>
-            <a:r>
-              <a:rPr lang="sr-Latn-RS" i="1" dirty="0" smtClean="0"/>
-              <a:t>dolazi do grešaka na pojedinim </a:t>
-            </a:r>
-            <a:br>
-              <a:rPr lang="sr-Latn-RS" i="1" dirty="0" smtClean="0"/>
-            </a:br>
-            <a:r>
-              <a:rPr lang="sr-Latn-RS" i="1" dirty="0" smtClean="0"/>
-              <a:t>sektorima.</a:t>
-            </a:r>
-          </a:p>
-          <a:p>
-            <a:r>
-              <a:rPr lang="sr-Latn-RS" i="1" dirty="0" smtClean="0"/>
-              <a:t>Nastale greške se evidentiraju u </a:t>
-            </a:r>
-            <a:br>
-              <a:rPr lang="sr-Latn-RS" i="1" dirty="0" smtClean="0"/>
-            </a:br>
-            <a:r>
-              <a:rPr lang="sr-Latn-RS" i="1" dirty="0" smtClean="0"/>
-              <a:t>dodatnim bajtovima D64 fajla i na </a:t>
-            </a:r>
-            <a:br>
-              <a:rPr lang="sr-Latn-RS" i="1" dirty="0" smtClean="0"/>
-            </a:br>
-            <a:r>
-              <a:rPr lang="sr-Latn-RS" i="1" dirty="0" smtClean="0"/>
-              <a:t>osnovu njih se vrši iscrtavanje.</a:t>
-            </a:r>
-          </a:p>
-        </p:txBody>
-      </p:sp>
-      <p:pic>
-        <p:nvPicPr>
-          <p:cNvPr id="4" name="Picture 3"/>
-          <p:cNvPicPr>
-            <a:picLocks noChangeAspect="1"/>
-          </p:cNvPicPr>
-          <p:nvPr/>
-        </p:nvPicPr>
-        <p:blipFill>
-          <a:blip r:embed="rId2">
-            <a:extLst>
-              <a:ext uri="{28A0092B-C50C-407E-A947-70E740481C1C}">
-                <a14:useLocalDpi xmlns:a14="http://schemas.microsoft.com/office/drawing/2010/main" val="0"/>
-              </a:ext>
-            </a:extLst>
-          </a:blip>
-          <a:stretch>
-            <a:fillRect/>
-          </a:stretch>
-        </p:blipFill>
-        <p:spPr>
-          <a:xfrm>
-            <a:off x="6139706" y="2249487"/>
-            <a:ext cx="4907705" cy="3071126"/>
-          </a:xfrm>
-          <a:prstGeom prst="rect">
-            <a:avLst/>
-          </a:prstGeom>
-        </p:spPr>
-      </p:pic>
-    </p:spTree>
-    <p:extLst>
-      <p:ext uri="{BB962C8B-B14F-4D97-AF65-F5344CB8AC3E}">
-        <p14:creationId xmlns:p14="http://schemas.microsoft.com/office/powerpoint/2010/main" val="440513207"/>
-      </p:ext>
-    </p:extLst>
-  </p:cSld>
-  <p:clrMapOvr>
-    <a:masterClrMapping/>
-  </p:clrMapOvr>
-  <p:timing>
-    <p:tnLst>
-      <p:par>
-        <p:cTn id="1" dur="indefinite" restart="never" nodeType="tmRoot"/>
-      </p:par>
-    </p:tnLst>
-  </p:timing>
-</p:sld>
-</file>
-
 <file path=ppt/slides/slide5.xml><?xml version="1.0" encoding="utf-8"?>
 <p:sld xmlns:a="http://schemas.openxmlformats.org/drawingml/2006/main" xmlns:r="http://schemas.openxmlformats.org/officeDocument/2006/relationships" xmlns:p="http://schemas.openxmlformats.org/presentationml/2006/main">
   <p:cSld>
@@ -14008,8 +15436,12 @@
           <a:lstStyle/>
           <a:p>
             <a:r>
+              <a:rPr lang="sr-Cyrl-RS" dirty="0" smtClean="0"/>
+              <a:t>О</a:t>
+            </a:r>
+            <a:r>
               <a:rPr lang="sr-Latn-RS" dirty="0" smtClean="0"/>
-              <a:t>Analiza problema</a:t>
+              <a:t>pis problema</a:t>
             </a:r>
             <a:endParaRPr lang="en-US" dirty="0"/>
           </a:p>
@@ -14025,58 +15457,67 @@
             <p:ph idx="1"/>
           </p:nvPr>
         </p:nvSpPr>
-        <p:spPr>
-          <a:xfrm>
-            <a:off x="1141412" y="2117004"/>
-            <a:ext cx="9905999" cy="2498976"/>
-          </a:xfrm>
-        </p:spPr>
+        <p:spPr/>
         <p:txBody>
           <a:bodyPr/>
           <a:lstStyle/>
           <a:p>
             <a:r>
               <a:rPr lang="sr-Latn-RS" dirty="0" smtClean="0"/>
-              <a:t>Zbog analize problema razvijeno je</a:t>
-            </a:r>
-            <a:br>
-              <a:rPr lang="sr-Latn-RS" dirty="0" smtClean="0"/>
-            </a:br>
-            <a:r>
-              <a:rPr lang="sr-Latn-RS" dirty="0" smtClean="0"/>
-              <a:t>programsko rešenje za vizuelizaciju grešaka.</a:t>
-            </a:r>
-          </a:p>
-          <a:p>
-            <a:r>
-              <a:rPr lang="sr-Latn-RS" dirty="0" smtClean="0"/>
-              <a:t>Analizom </a:t>
+              <a:t>Prilikom čitanja </a:t>
             </a:r>
             <a:r>
               <a:rPr lang="sr-Latn-RS" i="1" dirty="0" smtClean="0"/>
-              <a:t>D64 fajlova ustanovljeno je da se</a:t>
-            </a:r>
-            <a:r>
-              <a:rPr lang="sr-Latn-RS" i="1" dirty="0"/>
-              <a:t> </a:t>
-            </a:r>
-            <a:r>
-              <a:rPr lang="sr-Latn-RS" i="1" dirty="0" smtClean="0"/>
-              <a:t/>
+              <a:t>5.25 flopi diskete </a:t>
             </a:r>
             <a:br>
               <a:rPr lang="sr-Latn-RS" i="1" dirty="0" smtClean="0"/>
             </a:br>
             <a:r>
               <a:rPr lang="sr-Latn-RS" i="1" dirty="0" smtClean="0"/>
-              <a:t>prilikom višestrukog čitanja flopi diskete </a:t>
+              <a:t>dolazi do grešaka na pojedinim </a:t>
             </a:r>
             <a:br>
               <a:rPr lang="sr-Latn-RS" i="1" dirty="0" smtClean="0"/>
             </a:br>
             <a:r>
               <a:rPr lang="sr-Latn-RS" i="1" dirty="0" smtClean="0"/>
-              <a:t>javljaju greške u različitim sektorima.</a:t>
+              <a:t>sektorima.</a:t>
+            </a:r>
+          </a:p>
+          <a:p>
+            <a:r>
+              <a:rPr lang="sr-Latn-RS" i="1" dirty="0" smtClean="0"/>
+              <a:t>Nastale greške se evidentiraju u </a:t>
+            </a:r>
+            <a:br>
+              <a:rPr lang="sr-Latn-RS" i="1" dirty="0" smtClean="0"/>
+            </a:br>
+            <a:r>
+              <a:rPr lang="sr-Latn-RS" i="1" dirty="0" smtClean="0"/>
+              <a:t>dodatnim bajtovima D64 fajla i na </a:t>
+            </a:r>
+            <a:br>
+              <a:rPr lang="sr-Latn-RS" i="1" dirty="0" smtClean="0"/>
+            </a:br>
+            <a:r>
+              <a:rPr lang="sr-Latn-RS" i="1" dirty="0" smtClean="0"/>
+              <a:t>osnovu njih se </a:t>
+            </a:r>
+            <a:r>
+              <a:rPr lang="sr-Latn-RS" i="1" dirty="0" smtClean="0"/>
+              <a:t>vrši dalja analiza i</a:t>
+            </a:r>
+            <a:br>
+              <a:rPr lang="sr-Latn-RS" i="1" dirty="0" smtClean="0"/>
+            </a:br>
+            <a:r>
+              <a:rPr lang="sr-Latn-RS" i="1" dirty="0" smtClean="0"/>
+              <a:t> </a:t>
+            </a:r>
+            <a:r>
+              <a:rPr lang="sr-Latn-RS" i="1" dirty="0" smtClean="0"/>
+              <a:t>iscrtavanje.</a:t>
             </a:r>
           </a:p>
         </p:txBody>
@@ -14090,7 +15531,7 @@
           <p:nvPr/>
         </p:nvPicPr>
         <p:blipFill>
-          <a:blip r:embed="rId2">
+          <a:blip r:embed="rId3">
             <a:extLst>
               <a:ext uri="{28A0092B-C50C-407E-A947-70E740481C1C}">
                 <a14:useLocalDpi xmlns:a14="http://schemas.microsoft.com/office/drawing/2010/main" val="0"/>
@@ -14103,8 +15544,8 @@
         </p:blipFill>
         <p:spPr>
           <a:xfrm>
-            <a:off x="7383417" y="2097088"/>
-            <a:ext cx="3663994" cy="4280211"/>
+            <a:off x="6139706" y="2249487"/>
+            <a:ext cx="4907705" cy="3071126"/>
           </a:xfrm>
           <a:prstGeom prst="rect">
             <a:avLst/>
@@ -14114,7 +15555,7 @@
     </p:spTree>
     <p:extLst>
       <p:ext uri="{BB962C8B-B14F-4D97-AF65-F5344CB8AC3E}">
-        <p14:creationId xmlns:p14="http://schemas.microsoft.com/office/powerpoint/2010/main" val="4039756966"/>
+        <p14:creationId xmlns:p14="http://schemas.microsoft.com/office/powerpoint/2010/main" val="440513207"/>
       </p:ext>
     </p:extLst>
   </p:cSld>
@@ -14165,7 +15606,7 @@
           <a:p>
             <a:r>
               <a:rPr lang="sr-Latn-RS" dirty="0" smtClean="0"/>
-              <a:t>Opis korišćenih tehnologija i alata</a:t>
+              <a:t>Analiza problema</a:t>
             </a:r>
             <a:endParaRPr lang="en-US" dirty="0"/>
           </a:p>
@@ -14181,78 +15622,59 @@
             <p:ph idx="1"/>
           </p:nvPr>
         </p:nvSpPr>
-        <p:spPr/>
+        <p:spPr>
+          <a:xfrm>
+            <a:off x="1141412" y="2117004"/>
+            <a:ext cx="6065300" cy="2498976"/>
+          </a:xfrm>
+        </p:spPr>
         <p:txBody>
           <a:bodyPr/>
           <a:lstStyle/>
           <a:p>
             <a:r>
               <a:rPr lang="sr-Latn-RS" dirty="0" smtClean="0"/>
-              <a:t>Programsko rešenje je razvijeno uz pomoć</a:t>
+              <a:t>Zbog analize problema razvijeno je</a:t>
             </a:r>
             <a:br>
               <a:rPr lang="sr-Latn-RS" dirty="0" smtClean="0"/>
             </a:br>
             <a:r>
+              <a:rPr lang="sr-Latn-RS" dirty="0" smtClean="0"/>
+              <a:t>programsko rešenje za vizuelizaciju grešaka.</a:t>
+            </a:r>
+          </a:p>
+          <a:p>
+            <a:r>
+              <a:rPr lang="sr-Latn-RS" dirty="0" smtClean="0"/>
+              <a:t>Analizom </a:t>
+            </a:r>
+            <a:r>
               <a:rPr lang="sr-Latn-RS" i="1" dirty="0" smtClean="0"/>
-              <a:t>Java</a:t>
-            </a:r>
-            <a:r>
-              <a:rPr lang="sr-Latn-RS" dirty="0" smtClean="0"/>
-              <a:t> programskog jezika u </a:t>
+              <a:t>D64 fajlova ustanovljeno je da se</a:t>
+            </a:r>
+            <a:r>
+              <a:rPr lang="sr-Latn-RS" i="1" dirty="0"/>
+              <a:t> </a:t>
             </a:r>
             <a:r>
               <a:rPr lang="sr-Latn-RS" i="1" dirty="0" smtClean="0"/>
-              <a:t>Eclipse</a:t>
-            </a:r>
-            <a:r>
-              <a:rPr lang="sr-Latn-RS" dirty="0" smtClean="0"/>
-              <a:t> </a:t>
+              <a:t/>
             </a:r>
             <a:br>
-              <a:rPr lang="sr-Latn-RS" dirty="0" smtClean="0"/>
+              <a:rPr lang="sr-Latn-RS" i="1" dirty="0" smtClean="0"/>
             </a:br>
             <a:r>
-              <a:rPr lang="sr-Latn-RS" dirty="0" smtClean="0"/>
-              <a:t>programskom</a:t>
-            </a:r>
-            <a:r>
-              <a:rPr lang="sr-Latn-RS" dirty="0"/>
-              <a:t> </a:t>
-            </a:r>
-            <a:r>
-              <a:rPr lang="sr-Latn-RS" dirty="0" smtClean="0"/>
-              <a:t>rešenju.</a:t>
-            </a:r>
-          </a:p>
-          <a:p>
-            <a:r>
-              <a:rPr lang="sr-Latn-RS" dirty="0" smtClean="0"/>
-              <a:t>Za rad sa grafičkim elementima korišćen je </a:t>
+              <a:rPr lang="sr-Latn-RS" i="1" dirty="0" smtClean="0"/>
+              <a:t>prilikom višestrukog čitanja flopi diskete </a:t>
             </a:r>
             <a:br>
-              <a:rPr lang="sr-Latn-RS" dirty="0" smtClean="0"/>
+              <a:rPr lang="sr-Latn-RS" i="1" dirty="0" smtClean="0"/>
             </a:br>
             <a:r>
               <a:rPr lang="sr-Latn-RS" i="1" dirty="0" smtClean="0"/>
-              <a:t>Swing</a:t>
-            </a:r>
-            <a:r>
-              <a:rPr lang="sr-Latn-RS" dirty="0"/>
-              <a:t> </a:t>
-            </a:r>
-            <a:r>
-              <a:rPr lang="sr-Latn-RS" dirty="0" smtClean="0"/>
-              <a:t>radni okvir koji obezbeđuje skup </a:t>
-            </a:r>
-            <a:br>
-              <a:rPr lang="sr-Latn-RS" dirty="0" smtClean="0"/>
-            </a:br>
-            <a:r>
-              <a:rPr lang="sr-Latn-RS" dirty="0" smtClean="0"/>
-              <a:t>grafičkih komponenti.</a:t>
-            </a:r>
-            <a:endParaRPr lang="sr-Latn-RS" dirty="0"/>
+              <a:t>javljaju greške u različitim sektorima.</a:t>
+            </a:r>
           </a:p>
         </p:txBody>
       </p:sp>
@@ -14265,7 +15687,7 @@
           <p:nvPr/>
         </p:nvPicPr>
         <p:blipFill>
-          <a:blip r:embed="rId2" cstate="print">
+          <a:blip r:embed="rId3">
             <a:extLst>
               <a:ext uri="{28A0092B-C50C-407E-A947-70E740481C1C}">
                 <a14:useLocalDpi xmlns:a14="http://schemas.microsoft.com/office/drawing/2010/main" val="0"/>
@@ -14278,8 +15700,8 @@
         </p:blipFill>
         <p:spPr>
           <a:xfrm>
-            <a:off x="6849979" y="2249487"/>
-            <a:ext cx="4197432" cy="3537934"/>
+            <a:off x="7383417" y="2097088"/>
+            <a:ext cx="3663994" cy="4280211"/>
           </a:xfrm>
           <a:prstGeom prst="rect">
             <a:avLst/>
@@ -14289,7 +15711,7 @@
     </p:spTree>
     <p:extLst>
       <p:ext uri="{BB962C8B-B14F-4D97-AF65-F5344CB8AC3E}">
-        <p14:creationId xmlns:p14="http://schemas.microsoft.com/office/powerpoint/2010/main" val="3242530320"/>
+        <p14:creationId xmlns:p14="http://schemas.microsoft.com/office/powerpoint/2010/main" val="4039756966"/>
       </p:ext>
     </p:extLst>
   </p:cSld>
@@ -14340,7 +15762,7 @@
           <a:p>
             <a:r>
               <a:rPr lang="sr-Latn-RS" dirty="0" smtClean="0"/>
-              <a:t>Opis rešenja problema</a:t>
+              <a:t>Opis korišćenih tehnologija i alata</a:t>
             </a:r>
             <a:endParaRPr lang="en-US" dirty="0"/>
           </a:p>
@@ -14363,16 +15785,117 @@
           <a:p>
             <a:r>
               <a:rPr lang="sr-Latn-RS" dirty="0" smtClean="0"/>
-              <a:t>Na osnovu analize ustanovljeno je da se kombinacijom više D64 fajlova može dobiti fajl sa manje grešaka ili u idealnom slučaju bez grešaka.</a:t>
-            </a:r>
-            <a:endParaRPr lang="en-US" dirty="0"/>
+              <a:t>Programsko rešenje je razvijeno uz pomoć</a:t>
+            </a:r>
+            <a:br>
+              <a:rPr lang="sr-Latn-RS" dirty="0" smtClean="0"/>
+            </a:br>
+            <a:r>
+              <a:rPr lang="sr-Latn-RS" i="1" dirty="0" smtClean="0"/>
+              <a:t>Java</a:t>
+            </a:r>
+            <a:r>
+              <a:rPr lang="sr-Latn-RS" dirty="0" smtClean="0"/>
+              <a:t> programskog jezika u </a:t>
+            </a:r>
+            <a:r>
+              <a:rPr lang="sr-Latn-RS" i="1" dirty="0" smtClean="0"/>
+              <a:t>Eclipse</a:t>
+            </a:r>
+            <a:r>
+              <a:rPr lang="sr-Latn-RS" dirty="0" smtClean="0"/>
+              <a:t> </a:t>
+            </a:r>
+            <a:br>
+              <a:rPr lang="sr-Latn-RS" dirty="0" smtClean="0"/>
+            </a:br>
+            <a:r>
+              <a:rPr lang="sr-Latn-RS" dirty="0" smtClean="0"/>
+              <a:t>programskom</a:t>
+            </a:r>
+            <a:r>
+              <a:rPr lang="sr-Latn-RS" dirty="0"/>
+              <a:t> </a:t>
+            </a:r>
+            <a:r>
+              <a:rPr lang="sr-Latn-RS" dirty="0" smtClean="0"/>
+              <a:t>okruženju.</a:t>
+            </a:r>
+            <a:endParaRPr lang="sr-Latn-RS" dirty="0" smtClean="0"/>
+          </a:p>
+          <a:p>
+            <a:r>
+              <a:rPr lang="sr-Latn-RS" dirty="0" smtClean="0"/>
+              <a:t>Za rad sa grafičkim elementima korišćen je </a:t>
+            </a:r>
+            <a:br>
+              <a:rPr lang="sr-Latn-RS" dirty="0" smtClean="0"/>
+            </a:br>
+            <a:r>
+              <a:rPr lang="sr-Latn-RS" i="1" dirty="0" smtClean="0"/>
+              <a:t>Swing</a:t>
+            </a:r>
+            <a:r>
+              <a:rPr lang="sr-Latn-RS" dirty="0"/>
+              <a:t> </a:t>
+            </a:r>
+            <a:r>
+              <a:rPr lang="sr-Latn-RS" dirty="0" smtClean="0"/>
+              <a:t>radni okvir koji </a:t>
+            </a:r>
+            <a:r>
+              <a:rPr lang="sr-Latn-RS" dirty="0" smtClean="0"/>
+              <a:t>obezbeđuje potreban</a:t>
+            </a:r>
+            <a:br>
+              <a:rPr lang="sr-Latn-RS" dirty="0" smtClean="0"/>
+            </a:br>
+            <a:r>
+              <a:rPr lang="sr-Latn-RS" dirty="0" smtClean="0"/>
+              <a:t>skup grafičkih </a:t>
+            </a:r>
+            <a:r>
+              <a:rPr lang="sr-Latn-RS" dirty="0" smtClean="0"/>
+              <a:t>komponenti.</a:t>
+            </a:r>
+            <a:endParaRPr lang="sr-Latn-RS" dirty="0"/>
           </a:p>
         </p:txBody>
       </p:sp>
+      <p:pic>
+        <p:nvPicPr>
+          <p:cNvPr id="4" name="Picture 3"/>
+          <p:cNvPicPr>
+            <a:picLocks noChangeAspect="1"/>
+          </p:cNvPicPr>
+          <p:nvPr/>
+        </p:nvPicPr>
+        <p:blipFill>
+          <a:blip r:embed="rId3" cstate="print">
+            <a:extLst>
+              <a:ext uri="{28A0092B-C50C-407E-A947-70E740481C1C}">
+                <a14:useLocalDpi xmlns:a14="http://schemas.microsoft.com/office/drawing/2010/main" val="0"/>
+              </a:ext>
+            </a:extLst>
+          </a:blip>
+          <a:stretch>
+            <a:fillRect/>
+          </a:stretch>
+        </p:blipFill>
+        <p:spPr>
+          <a:xfrm>
+            <a:off x="6849979" y="2249487"/>
+            <a:ext cx="4197432" cy="3537934"/>
+          </a:xfrm>
+          <a:prstGeom prst="rect">
+            <a:avLst/>
+          </a:prstGeom>
+        </p:spPr>
+      </p:pic>
     </p:spTree>
     <p:extLst>
       <p:ext uri="{BB962C8B-B14F-4D97-AF65-F5344CB8AC3E}">
-        <p14:creationId xmlns:p14="http://schemas.microsoft.com/office/powerpoint/2010/main" val="1616351499"/>
+        <p14:creationId xmlns:p14="http://schemas.microsoft.com/office/powerpoint/2010/main" val="3242530320"/>
       </p:ext>
     </p:extLst>
   </p:cSld>
@@ -14423,7 +15946,7 @@
           <a:p>
             <a:r>
               <a:rPr lang="sr-Latn-RS" dirty="0" smtClean="0"/>
-              <a:t>Programsko rešenje problema</a:t>
+              <a:t>Opis rešenja problema</a:t>
             </a:r>
             <a:endParaRPr lang="en-US" dirty="0"/>
           </a:p>
@@ -14446,27 +15969,16 @@
           <a:p>
             <a:r>
               <a:rPr lang="sr-Latn-RS" dirty="0" smtClean="0"/>
-              <a:t>Od selektovanih D64 fajlova biramo fajl sa najmanje grešaka.</a:t>
-            </a:r>
-          </a:p>
-          <a:p>
-            <a:r>
-              <a:rPr lang="sr-Latn-RS" dirty="0" smtClean="0"/>
-              <a:t>Prolazimo kroz greške pronađenog fajla i za sektor sa greškom tražimo korespodentni sektor u drugim fajlovima koji nema grešku.</a:t>
-            </a:r>
-          </a:p>
-          <a:p>
-            <a:r>
-              <a:rPr lang="sr-Latn-RS" dirty="0" smtClean="0"/>
-              <a:t>Ukoliko ga pronađemo menjamo ga sa sektorm koji ima grešku.</a:t>
-            </a:r>
+              <a:t>Na osnovu analize ustanovljeno je da se kombinacijom više D64 fajlova može dobiti fajl sa manje grešaka ili u idealnom slučaju bez grešaka.</a:t>
+            </a:r>
+            <a:endParaRPr lang="en-US" dirty="0"/>
           </a:p>
         </p:txBody>
       </p:sp>
     </p:spTree>
     <p:extLst>
       <p:ext uri="{BB962C8B-B14F-4D97-AF65-F5344CB8AC3E}">
-        <p14:creationId xmlns:p14="http://schemas.microsoft.com/office/powerpoint/2010/main" val="1371932076"/>
+        <p14:creationId xmlns:p14="http://schemas.microsoft.com/office/powerpoint/2010/main" val="1616351499"/>
       </p:ext>
     </p:extLst>
   </p:cSld>
@@ -14517,7 +16029,7 @@
           <a:p>
             <a:r>
               <a:rPr lang="sr-Latn-RS" dirty="0" smtClean="0"/>
-              <a:t>Interne strukture podataka</a:t>
+              <a:t>Programsko rešenje problema</a:t>
             </a:r>
             <a:endParaRPr lang="en-US" dirty="0"/>
           </a:p>
@@ -14540,25 +16052,19 @@
           <a:p>
             <a:r>
               <a:rPr lang="sr-Latn-RS" dirty="0" smtClean="0"/>
-              <a:t>Lista</a:t>
+              <a:t>Od selektovanih D64 fajlova biramo fajl sa najmanje grešaka.</a:t>
             </a:r>
           </a:p>
           <a:p>
             <a:r>
               <a:rPr lang="sr-Latn-RS" dirty="0" smtClean="0"/>
-              <a:t>Niz</a:t>
+              <a:t>Prolazimo kroz greške pronađenog fajla i za sektor sa greškom tražimo korespodentni sektor u drugim fajlovima koji nema grešku.</a:t>
             </a:r>
           </a:p>
           <a:p>
             <a:r>
               <a:rPr lang="sr-Latn-RS" dirty="0" smtClean="0"/>
-              <a:t>Bajt</a:t>
-            </a:r>
-          </a:p>
-          <a:p>
-            <a:r>
-              <a:rPr lang="sr-Latn-RS" dirty="0" smtClean="0"/>
-              <a:t>Fajl</a:t>
+              <a:t>Ukoliko ga pronađemo menjamo ga sa sektorm koji ima grešku.</a:t>
             </a:r>
           </a:p>
         </p:txBody>
@@ -14566,7 +16072,7 @@
     </p:spTree>
     <p:extLst>
       <p:ext uri="{BB962C8B-B14F-4D97-AF65-F5344CB8AC3E}">
-        <p14:creationId xmlns:p14="http://schemas.microsoft.com/office/powerpoint/2010/main" val="632320174"/>
+        <p14:creationId xmlns:p14="http://schemas.microsoft.com/office/powerpoint/2010/main" val="1371932076"/>
       </p:ext>
     </p:extLst>
   </p:cSld>

--- a/Prezentacija.pptx
+++ b/Prezentacija.pptx
@@ -5,7 +5,7 @@
     <p:sldMasterId id="2147483725" r:id="rId1"/>
   </p:sldMasterIdLst>
   <p:notesMasterIdLst>
-    <p:notesMasterId r:id="rId13"/>
+    <p:notesMasterId r:id="rId17"/>
   </p:notesMasterIdLst>
   <p:sldIdLst>
     <p:sldId id="256" r:id="rId2"/>
@@ -17,8 +17,12 @@
     <p:sldId id="261" r:id="rId8"/>
     <p:sldId id="262" r:id="rId9"/>
     <p:sldId id="263" r:id="rId10"/>
-    <p:sldId id="264" r:id="rId11"/>
-    <p:sldId id="265" r:id="rId12"/>
+    <p:sldId id="269" r:id="rId11"/>
+    <p:sldId id="270" r:id="rId12"/>
+    <p:sldId id="264" r:id="rId13"/>
+    <p:sldId id="265" r:id="rId14"/>
+    <p:sldId id="268" r:id="rId15"/>
+    <p:sldId id="267" r:id="rId16"/>
   </p:sldIdLst>
   <p:sldSz cx="12192000" cy="6858000"/>
   <p:notesSz cx="6858000" cy="9144000"/>
@@ -559,6 +563,511 @@
 </p:notes>
 </file>
 
+<file path=ppt/notesSlides/notesSlide10.xml><?xml version="1.0" encoding="utf-8"?>
+<p:notes xmlns:a="http://schemas.openxmlformats.org/drawingml/2006/main" xmlns:r="http://schemas.openxmlformats.org/officeDocument/2006/relationships" xmlns:p="http://schemas.openxmlformats.org/presentationml/2006/main">
+  <p:cSld>
+    <p:spTree>
+      <p:nvGrpSpPr>
+        <p:cNvPr id="1" name=""/>
+        <p:cNvGrpSpPr/>
+        <p:nvPr/>
+      </p:nvGrpSpPr>
+      <p:grpSpPr>
+        <a:xfrm>
+          <a:off x="0" y="0"/>
+          <a:ext cx="0" cy="0"/>
+          <a:chOff x="0" y="0"/>
+          <a:chExt cx="0" cy="0"/>
+        </a:xfrm>
+      </p:grpSpPr>
+      <p:sp>
+        <p:nvSpPr>
+          <p:cNvPr id="2" name="Slide Image Placeholder 1"/>
+          <p:cNvSpPr>
+            <a:spLocks noGrp="1" noRot="1" noChangeAspect="1"/>
+          </p:cNvSpPr>
+          <p:nvPr>
+            <p:ph type="sldImg"/>
+          </p:nvPr>
+        </p:nvSpPr>
+        <p:spPr/>
+      </p:sp>
+      <p:sp>
+        <p:nvSpPr>
+          <p:cNvPr id="3" name="Notes Placeholder 2"/>
+          <p:cNvSpPr>
+            <a:spLocks noGrp="1"/>
+          </p:cNvSpPr>
+          <p:nvPr>
+            <p:ph type="body" idx="1"/>
+          </p:nvPr>
+        </p:nvSpPr>
+        <p:spPr/>
+        <p:txBody>
+          <a:bodyPr/>
+          <a:lstStyle/>
+          <a:p>
+            <a:pPr marL="0" marR="0" lvl="0" indent="0" algn="l" defTabSz="914400" rtl="0" eaLnBrk="1" fontAlgn="auto" latinLnBrk="0" hangingPunct="1">
+              <a:lnSpc>
+                <a:spcPct val="100000"/>
+              </a:lnSpc>
+              <a:spcBef>
+                <a:spcPts val="0"/>
+              </a:spcBef>
+              <a:spcAft>
+                <a:spcPts val="0"/>
+              </a:spcAft>
+              <a:buClrTx/>
+              <a:buSzTx/>
+              <a:buFontTx/>
+              <a:buNone/>
+              <a:tabLst/>
+              <a:defRPr/>
+            </a:pPr>
+            <a:r>
+              <a:rPr lang="sr-Latn-RS" dirty="0" smtClean="0"/>
+              <a:t>-Prolazimo kroz bajtove grešaka pronađenog fajla i za sektor sa greškom tražimo korespodentni sektor u drugim fajlovima koji nema grešku.</a:t>
+            </a:r>
+          </a:p>
+          <a:p>
+            <a:pPr marL="0" marR="0" lvl="0" indent="0" algn="l" defTabSz="914400" rtl="0" eaLnBrk="1" fontAlgn="auto" latinLnBrk="0" hangingPunct="1">
+              <a:lnSpc>
+                <a:spcPct val="100000"/>
+              </a:lnSpc>
+              <a:spcBef>
+                <a:spcPts val="0"/>
+              </a:spcBef>
+              <a:spcAft>
+                <a:spcPts val="0"/>
+              </a:spcAft>
+              <a:buClrTx/>
+              <a:buSzTx/>
+              <a:buFontTx/>
+              <a:buNone/>
+              <a:tabLst/>
+              <a:defRPr/>
+            </a:pPr>
+            <a:r>
+              <a:rPr lang="sr-Latn-RS" dirty="0" smtClean="0"/>
+              <a:t>-Ukoliko pronadjemo sektor bez greške vršimo njihovu zamenu.</a:t>
+            </a:r>
+          </a:p>
+          <a:p>
+            <a:pPr marL="0" marR="0" lvl="0" indent="0" algn="l" defTabSz="914400" rtl="0" eaLnBrk="1" fontAlgn="auto" latinLnBrk="0" hangingPunct="1">
+              <a:lnSpc>
+                <a:spcPct val="100000"/>
+              </a:lnSpc>
+              <a:spcBef>
+                <a:spcPts val="0"/>
+              </a:spcBef>
+              <a:spcAft>
+                <a:spcPts val="0"/>
+              </a:spcAft>
+              <a:buClrTx/>
+              <a:buSzTx/>
+              <a:buFontTx/>
+              <a:buNone/>
+              <a:tabLst/>
+              <a:defRPr/>
+            </a:pPr>
+            <a:r>
+              <a:rPr lang="sr-Latn-RS" dirty="0" smtClean="0"/>
+              <a:t>-Ovaj postupak nastavljamo do poslednjeg sektora sa greškom i on rezultuje</a:t>
+            </a:r>
+            <a:r>
+              <a:rPr lang="sr-Latn-RS" baseline="0" dirty="0" smtClean="0"/>
+              <a:t> minimalnim brojem grešaka ili u idealnom slučaju bez grešaka.</a:t>
+            </a:r>
+            <a:endParaRPr lang="sr-Latn-RS" dirty="0" smtClean="0"/>
+          </a:p>
+          <a:p>
+            <a:endParaRPr lang="en-US" dirty="0"/>
+          </a:p>
+        </p:txBody>
+      </p:sp>
+      <p:sp>
+        <p:nvSpPr>
+          <p:cNvPr id="4" name="Slide Number Placeholder 3"/>
+          <p:cNvSpPr>
+            <a:spLocks noGrp="1"/>
+          </p:cNvSpPr>
+          <p:nvPr>
+            <p:ph type="sldNum" sz="quarter" idx="10"/>
+          </p:nvPr>
+        </p:nvSpPr>
+        <p:spPr/>
+        <p:txBody>
+          <a:bodyPr/>
+          <a:lstStyle/>
+          <a:p>
+            <a:fld id="{B9A2F0D8-77DC-425B-9D06-96E7E9114930}" type="slidenum">
+              <a:rPr lang="en-US" smtClean="0"/>
+              <a:t>10</a:t>
+            </a:fld>
+            <a:endParaRPr lang="en-US"/>
+          </a:p>
+        </p:txBody>
+      </p:sp>
+    </p:spTree>
+    <p:extLst>
+      <p:ext uri="{BB962C8B-B14F-4D97-AF65-F5344CB8AC3E}">
+        <p14:creationId xmlns:p14="http://schemas.microsoft.com/office/powerpoint/2010/main" val="2301178402"/>
+      </p:ext>
+    </p:extLst>
+  </p:cSld>
+  <p:clrMapOvr>
+    <a:masterClrMapping/>
+  </p:clrMapOvr>
+</p:notes>
+</file>
+
+<file path=ppt/notesSlides/notesSlide11.xml><?xml version="1.0" encoding="utf-8"?>
+<p:notes xmlns:a="http://schemas.openxmlformats.org/drawingml/2006/main" xmlns:r="http://schemas.openxmlformats.org/officeDocument/2006/relationships" xmlns:p="http://schemas.openxmlformats.org/presentationml/2006/main">
+  <p:cSld>
+    <p:spTree>
+      <p:nvGrpSpPr>
+        <p:cNvPr id="1" name=""/>
+        <p:cNvGrpSpPr/>
+        <p:nvPr/>
+      </p:nvGrpSpPr>
+      <p:grpSpPr>
+        <a:xfrm>
+          <a:off x="0" y="0"/>
+          <a:ext cx="0" cy="0"/>
+          <a:chOff x="0" y="0"/>
+          <a:chExt cx="0" cy="0"/>
+        </a:xfrm>
+      </p:grpSpPr>
+      <p:sp>
+        <p:nvSpPr>
+          <p:cNvPr id="2" name="Slide Image Placeholder 1"/>
+          <p:cNvSpPr>
+            <a:spLocks noGrp="1" noRot="1" noChangeAspect="1"/>
+          </p:cNvSpPr>
+          <p:nvPr>
+            <p:ph type="sldImg"/>
+          </p:nvPr>
+        </p:nvSpPr>
+        <p:spPr/>
+      </p:sp>
+      <p:sp>
+        <p:nvSpPr>
+          <p:cNvPr id="3" name="Notes Placeholder 2"/>
+          <p:cNvSpPr>
+            <a:spLocks noGrp="1"/>
+          </p:cNvSpPr>
+          <p:nvPr>
+            <p:ph type="body" idx="1"/>
+          </p:nvPr>
+        </p:nvSpPr>
+        <p:spPr/>
+        <p:txBody>
+          <a:bodyPr/>
+          <a:lstStyle/>
+          <a:p>
+            <a:r>
+              <a:rPr lang="sr-Latn-RS" dirty="0" smtClean="0"/>
+              <a:t>-Kao što vidimo na slici</a:t>
+            </a:r>
+            <a:r>
+              <a:rPr lang="sr-Latn-RS" baseline="0" dirty="0" smtClean="0"/>
+              <a:t> su prikazana dva D64 fajla iste 5.25 flopi diskete koji imaju greške nad različitim sektorima.</a:t>
+            </a:r>
+            <a:br>
+              <a:rPr lang="sr-Latn-RS" baseline="0" dirty="0" smtClean="0"/>
+            </a:br>
+            <a:r>
+              <a:rPr lang="sr-Latn-RS" baseline="0" dirty="0" smtClean="0"/>
+              <a:t>-Nakon popravke i primene gore opisanog algoritma dobijamo novi D64 fajl koji ima minimalan broj grešaka.</a:t>
+            </a:r>
+            <a:endParaRPr lang="en-US" dirty="0"/>
+          </a:p>
+        </p:txBody>
+      </p:sp>
+      <p:sp>
+        <p:nvSpPr>
+          <p:cNvPr id="4" name="Slide Number Placeholder 3"/>
+          <p:cNvSpPr>
+            <a:spLocks noGrp="1"/>
+          </p:cNvSpPr>
+          <p:nvPr>
+            <p:ph type="sldNum" sz="quarter" idx="10"/>
+          </p:nvPr>
+        </p:nvSpPr>
+        <p:spPr/>
+        <p:txBody>
+          <a:bodyPr/>
+          <a:lstStyle/>
+          <a:p>
+            <a:fld id="{B9A2F0D8-77DC-425B-9D06-96E7E9114930}" type="slidenum">
+              <a:rPr lang="en-US" smtClean="0"/>
+              <a:t>11</a:t>
+            </a:fld>
+            <a:endParaRPr lang="en-US"/>
+          </a:p>
+        </p:txBody>
+      </p:sp>
+    </p:spTree>
+    <p:extLst>
+      <p:ext uri="{BB962C8B-B14F-4D97-AF65-F5344CB8AC3E}">
+        <p14:creationId xmlns:p14="http://schemas.microsoft.com/office/powerpoint/2010/main" val="1319232328"/>
+      </p:ext>
+    </p:extLst>
+  </p:cSld>
+  <p:clrMapOvr>
+    <a:masterClrMapping/>
+  </p:clrMapOvr>
+</p:notes>
+</file>
+
+<file path=ppt/notesSlides/notesSlide12.xml><?xml version="1.0" encoding="utf-8"?>
+<p:notes xmlns:a="http://schemas.openxmlformats.org/drawingml/2006/main" xmlns:r="http://schemas.openxmlformats.org/officeDocument/2006/relationships" xmlns:p="http://schemas.openxmlformats.org/presentationml/2006/main">
+  <p:cSld>
+    <p:spTree>
+      <p:nvGrpSpPr>
+        <p:cNvPr id="1" name=""/>
+        <p:cNvGrpSpPr/>
+        <p:nvPr/>
+      </p:nvGrpSpPr>
+      <p:grpSpPr>
+        <a:xfrm>
+          <a:off x="0" y="0"/>
+          <a:ext cx="0" cy="0"/>
+          <a:chOff x="0" y="0"/>
+          <a:chExt cx="0" cy="0"/>
+        </a:xfrm>
+      </p:grpSpPr>
+      <p:sp>
+        <p:nvSpPr>
+          <p:cNvPr id="2" name="Slide Image Placeholder 1"/>
+          <p:cNvSpPr>
+            <a:spLocks noGrp="1" noRot="1" noChangeAspect="1"/>
+          </p:cNvSpPr>
+          <p:nvPr>
+            <p:ph type="sldImg"/>
+          </p:nvPr>
+        </p:nvSpPr>
+        <p:spPr/>
+      </p:sp>
+      <p:sp>
+        <p:nvSpPr>
+          <p:cNvPr id="3" name="Notes Placeholder 2"/>
+          <p:cNvSpPr>
+            <a:spLocks noGrp="1"/>
+          </p:cNvSpPr>
+          <p:nvPr>
+            <p:ph type="body" idx="1"/>
+          </p:nvPr>
+        </p:nvSpPr>
+        <p:spPr/>
+        <p:txBody>
+          <a:bodyPr/>
+          <a:lstStyle/>
+          <a:p>
+            <a:r>
+              <a:rPr lang="en-US" dirty="0" smtClean="0"/>
+              <a:t>-</a:t>
+            </a:r>
+            <a:r>
+              <a:rPr lang="en-US" dirty="0" err="1" smtClean="0"/>
+              <a:t>Fajl</a:t>
+            </a:r>
+            <a:r>
+              <a:rPr lang="en-US" dirty="0" smtClean="0"/>
+              <a:t> je </a:t>
+            </a:r>
+            <a:r>
+              <a:rPr lang="en-US" dirty="0" err="1" smtClean="0"/>
+              <a:t>kori</a:t>
+            </a:r>
+            <a:r>
+              <a:rPr lang="sr-Latn-RS" dirty="0" smtClean="0"/>
+              <a:t>šten</a:t>
+            </a:r>
+            <a:r>
+              <a:rPr lang="sr-Latn-RS" baseline="0" dirty="0" smtClean="0"/>
+              <a:t> za skladištenje putanje trenutno selektovanog fajla za prikaz.</a:t>
+            </a:r>
+          </a:p>
+          <a:p>
+            <a:pPr marL="0" marR="0" lvl="0" indent="0" algn="l" defTabSz="914400" rtl="0" eaLnBrk="1" fontAlgn="auto" latinLnBrk="0" hangingPunct="1">
+              <a:lnSpc>
+                <a:spcPct val="100000"/>
+              </a:lnSpc>
+              <a:spcBef>
+                <a:spcPts val="0"/>
+              </a:spcBef>
+              <a:spcAft>
+                <a:spcPts val="0"/>
+              </a:spcAft>
+              <a:buClrTx/>
+              <a:buSzTx/>
+              <a:buFontTx/>
+              <a:buNone/>
+              <a:tabLst/>
+              <a:defRPr/>
+            </a:pPr>
+            <a:r>
+              <a:rPr lang="sr-Latn-RS" baseline="0" dirty="0" smtClean="0"/>
+              <a:t>-</a:t>
+            </a:r>
+            <a:r>
+              <a:rPr lang="sr-Latn-RS" baseline="0" dirty="0" smtClean="0"/>
+              <a:t>Niz bajtova je korišćen za skladištenje dodatnih bajtova greški trenutno selektovanog fajla na osnovu kojih je vršeno iscrtavanje</a:t>
+            </a:r>
+            <a:endParaRPr lang="sr-Latn-RS" baseline="0" dirty="0" smtClean="0"/>
+          </a:p>
+          <a:p>
+            <a:r>
+              <a:rPr lang="sr-Latn-RS" baseline="0" dirty="0" smtClean="0"/>
+              <a:t>-Uz pomoć niza fajlova su skladištene putanje ka selektovanim fajlovima.</a:t>
+            </a:r>
+          </a:p>
+          <a:p>
+            <a:r>
+              <a:rPr lang="sr-Latn-RS" baseline="0" dirty="0" smtClean="0"/>
+              <a:t>-Lista nizova bajtova u kojoj su smesteni svi selektovani fajlovi radi kasnijeg lakseg poredjnja</a:t>
+            </a:r>
+          </a:p>
+          <a:p>
+            <a:endParaRPr lang="en-US" dirty="0"/>
+          </a:p>
+        </p:txBody>
+      </p:sp>
+      <p:sp>
+        <p:nvSpPr>
+          <p:cNvPr id="4" name="Slide Number Placeholder 3"/>
+          <p:cNvSpPr>
+            <a:spLocks noGrp="1"/>
+          </p:cNvSpPr>
+          <p:nvPr>
+            <p:ph type="sldNum" sz="quarter" idx="10"/>
+          </p:nvPr>
+        </p:nvSpPr>
+        <p:spPr/>
+        <p:txBody>
+          <a:bodyPr/>
+          <a:lstStyle/>
+          <a:p>
+            <a:fld id="{B9A2F0D8-77DC-425B-9D06-96E7E9114930}" type="slidenum">
+              <a:rPr lang="en-US" smtClean="0"/>
+              <a:t>12</a:t>
+            </a:fld>
+            <a:endParaRPr lang="en-US"/>
+          </a:p>
+        </p:txBody>
+      </p:sp>
+    </p:spTree>
+    <p:extLst>
+      <p:ext uri="{BB962C8B-B14F-4D97-AF65-F5344CB8AC3E}">
+        <p14:creationId xmlns:p14="http://schemas.microsoft.com/office/powerpoint/2010/main" val="615016063"/>
+      </p:ext>
+    </p:extLst>
+  </p:cSld>
+  <p:clrMapOvr>
+    <a:masterClrMapping/>
+  </p:clrMapOvr>
+</p:notes>
+</file>
+
+<file path=ppt/notesSlides/notesSlide13.xml><?xml version="1.0" encoding="utf-8"?>
+<p:notes xmlns:a="http://schemas.openxmlformats.org/drawingml/2006/main" xmlns:r="http://schemas.openxmlformats.org/officeDocument/2006/relationships" xmlns:p="http://schemas.openxmlformats.org/presentationml/2006/main">
+  <p:cSld>
+    <p:spTree>
+      <p:nvGrpSpPr>
+        <p:cNvPr id="1" name=""/>
+        <p:cNvGrpSpPr/>
+        <p:nvPr/>
+      </p:nvGrpSpPr>
+      <p:grpSpPr>
+        <a:xfrm>
+          <a:off x="0" y="0"/>
+          <a:ext cx="0" cy="0"/>
+          <a:chOff x="0" y="0"/>
+          <a:chExt cx="0" cy="0"/>
+        </a:xfrm>
+      </p:grpSpPr>
+      <p:sp>
+        <p:nvSpPr>
+          <p:cNvPr id="2" name="Slide Image Placeholder 1"/>
+          <p:cNvSpPr>
+            <a:spLocks noGrp="1" noRot="1" noChangeAspect="1"/>
+          </p:cNvSpPr>
+          <p:nvPr>
+            <p:ph type="sldImg"/>
+          </p:nvPr>
+        </p:nvSpPr>
+        <p:spPr/>
+      </p:sp>
+      <p:sp>
+        <p:nvSpPr>
+          <p:cNvPr id="3" name="Notes Placeholder 2"/>
+          <p:cNvSpPr>
+            <a:spLocks noGrp="1"/>
+          </p:cNvSpPr>
+          <p:nvPr>
+            <p:ph type="body" idx="1"/>
+          </p:nvPr>
+        </p:nvSpPr>
+        <p:spPr/>
+        <p:txBody>
+          <a:bodyPr/>
+          <a:lstStyle/>
+          <a:p>
+            <a:r>
+              <a:rPr lang="sr-Latn-RS" dirty="0" smtClean="0"/>
+              <a:t>Opises izgled</a:t>
+            </a:r>
+            <a:r>
+              <a:rPr lang="sr-Latn-RS" baseline="0" dirty="0" smtClean="0"/>
+              <a:t> aplikacije.</a:t>
+            </a:r>
+          </a:p>
+          <a:p>
+            <a:r>
+              <a:rPr lang="sr-Latn-RS" baseline="0" dirty="0" smtClean="0"/>
+              <a:t>Potencijalna poboljšanja.</a:t>
+            </a:r>
+            <a:endParaRPr lang="en-US" dirty="0"/>
+          </a:p>
+        </p:txBody>
+      </p:sp>
+      <p:sp>
+        <p:nvSpPr>
+          <p:cNvPr id="4" name="Slide Number Placeholder 3"/>
+          <p:cNvSpPr>
+            <a:spLocks noGrp="1"/>
+          </p:cNvSpPr>
+          <p:nvPr>
+            <p:ph type="sldNum" sz="quarter" idx="10"/>
+          </p:nvPr>
+        </p:nvSpPr>
+        <p:spPr/>
+        <p:txBody>
+          <a:bodyPr/>
+          <a:lstStyle/>
+          <a:p>
+            <a:fld id="{B9A2F0D8-77DC-425B-9D06-96E7E9114930}" type="slidenum">
+              <a:rPr lang="en-US" smtClean="0"/>
+              <a:t>13</a:t>
+            </a:fld>
+            <a:endParaRPr lang="en-US"/>
+          </a:p>
+        </p:txBody>
+      </p:sp>
+    </p:spTree>
+    <p:extLst>
+      <p:ext uri="{BB962C8B-B14F-4D97-AF65-F5344CB8AC3E}">
+        <p14:creationId xmlns:p14="http://schemas.microsoft.com/office/powerpoint/2010/main" val="4017380637"/>
+      </p:ext>
+    </p:extLst>
+  </p:cSld>
+  <p:clrMapOvr>
+    <a:masterClrMapping/>
+  </p:clrMapOvr>
+</p:notes>
+</file>
+
 <file path=ppt/notesSlides/notesSlide2.xml><?xml version="1.0" encoding="utf-8"?>
 <p:notes xmlns:a="http://schemas.openxmlformats.org/drawingml/2006/main" xmlns:r="http://schemas.openxmlformats.org/officeDocument/2006/relationships" xmlns:p="http://schemas.openxmlformats.org/presentationml/2006/main">
   <p:cSld>
@@ -621,13 +1130,8 @@
           <a:p>
             <a:r>
               <a:rPr lang="sr-Latn-RS" baseline="0" dirty="0" smtClean="0"/>
-              <a:t>-Takodje ovaj uredjaj je posedovao dve lampice na osnovu kojih je davao povratne informacije </a:t>
-            </a:r>
-            <a:r>
-              <a:rPr lang="sr-Latn-RS" baseline="0" dirty="0" smtClean="0"/>
-              <a:t>korisniku.</a:t>
-            </a:r>
-            <a:endParaRPr lang="sr-Latn-RS" baseline="0" dirty="0" smtClean="0"/>
+              <a:t>-Takodje ovaj uredjaj je posedovao dve lampice na osnovu kojih je davao povratne informacije korisniku.</a:t>
+            </a:r>
           </a:p>
           <a:p>
             <a:r>
@@ -1595,6 +2099,280 @@
     <p:extLst>
       <p:ext uri="{BB962C8B-B14F-4D97-AF65-F5344CB8AC3E}">
         <p14:creationId xmlns:p14="http://schemas.microsoft.com/office/powerpoint/2010/main" val="4073234541"/>
+      </p:ext>
+    </p:extLst>
+  </p:cSld>
+  <p:clrMapOvr>
+    <a:masterClrMapping/>
+  </p:clrMapOvr>
+</p:notes>
+</file>
+
+<file path=ppt/notesSlides/notesSlide8.xml><?xml version="1.0" encoding="utf-8"?>
+<p:notes xmlns:a="http://schemas.openxmlformats.org/drawingml/2006/main" xmlns:r="http://schemas.openxmlformats.org/officeDocument/2006/relationships" xmlns:p="http://schemas.openxmlformats.org/presentationml/2006/main">
+  <p:cSld>
+    <p:spTree>
+      <p:nvGrpSpPr>
+        <p:cNvPr id="1" name=""/>
+        <p:cNvGrpSpPr/>
+        <p:nvPr/>
+      </p:nvGrpSpPr>
+      <p:grpSpPr>
+        <a:xfrm>
+          <a:off x="0" y="0"/>
+          <a:ext cx="0" cy="0"/>
+          <a:chOff x="0" y="0"/>
+          <a:chExt cx="0" cy="0"/>
+        </a:xfrm>
+      </p:grpSpPr>
+      <p:sp>
+        <p:nvSpPr>
+          <p:cNvPr id="2" name="Slide Image Placeholder 1"/>
+          <p:cNvSpPr>
+            <a:spLocks noGrp="1" noRot="1" noChangeAspect="1"/>
+          </p:cNvSpPr>
+          <p:nvPr>
+            <p:ph type="sldImg"/>
+          </p:nvPr>
+        </p:nvSpPr>
+        <p:spPr/>
+      </p:sp>
+      <p:sp>
+        <p:nvSpPr>
+          <p:cNvPr id="3" name="Notes Placeholder 2"/>
+          <p:cNvSpPr>
+            <a:spLocks noGrp="1"/>
+          </p:cNvSpPr>
+          <p:nvPr>
+            <p:ph type="body" idx="1"/>
+          </p:nvPr>
+        </p:nvSpPr>
+        <p:spPr/>
+        <p:txBody>
+          <a:bodyPr/>
+          <a:lstStyle/>
+          <a:p>
+            <a:r>
+              <a:rPr lang="en-US" dirty="0" smtClean="0"/>
+              <a:t>-Na </a:t>
+            </a:r>
+            <a:r>
+              <a:rPr lang="en-US" dirty="0" err="1" smtClean="0"/>
+              <a:t>osnovu</a:t>
+            </a:r>
+            <a:r>
+              <a:rPr lang="en-US" dirty="0" smtClean="0"/>
+              <a:t> </a:t>
+            </a:r>
+            <a:r>
+              <a:rPr lang="en-US" dirty="0" err="1" smtClean="0"/>
+              <a:t>anali</a:t>
+            </a:r>
+            <a:r>
+              <a:rPr lang="sr-Latn-RS" dirty="0" smtClean="0"/>
+              <a:t>ze</a:t>
+            </a:r>
+            <a:r>
+              <a:rPr lang="sr-Latn-RS" baseline="0" dirty="0" smtClean="0"/>
+              <a:t> D64 fajla ustanovljeno je da se višestrukim čitanjem iste 5.25 flopi diskete dobijaju fajlovi sa greškama na različitim sektorima.</a:t>
+            </a:r>
+          </a:p>
+          <a:p>
+            <a:r>
+              <a:rPr lang="sr-Latn-RS" dirty="0" smtClean="0"/>
+              <a:t>-Na osnovu ovoga konstruisano je rešenje gore opisanog problema koje je zasnovano na kombinaciji više D64</a:t>
+            </a:r>
+            <a:r>
+              <a:rPr lang="sr-Latn-RS" baseline="0" dirty="0" smtClean="0"/>
+              <a:t> fajlova sa ciljem da se kreira novi </a:t>
+            </a:r>
+          </a:p>
+          <a:p>
+            <a:r>
+              <a:rPr lang="sr-Latn-RS" baseline="0" dirty="0" smtClean="0"/>
+              <a:t>  fajl koji bi imao manje ili u idealnom slučaju bio bez grešaka.</a:t>
+            </a:r>
+          </a:p>
+          <a:p>
+            <a:r>
+              <a:rPr lang="sr-Latn-RS" baseline="0" dirty="0" smtClean="0"/>
+              <a:t>-Suština postpuka bi se zasnivala na tome da se sektori koji imaju grešku unutar jednog fajla zamene sa korespodentnim sektorima iz drugih fajlova iste 5.25 diskete</a:t>
+            </a:r>
+          </a:p>
+          <a:p>
+            <a:r>
+              <a:rPr lang="sr-Latn-RS" baseline="0" dirty="0" smtClean="0"/>
+              <a:t> koji nemaju grešku.</a:t>
+            </a:r>
+          </a:p>
+          <a:p>
+            <a:endParaRPr lang="en-US" dirty="0"/>
+          </a:p>
+        </p:txBody>
+      </p:sp>
+      <p:sp>
+        <p:nvSpPr>
+          <p:cNvPr id="4" name="Slide Number Placeholder 3"/>
+          <p:cNvSpPr>
+            <a:spLocks noGrp="1"/>
+          </p:cNvSpPr>
+          <p:nvPr>
+            <p:ph type="sldNum" sz="quarter" idx="10"/>
+          </p:nvPr>
+        </p:nvSpPr>
+        <p:spPr/>
+        <p:txBody>
+          <a:bodyPr/>
+          <a:lstStyle/>
+          <a:p>
+            <a:fld id="{B9A2F0D8-77DC-425B-9D06-96E7E9114930}" type="slidenum">
+              <a:rPr lang="en-US" smtClean="0"/>
+              <a:t>8</a:t>
+            </a:fld>
+            <a:endParaRPr lang="en-US"/>
+          </a:p>
+        </p:txBody>
+      </p:sp>
+    </p:spTree>
+    <p:extLst>
+      <p:ext uri="{BB962C8B-B14F-4D97-AF65-F5344CB8AC3E}">
+        <p14:creationId xmlns:p14="http://schemas.microsoft.com/office/powerpoint/2010/main" val="3184579232"/>
+      </p:ext>
+    </p:extLst>
+  </p:cSld>
+  <p:clrMapOvr>
+    <a:masterClrMapping/>
+  </p:clrMapOvr>
+</p:notes>
+</file>
+
+<file path=ppt/notesSlides/notesSlide9.xml><?xml version="1.0" encoding="utf-8"?>
+<p:notes xmlns:a="http://schemas.openxmlformats.org/drawingml/2006/main" xmlns:r="http://schemas.openxmlformats.org/officeDocument/2006/relationships" xmlns:p="http://schemas.openxmlformats.org/presentationml/2006/main">
+  <p:cSld>
+    <p:spTree>
+      <p:nvGrpSpPr>
+        <p:cNvPr id="1" name=""/>
+        <p:cNvGrpSpPr/>
+        <p:nvPr/>
+      </p:nvGrpSpPr>
+      <p:grpSpPr>
+        <a:xfrm>
+          <a:off x="0" y="0"/>
+          <a:ext cx="0" cy="0"/>
+          <a:chOff x="0" y="0"/>
+          <a:chExt cx="0" cy="0"/>
+        </a:xfrm>
+      </p:grpSpPr>
+      <p:sp>
+        <p:nvSpPr>
+          <p:cNvPr id="2" name="Slide Image Placeholder 1"/>
+          <p:cNvSpPr>
+            <a:spLocks noGrp="1" noRot="1" noChangeAspect="1"/>
+          </p:cNvSpPr>
+          <p:nvPr>
+            <p:ph type="sldImg"/>
+          </p:nvPr>
+        </p:nvSpPr>
+        <p:spPr/>
+      </p:sp>
+      <p:sp>
+        <p:nvSpPr>
+          <p:cNvPr id="3" name="Notes Placeholder 2"/>
+          <p:cNvSpPr>
+            <a:spLocks noGrp="1"/>
+          </p:cNvSpPr>
+          <p:nvPr>
+            <p:ph type="body" idx="1"/>
+          </p:nvPr>
+        </p:nvSpPr>
+        <p:spPr/>
+        <p:txBody>
+          <a:bodyPr/>
+          <a:lstStyle/>
+          <a:p>
+            <a:r>
+              <a:rPr lang="sr-Latn-RS" dirty="0" smtClean="0"/>
+              <a:t>-Pošto</a:t>
+            </a:r>
+            <a:r>
+              <a:rPr lang="sr-Latn-RS" baseline="0" dirty="0" smtClean="0"/>
+              <a:t> svi fajlovi koji učestvuju u procesu imaju grešku na nekom od sektora u suprotnom bi</a:t>
+            </a:r>
+            <a:r>
+              <a:rPr lang="en-US" baseline="0" dirty="0" smtClean="0"/>
+              <a:t> re</a:t>
+            </a:r>
+            <a:r>
+              <a:rPr lang="sr-Latn-RS" baseline="0" dirty="0" smtClean="0"/>
+              <a:t>š</a:t>
+            </a:r>
+            <a:r>
+              <a:rPr lang="en-US" baseline="0" dirty="0" err="1" smtClean="0"/>
+              <a:t>enje</a:t>
+            </a:r>
+            <a:r>
+              <a:rPr lang="sr-Latn-RS" baseline="0" dirty="0" smtClean="0"/>
+              <a:t> bilo trivijalno,</a:t>
+            </a:r>
+          </a:p>
+          <a:p>
+            <a:r>
+              <a:rPr lang="sr-Latn-RS" baseline="0" dirty="0" smtClean="0"/>
+              <a:t> algoritam započinjemo traženjem fajla sa najmanje grešaka.</a:t>
+            </a:r>
+          </a:p>
+          <a:p>
+            <a:r>
+              <a:rPr lang="sr-Latn-RS" dirty="0" smtClean="0"/>
+              <a:t>-Na osnovu dodatnih bajtova na kraju D64 fajla možemo odrediti ukupan broj sektora</a:t>
+            </a:r>
+            <a:r>
+              <a:rPr lang="sr-Latn-RS" baseline="0" dirty="0" smtClean="0"/>
+              <a:t> sa greškom i na </a:t>
+            </a:r>
+          </a:p>
+          <a:p>
+            <a:r>
+              <a:rPr lang="sr-Latn-RS" baseline="0" dirty="0" smtClean="0"/>
+              <a:t> principu traženja minimuma odrediti fajl koji bi imao najmanje grešaka.</a:t>
+            </a:r>
+          </a:p>
+          <a:p>
+            <a:r>
+              <a:rPr lang="sr-Latn-RS" baseline="0" dirty="0" smtClean="0"/>
+              <a:t>-Ukoliko je u bajtu smeštena vrednost 1 to znači da je korespodentni sektor ispravan.</a:t>
+            </a:r>
+            <a:endParaRPr lang="en-US" dirty="0"/>
+          </a:p>
+        </p:txBody>
+      </p:sp>
+      <p:sp>
+        <p:nvSpPr>
+          <p:cNvPr id="4" name="Slide Number Placeholder 3"/>
+          <p:cNvSpPr>
+            <a:spLocks noGrp="1"/>
+          </p:cNvSpPr>
+          <p:nvPr>
+            <p:ph type="sldNum" sz="quarter" idx="10"/>
+          </p:nvPr>
+        </p:nvSpPr>
+        <p:spPr/>
+        <p:txBody>
+          <a:bodyPr/>
+          <a:lstStyle/>
+          <a:p>
+            <a:fld id="{B9A2F0D8-77DC-425B-9D06-96E7E9114930}" type="slidenum">
+              <a:rPr lang="en-US" smtClean="0"/>
+              <a:t>9</a:t>
+            </a:fld>
+            <a:endParaRPr lang="en-US"/>
+          </a:p>
+        </p:txBody>
+      </p:sp>
+    </p:spTree>
+    <p:extLst>
+      <p:ext uri="{BB962C8B-B14F-4D97-AF65-F5344CB8AC3E}">
+        <p14:creationId xmlns:p14="http://schemas.microsoft.com/office/powerpoint/2010/main" val="2831749932"/>
       </p:ext>
     </p:extLst>
   </p:cSld>
@@ -1654,7 +2432,7 @@
           <a:noFill/>
           <a:extLst>
             <a:ext uri="{909E8E84-426E-40dd-AFC4-6F175D3DCCD1}">
-              <a14:hiddenFill xmlns:a14="http://schemas.microsoft.com/office/drawing/2010/main" xmlns="">
+              <a14:hiddenFill xmlns="" xmlns:a14="http://schemas.microsoft.com/office/drawing/2010/main">
                 <a:solidFill>
                   <a:srgbClr val="FFFFFF"/>
                 </a:solidFill>
@@ -1714,7 +2492,7 @@
             </a:ln>
             <a:extLst>
               <a:ext uri="{91240B29-F687-4f45-9708-019B960494DF}">
-                <a14:hiddenLine xmlns:a14="http://schemas.microsoft.com/office/drawing/2010/main" xmlns="" w="9525">
+                <a14:hiddenLine xmlns="" xmlns:a14="http://schemas.microsoft.com/office/drawing/2010/main" w="9525">
                   <a:solidFill>
                     <a:srgbClr val="000000"/>
                   </a:solidFill>
@@ -1804,7 +2582,7 @@
             </a:ln>
             <a:extLst>
               <a:ext uri="{91240B29-F687-4f45-9708-019B960494DF}">
-                <a14:hiddenLine xmlns:a14="http://schemas.microsoft.com/office/drawing/2010/main" xmlns="" w="9525">
+                <a14:hiddenLine xmlns="" xmlns:a14="http://schemas.microsoft.com/office/drawing/2010/main" w="9525">
                   <a:solidFill>
                     <a:srgbClr val="000000"/>
                   </a:solidFill>
@@ -1894,7 +2672,7 @@
             </a:ln>
             <a:extLst>
               <a:ext uri="{91240B29-F687-4f45-9708-019B960494DF}">
-                <a14:hiddenLine xmlns:a14="http://schemas.microsoft.com/office/drawing/2010/main" xmlns="" w="9525">
+                <a14:hiddenLine xmlns="" xmlns:a14="http://schemas.microsoft.com/office/drawing/2010/main" w="9525">
                   <a:solidFill>
                     <a:srgbClr val="000000"/>
                   </a:solidFill>
@@ -1928,7 +2706,7 @@
             </a:ln>
             <a:extLst>
               <a:ext uri="{91240B29-F687-4f45-9708-019B960494DF}">
-                <a14:hiddenLine xmlns:a14="http://schemas.microsoft.com/office/drawing/2010/main" xmlns="" w="9525">
+                <a14:hiddenLine xmlns="" xmlns:a14="http://schemas.microsoft.com/office/drawing/2010/main" w="9525">
                   <a:solidFill>
                     <a:srgbClr val="000000"/>
                   </a:solidFill>
@@ -2018,7 +2796,7 @@
             </a:ln>
             <a:extLst>
               <a:ext uri="{91240B29-F687-4f45-9708-019B960494DF}">
-                <a14:hiddenLine xmlns:a14="http://schemas.microsoft.com/office/drawing/2010/main" xmlns="" w="9525">
+                <a14:hiddenLine xmlns="" xmlns:a14="http://schemas.microsoft.com/office/drawing/2010/main" w="9525">
                   <a:solidFill>
                     <a:srgbClr val="000000"/>
                   </a:solidFill>
@@ -2080,7 +2858,7 @@
             </a:ln>
             <a:extLst>
               <a:ext uri="{91240B29-F687-4f45-9708-019B960494DF}">
-                <a14:hiddenLine xmlns:a14="http://schemas.microsoft.com/office/drawing/2010/main" xmlns="" w="9525">
+                <a14:hiddenLine xmlns="" xmlns:a14="http://schemas.microsoft.com/office/drawing/2010/main" w="9525">
                   <a:solidFill>
                     <a:srgbClr val="000000"/>
                   </a:solidFill>
@@ -2142,7 +2920,7 @@
             </a:ln>
             <a:extLst>
               <a:ext uri="{91240B29-F687-4f45-9708-019B960494DF}">
-                <a14:hiddenLine xmlns:a14="http://schemas.microsoft.com/office/drawing/2010/main" xmlns="" w="9525">
+                <a14:hiddenLine xmlns="" xmlns:a14="http://schemas.microsoft.com/office/drawing/2010/main" w="9525">
                   <a:solidFill>
                     <a:srgbClr val="000000"/>
                   </a:solidFill>
@@ -2232,7 +3010,7 @@
             </a:ln>
             <a:extLst>
               <a:ext uri="{91240B29-F687-4f45-9708-019B960494DF}">
-                <a14:hiddenLine xmlns:a14="http://schemas.microsoft.com/office/drawing/2010/main" xmlns="" w="9525">
+                <a14:hiddenLine xmlns="" xmlns:a14="http://schemas.microsoft.com/office/drawing/2010/main" w="9525">
                   <a:solidFill>
                     <a:srgbClr val="000000"/>
                   </a:solidFill>
@@ -2294,7 +3072,7 @@
             </a:ln>
             <a:extLst>
               <a:ext uri="{91240B29-F687-4f45-9708-019B960494DF}">
-                <a14:hiddenLine xmlns:a14="http://schemas.microsoft.com/office/drawing/2010/main" xmlns="" w="9525">
+                <a14:hiddenLine xmlns="" xmlns:a14="http://schemas.microsoft.com/office/drawing/2010/main" w="9525">
                   <a:solidFill>
                     <a:srgbClr val="000000"/>
                   </a:solidFill>
@@ -2356,7 +3134,7 @@
             </a:ln>
             <a:extLst>
               <a:ext uri="{91240B29-F687-4f45-9708-019B960494DF}">
-                <a14:hiddenLine xmlns:a14="http://schemas.microsoft.com/office/drawing/2010/main" xmlns="" w="9525">
+                <a14:hiddenLine xmlns="" xmlns:a14="http://schemas.microsoft.com/office/drawing/2010/main" w="9525">
                   <a:solidFill>
                     <a:srgbClr val="000000"/>
                   </a:solidFill>
@@ -2446,7 +3224,7 @@
             </a:ln>
             <a:extLst>
               <a:ext uri="{91240B29-F687-4f45-9708-019B960494DF}">
-                <a14:hiddenLine xmlns:a14="http://schemas.microsoft.com/office/drawing/2010/main" xmlns="" w="9525">
+                <a14:hiddenLine xmlns="" xmlns:a14="http://schemas.microsoft.com/office/drawing/2010/main" w="9525">
                   <a:solidFill>
                     <a:srgbClr val="000000"/>
                   </a:solidFill>
@@ -2536,7 +3314,7 @@
             </a:ln>
             <a:extLst>
               <a:ext uri="{91240B29-F687-4f45-9708-019B960494DF}">
-                <a14:hiddenLine xmlns:a14="http://schemas.microsoft.com/office/drawing/2010/main" xmlns="" w="9525">
+                <a14:hiddenLine xmlns="" xmlns:a14="http://schemas.microsoft.com/office/drawing/2010/main" w="9525">
                   <a:solidFill>
                     <a:srgbClr val="000000"/>
                   </a:solidFill>
@@ -2598,7 +3376,7 @@
             </a:ln>
             <a:extLst>
               <a:ext uri="{91240B29-F687-4f45-9708-019B960494DF}">
-                <a14:hiddenLine xmlns:a14="http://schemas.microsoft.com/office/drawing/2010/main" xmlns="" w="9525">
+                <a14:hiddenLine xmlns="" xmlns:a14="http://schemas.microsoft.com/office/drawing/2010/main" w="9525">
                   <a:solidFill>
                     <a:srgbClr val="000000"/>
                   </a:solidFill>
@@ -2708,7 +3486,7 @@
             </a:ln>
             <a:extLst>
               <a:ext uri="{91240B29-F687-4f45-9708-019B960494DF}">
-                <a14:hiddenLine xmlns:a14="http://schemas.microsoft.com/office/drawing/2010/main" xmlns="" w="9525">
+                <a14:hiddenLine xmlns="" xmlns:a14="http://schemas.microsoft.com/office/drawing/2010/main" w="9525">
                   <a:solidFill>
                     <a:srgbClr val="000000"/>
                   </a:solidFill>
@@ -2770,7 +3548,7 @@
             </a:ln>
             <a:extLst>
               <a:ext uri="{91240B29-F687-4f45-9708-019B960494DF}">
-                <a14:hiddenLine xmlns:a14="http://schemas.microsoft.com/office/drawing/2010/main" xmlns="" w="9525">
+                <a14:hiddenLine xmlns="" xmlns:a14="http://schemas.microsoft.com/office/drawing/2010/main" w="9525">
                   <a:solidFill>
                     <a:srgbClr val="000000"/>
                   </a:solidFill>
@@ -2860,7 +3638,7 @@
             </a:ln>
             <a:extLst>
               <a:ext uri="{91240B29-F687-4f45-9708-019B960494DF}">
-                <a14:hiddenLine xmlns:a14="http://schemas.microsoft.com/office/drawing/2010/main" xmlns="" w="9525">
+                <a14:hiddenLine xmlns="" xmlns:a14="http://schemas.microsoft.com/office/drawing/2010/main" w="9525">
                   <a:solidFill>
                     <a:srgbClr val="000000"/>
                   </a:solidFill>
@@ -2950,7 +3728,7 @@
             </a:ln>
             <a:extLst>
               <a:ext uri="{91240B29-F687-4f45-9708-019B960494DF}">
-                <a14:hiddenLine xmlns:a14="http://schemas.microsoft.com/office/drawing/2010/main" xmlns="" w="9525">
+                <a14:hiddenLine xmlns="" xmlns:a14="http://schemas.microsoft.com/office/drawing/2010/main" w="9525">
                   <a:solidFill>
                     <a:srgbClr val="000000"/>
                   </a:solidFill>
@@ -3012,7 +3790,7 @@
             </a:ln>
             <a:extLst>
               <a:ext uri="{91240B29-F687-4f45-9708-019B960494DF}">
-                <a14:hiddenLine xmlns:a14="http://schemas.microsoft.com/office/drawing/2010/main" xmlns="" w="9525">
+                <a14:hiddenLine xmlns="" xmlns:a14="http://schemas.microsoft.com/office/drawing/2010/main" w="9525">
                   <a:solidFill>
                     <a:srgbClr val="000000"/>
                   </a:solidFill>
@@ -3102,7 +3880,7 @@
             </a:ln>
             <a:extLst>
               <a:ext uri="{91240B29-F687-4f45-9708-019B960494DF}">
-                <a14:hiddenLine xmlns:a14="http://schemas.microsoft.com/office/drawing/2010/main" xmlns="" w="9525">
+                <a14:hiddenLine xmlns="" xmlns:a14="http://schemas.microsoft.com/office/drawing/2010/main" w="9525">
                   <a:solidFill>
                     <a:srgbClr val="000000"/>
                   </a:solidFill>
@@ -3192,7 +3970,7 @@
             </a:ln>
             <a:extLst>
               <a:ext uri="{91240B29-F687-4f45-9708-019B960494DF}">
-                <a14:hiddenLine xmlns:a14="http://schemas.microsoft.com/office/drawing/2010/main" xmlns="" w="9525">
+                <a14:hiddenLine xmlns="" xmlns:a14="http://schemas.microsoft.com/office/drawing/2010/main" w="9525">
                   <a:solidFill>
                     <a:srgbClr val="000000"/>
                   </a:solidFill>
@@ -3248,7 +4026,7 @@
             </a:ln>
             <a:extLst>
               <a:ext uri="{91240B29-F687-4f45-9708-019B960494DF}">
-                <a14:hiddenLine xmlns:a14="http://schemas.microsoft.com/office/drawing/2010/main" xmlns="" w="9525">
+                <a14:hiddenLine xmlns="" xmlns:a14="http://schemas.microsoft.com/office/drawing/2010/main" w="9525">
                   <a:solidFill>
                     <a:srgbClr val="000000"/>
                   </a:solidFill>
@@ -3338,7 +4116,7 @@
             </a:ln>
             <a:extLst>
               <a:ext uri="{91240B29-F687-4f45-9708-019B960494DF}">
-                <a14:hiddenLine xmlns:a14="http://schemas.microsoft.com/office/drawing/2010/main" xmlns="" w="9525">
+                <a14:hiddenLine xmlns="" xmlns:a14="http://schemas.microsoft.com/office/drawing/2010/main" w="9525">
                   <a:solidFill>
                     <a:srgbClr val="000000"/>
                   </a:solidFill>
@@ -3394,7 +4172,7 @@
             </a:ln>
             <a:extLst>
               <a:ext uri="{91240B29-F687-4f45-9708-019B960494DF}">
-                <a14:hiddenLine xmlns:a14="http://schemas.microsoft.com/office/drawing/2010/main" xmlns="" w="9525">
+                <a14:hiddenLine xmlns="" xmlns:a14="http://schemas.microsoft.com/office/drawing/2010/main" w="9525">
                   <a:solidFill>
                     <a:srgbClr val="000000"/>
                   </a:solidFill>
@@ -3484,7 +4262,7 @@
             </a:ln>
             <a:extLst>
               <a:ext uri="{91240B29-F687-4f45-9708-019B960494DF}">
-                <a14:hiddenLine xmlns:a14="http://schemas.microsoft.com/office/drawing/2010/main" xmlns="" w="9525">
+                <a14:hiddenLine xmlns="" xmlns:a14="http://schemas.microsoft.com/office/drawing/2010/main" w="9525">
                   <a:solidFill>
                     <a:srgbClr val="000000"/>
                   </a:solidFill>
@@ -3552,7 +4330,7 @@
             </a:ln>
             <a:extLst>
               <a:ext uri="{91240B29-F687-4f45-9708-019B960494DF}">
-                <a14:hiddenLine xmlns:a14="http://schemas.microsoft.com/office/drawing/2010/main" xmlns="" w="9525">
+                <a14:hiddenLine xmlns="" xmlns:a14="http://schemas.microsoft.com/office/drawing/2010/main" w="9525">
                   <a:solidFill>
                     <a:srgbClr val="000000"/>
                   </a:solidFill>
@@ -3642,7 +4420,7 @@
             </a:ln>
             <a:extLst>
               <a:ext uri="{91240B29-F687-4f45-9708-019B960494DF}">
-                <a14:hiddenLine xmlns:a14="http://schemas.microsoft.com/office/drawing/2010/main" xmlns="" w="9525">
+                <a14:hiddenLine xmlns="" xmlns:a14="http://schemas.microsoft.com/office/drawing/2010/main" w="9525">
                   <a:solidFill>
                     <a:srgbClr val="000000"/>
                   </a:solidFill>
@@ -3710,7 +4488,7 @@
             </a:ln>
             <a:extLst>
               <a:ext uri="{91240B29-F687-4f45-9708-019B960494DF}">
-                <a14:hiddenLine xmlns:a14="http://schemas.microsoft.com/office/drawing/2010/main" xmlns="" w="9525">
+                <a14:hiddenLine xmlns="" xmlns:a14="http://schemas.microsoft.com/office/drawing/2010/main" w="9525">
                   <a:solidFill>
                     <a:srgbClr val="000000"/>
                   </a:solidFill>
@@ -3800,7 +4578,7 @@
             </a:ln>
             <a:extLst>
               <a:ext uri="{91240B29-F687-4f45-9708-019B960494DF}">
-                <a14:hiddenLine xmlns:a14="http://schemas.microsoft.com/office/drawing/2010/main" xmlns="" w="9525">
+                <a14:hiddenLine xmlns="" xmlns:a14="http://schemas.microsoft.com/office/drawing/2010/main" w="9525">
                   <a:solidFill>
                     <a:srgbClr val="000000"/>
                   </a:solidFill>
@@ -3834,7 +4612,7 @@
             </a:ln>
             <a:extLst>
               <a:ext uri="{91240B29-F687-4f45-9708-019B960494DF}">
-                <a14:hiddenLine xmlns:a14="http://schemas.microsoft.com/office/drawing/2010/main" xmlns="" w="9525">
+                <a14:hiddenLine xmlns="" xmlns:a14="http://schemas.microsoft.com/office/drawing/2010/main" w="9525">
                   <a:solidFill>
                     <a:srgbClr val="000000"/>
                   </a:solidFill>
@@ -3924,7 +4702,7 @@
             </a:ln>
             <a:extLst>
               <a:ext uri="{91240B29-F687-4f45-9708-019B960494DF}">
-                <a14:hiddenLine xmlns:a14="http://schemas.microsoft.com/office/drawing/2010/main" xmlns="" w="9525">
+                <a14:hiddenLine xmlns="" xmlns:a14="http://schemas.microsoft.com/office/drawing/2010/main" w="9525">
                   <a:solidFill>
                     <a:srgbClr val="000000"/>
                   </a:solidFill>
@@ -3986,7 +4764,7 @@
             </a:ln>
             <a:extLst>
               <a:ext uri="{91240B29-F687-4f45-9708-019B960494DF}">
-                <a14:hiddenLine xmlns:a14="http://schemas.microsoft.com/office/drawing/2010/main" xmlns="" w="9525">
+                <a14:hiddenLine xmlns="" xmlns:a14="http://schemas.microsoft.com/office/drawing/2010/main" w="9525">
                   <a:solidFill>
                     <a:srgbClr val="000000"/>
                   </a:solidFill>
@@ -4048,7 +4826,7 @@
             </a:ln>
             <a:extLst>
               <a:ext uri="{91240B29-F687-4f45-9708-019B960494DF}">
-                <a14:hiddenLine xmlns:a14="http://schemas.microsoft.com/office/drawing/2010/main" xmlns="" w="9525">
+                <a14:hiddenLine xmlns="" xmlns:a14="http://schemas.microsoft.com/office/drawing/2010/main" w="9525">
                   <a:solidFill>
                     <a:srgbClr val="000000"/>
                   </a:solidFill>
@@ -4138,7 +4916,7 @@
             </a:ln>
             <a:extLst>
               <a:ext uri="{91240B29-F687-4f45-9708-019B960494DF}">
-                <a14:hiddenLine xmlns:a14="http://schemas.microsoft.com/office/drawing/2010/main" xmlns="" w="9525">
+                <a14:hiddenLine xmlns="" xmlns:a14="http://schemas.microsoft.com/office/drawing/2010/main" w="9525">
                   <a:solidFill>
                     <a:srgbClr val="000000"/>
                   </a:solidFill>
@@ -4206,7 +4984,7 @@
             </a:ln>
             <a:extLst>
               <a:ext uri="{91240B29-F687-4f45-9708-019B960494DF}">
-                <a14:hiddenLine xmlns:a14="http://schemas.microsoft.com/office/drawing/2010/main" xmlns="" w="9525">
+                <a14:hiddenLine xmlns="" xmlns:a14="http://schemas.microsoft.com/office/drawing/2010/main" w="9525">
                   <a:solidFill>
                     <a:srgbClr val="000000"/>
                   </a:solidFill>
@@ -4268,7 +5046,7 @@
             </a:ln>
             <a:extLst>
               <a:ext uri="{91240B29-F687-4f45-9708-019B960494DF}">
-                <a14:hiddenLine xmlns:a14="http://schemas.microsoft.com/office/drawing/2010/main" xmlns="" w="9525">
+                <a14:hiddenLine xmlns="" xmlns:a14="http://schemas.microsoft.com/office/drawing/2010/main" w="9525">
                   <a:solidFill>
                     <a:srgbClr val="000000"/>
                   </a:solidFill>
@@ -4358,7 +5136,7 @@
             </a:ln>
             <a:extLst>
               <a:ext uri="{91240B29-F687-4f45-9708-019B960494DF}">
-                <a14:hiddenLine xmlns:a14="http://schemas.microsoft.com/office/drawing/2010/main" xmlns="" w="9525">
+                <a14:hiddenLine xmlns="" xmlns:a14="http://schemas.microsoft.com/office/drawing/2010/main" w="9525">
                   <a:solidFill>
                     <a:srgbClr val="000000"/>
                   </a:solidFill>
@@ -4420,7 +5198,7 @@
             </a:ln>
             <a:extLst>
               <a:ext uri="{91240B29-F687-4f45-9708-019B960494DF}">
-                <a14:hiddenLine xmlns:a14="http://schemas.microsoft.com/office/drawing/2010/main" xmlns="" w="9525">
+                <a14:hiddenLine xmlns="" xmlns:a14="http://schemas.microsoft.com/office/drawing/2010/main" w="9525">
                   <a:solidFill>
                     <a:srgbClr val="000000"/>
                   </a:solidFill>
@@ -4510,7 +5288,7 @@
             </a:ln>
             <a:extLst>
               <a:ext uri="{91240B29-F687-4f45-9708-019B960494DF}">
-                <a14:hiddenLine xmlns:a14="http://schemas.microsoft.com/office/drawing/2010/main" xmlns="" w="9525">
+                <a14:hiddenLine xmlns="" xmlns:a14="http://schemas.microsoft.com/office/drawing/2010/main" w="9525">
                   <a:solidFill>
                     <a:srgbClr val="000000"/>
                   </a:solidFill>
@@ -4572,7 +5350,7 @@
             </a:ln>
             <a:extLst>
               <a:ext uri="{91240B29-F687-4f45-9708-019B960494DF}">
-                <a14:hiddenLine xmlns:a14="http://schemas.microsoft.com/office/drawing/2010/main" xmlns="" w="9525">
+                <a14:hiddenLine xmlns="" xmlns:a14="http://schemas.microsoft.com/office/drawing/2010/main" w="9525">
                   <a:solidFill>
                     <a:srgbClr val="000000"/>
                   </a:solidFill>
@@ -4662,7 +5440,7 @@
             </a:ln>
             <a:extLst>
               <a:ext uri="{91240B29-F687-4f45-9708-019B960494DF}">
-                <a14:hiddenLine xmlns:a14="http://schemas.microsoft.com/office/drawing/2010/main" xmlns="" w="9525">
+                <a14:hiddenLine xmlns="" xmlns:a14="http://schemas.microsoft.com/office/drawing/2010/main" w="9525">
                   <a:solidFill>
                     <a:srgbClr val="000000"/>
                   </a:solidFill>
@@ -4696,7 +5474,7 @@
             </a:ln>
             <a:extLst>
               <a:ext uri="{91240B29-F687-4f45-9708-019B960494DF}">
-                <a14:hiddenLine xmlns:a14="http://schemas.microsoft.com/office/drawing/2010/main" xmlns="" w="9525">
+                <a14:hiddenLine xmlns="" xmlns:a14="http://schemas.microsoft.com/office/drawing/2010/main" w="9525">
                   <a:solidFill>
                     <a:srgbClr val="000000"/>
                   </a:solidFill>
@@ -4761,7 +5539,7 @@
             </a:ln>
             <a:extLst>
               <a:ext uri="{91240B29-F687-4f45-9708-019B960494DF}">
-                <a14:hiddenLine xmlns:a14="http://schemas.microsoft.com/office/drawing/2010/main" xmlns="" w="9525">
+                <a14:hiddenLine xmlns="" xmlns:a14="http://schemas.microsoft.com/office/drawing/2010/main" w="9525">
                   <a:solidFill>
                     <a:srgbClr val="000000"/>
                   </a:solidFill>
@@ -4851,7 +5629,7 @@
             </a:ln>
             <a:extLst>
               <a:ext uri="{91240B29-F687-4f45-9708-019B960494DF}">
-                <a14:hiddenLine xmlns:a14="http://schemas.microsoft.com/office/drawing/2010/main" xmlns="" w="9525">
+                <a14:hiddenLine xmlns="" xmlns:a14="http://schemas.microsoft.com/office/drawing/2010/main" w="9525">
                   <a:solidFill>
                     <a:srgbClr val="000000"/>
                   </a:solidFill>
@@ -4913,7 +5691,7 @@
             </a:ln>
             <a:extLst>
               <a:ext uri="{91240B29-F687-4f45-9708-019B960494DF}">
-                <a14:hiddenLine xmlns:a14="http://schemas.microsoft.com/office/drawing/2010/main" xmlns="" w="9525">
+                <a14:hiddenLine xmlns="" xmlns:a14="http://schemas.microsoft.com/office/drawing/2010/main" w="9525">
                   <a:solidFill>
                     <a:srgbClr val="000000"/>
                   </a:solidFill>
@@ -5003,7 +5781,7 @@
             </a:ln>
             <a:extLst>
               <a:ext uri="{91240B29-F687-4f45-9708-019B960494DF}">
-                <a14:hiddenLine xmlns:a14="http://schemas.microsoft.com/office/drawing/2010/main" xmlns="" w="9525">
+                <a14:hiddenLine xmlns="" xmlns:a14="http://schemas.microsoft.com/office/drawing/2010/main" w="9525">
                   <a:solidFill>
                     <a:srgbClr val="000000"/>
                   </a:solidFill>
@@ -5093,7 +5871,7 @@
             </a:ln>
             <a:extLst>
               <a:ext uri="{91240B29-F687-4f45-9708-019B960494DF}">
-                <a14:hiddenLine xmlns:a14="http://schemas.microsoft.com/office/drawing/2010/main" xmlns="" w="9525">
+                <a14:hiddenLine xmlns="" xmlns:a14="http://schemas.microsoft.com/office/drawing/2010/main" w="9525">
                   <a:solidFill>
                     <a:srgbClr val="000000"/>
                   </a:solidFill>
@@ -5158,7 +5936,7 @@
             </a:ln>
             <a:extLst>
               <a:ext uri="{91240B29-F687-4f45-9708-019B960494DF}">
-                <a14:hiddenLine xmlns:a14="http://schemas.microsoft.com/office/drawing/2010/main" xmlns="" w="9525">
+                <a14:hiddenLine xmlns="" xmlns:a14="http://schemas.microsoft.com/office/drawing/2010/main" w="9525">
                   <a:solidFill>
                     <a:srgbClr val="000000"/>
                   </a:solidFill>
@@ -5220,7 +5998,7 @@
             </a:ln>
             <a:extLst>
               <a:ext uri="{91240B29-F687-4f45-9708-019B960494DF}">
-                <a14:hiddenLine xmlns:a14="http://schemas.microsoft.com/office/drawing/2010/main" xmlns="" w="9525">
+                <a14:hiddenLine xmlns="" xmlns:a14="http://schemas.microsoft.com/office/drawing/2010/main" w="9525">
                   <a:solidFill>
                     <a:srgbClr val="000000"/>
                   </a:solidFill>
@@ -5310,7 +6088,7 @@
             </a:ln>
             <a:extLst>
               <a:ext uri="{91240B29-F687-4f45-9708-019B960494DF}">
-                <a14:hiddenLine xmlns:a14="http://schemas.microsoft.com/office/drawing/2010/main" xmlns="" w="9525">
+                <a14:hiddenLine xmlns="" xmlns:a14="http://schemas.microsoft.com/office/drawing/2010/main" w="9525">
                   <a:solidFill>
                     <a:srgbClr val="000000"/>
                   </a:solidFill>
@@ -5400,7 +6178,7 @@
             </a:ln>
             <a:extLst>
               <a:ext uri="{91240B29-F687-4f45-9708-019B960494DF}">
-                <a14:hiddenLine xmlns:a14="http://schemas.microsoft.com/office/drawing/2010/main" xmlns="" w="9525">
+                <a14:hiddenLine xmlns="" xmlns:a14="http://schemas.microsoft.com/office/drawing/2010/main" w="9525">
                   <a:solidFill>
                     <a:srgbClr val="000000"/>
                   </a:solidFill>
@@ -5462,7 +6240,7 @@
             </a:ln>
             <a:extLst>
               <a:ext uri="{91240B29-F687-4f45-9708-019B960494DF}">
-                <a14:hiddenLine xmlns:a14="http://schemas.microsoft.com/office/drawing/2010/main" xmlns="" w="9525">
+                <a14:hiddenLine xmlns="" xmlns:a14="http://schemas.microsoft.com/office/drawing/2010/main" w="9525">
                   <a:solidFill>
                     <a:srgbClr val="000000"/>
                   </a:solidFill>
@@ -5582,7 +6360,7 @@
             </a:ln>
             <a:extLst>
               <a:ext uri="{91240B29-F687-4f45-9708-019B960494DF}">
-                <a14:hiddenLine xmlns:a14="http://schemas.microsoft.com/office/drawing/2010/main" xmlns="" w="9525">
+                <a14:hiddenLine xmlns="" xmlns:a14="http://schemas.microsoft.com/office/drawing/2010/main" w="9525">
                   <a:solidFill>
                     <a:srgbClr val="000000"/>
                   </a:solidFill>
@@ -5650,7 +6428,7 @@
             </a:ln>
             <a:extLst>
               <a:ext uri="{91240B29-F687-4f45-9708-019B960494DF}">
-                <a14:hiddenLine xmlns:a14="http://schemas.microsoft.com/office/drawing/2010/main" xmlns="" w="9525">
+                <a14:hiddenLine xmlns="" xmlns:a14="http://schemas.microsoft.com/office/drawing/2010/main" w="9525">
                   <a:solidFill>
                     <a:srgbClr val="000000"/>
                   </a:solidFill>
@@ -5740,7 +6518,7 @@
             </a:ln>
             <a:extLst>
               <a:ext uri="{91240B29-F687-4f45-9708-019B960494DF}">
-                <a14:hiddenLine xmlns:a14="http://schemas.microsoft.com/office/drawing/2010/main" xmlns="" w="9525">
+                <a14:hiddenLine xmlns="" xmlns:a14="http://schemas.microsoft.com/office/drawing/2010/main" w="9525">
                   <a:solidFill>
                     <a:srgbClr val="000000"/>
                   </a:solidFill>
@@ -10547,7 +11325,7 @@
           <a:noFill/>
           <a:extLst>
             <a:ext uri="{909E8E84-426E-40dd-AFC4-6F175D3DCCD1}">
-              <a14:hiddenFill xmlns:a14="http://schemas.microsoft.com/office/drawing/2010/main" xmlns="">
+              <a14:hiddenFill xmlns="" xmlns:a14="http://schemas.microsoft.com/office/drawing/2010/main">
                 <a:solidFill>
                   <a:srgbClr val="FFFFFF"/>
                 </a:solidFill>
@@ -10621,7 +11399,7 @@
               </a:ln>
               <a:extLst>
                 <a:ext uri="{91240B29-F687-4f45-9708-019B960494DF}">
-                  <a14:hiddenLine xmlns:a14="http://schemas.microsoft.com/office/drawing/2010/main" xmlns="" w="9525">
+                  <a14:hiddenLine xmlns="" xmlns:a14="http://schemas.microsoft.com/office/drawing/2010/main" w="9525">
                     <a:solidFill>
                       <a:srgbClr val="000000"/>
                     </a:solidFill>
@@ -10711,7 +11489,7 @@
               </a:ln>
               <a:extLst>
                 <a:ext uri="{91240B29-F687-4f45-9708-019B960494DF}">
-                  <a14:hiddenLine xmlns:a14="http://schemas.microsoft.com/office/drawing/2010/main" xmlns="" w="9525">
+                  <a14:hiddenLine xmlns="" xmlns:a14="http://schemas.microsoft.com/office/drawing/2010/main" w="9525">
                     <a:solidFill>
                       <a:srgbClr val="000000"/>
                     </a:solidFill>
@@ -10801,7 +11579,7 @@
               </a:ln>
               <a:extLst>
                 <a:ext uri="{91240B29-F687-4f45-9708-019B960494DF}">
-                  <a14:hiddenLine xmlns:a14="http://schemas.microsoft.com/office/drawing/2010/main" xmlns="" w="9525">
+                  <a14:hiddenLine xmlns="" xmlns:a14="http://schemas.microsoft.com/office/drawing/2010/main" w="9525">
                     <a:solidFill>
                       <a:srgbClr val="000000"/>
                     </a:solidFill>
@@ -10863,7 +11641,7 @@
               </a:ln>
               <a:extLst>
                 <a:ext uri="{91240B29-F687-4f45-9708-019B960494DF}">
-                  <a14:hiddenLine xmlns:a14="http://schemas.microsoft.com/office/drawing/2010/main" xmlns="" w="9525">
+                  <a14:hiddenLine xmlns="" xmlns:a14="http://schemas.microsoft.com/office/drawing/2010/main" w="9525">
                     <a:solidFill>
                       <a:srgbClr val="000000"/>
                     </a:solidFill>
@@ -10953,7 +11731,7 @@
               </a:ln>
               <a:extLst>
                 <a:ext uri="{91240B29-F687-4f45-9708-019B960494DF}">
-                  <a14:hiddenLine xmlns:a14="http://schemas.microsoft.com/office/drawing/2010/main" xmlns="" w="9525">
+                  <a14:hiddenLine xmlns="" xmlns:a14="http://schemas.microsoft.com/office/drawing/2010/main" w="9525">
                     <a:solidFill>
                       <a:srgbClr val="000000"/>
                     </a:solidFill>
@@ -11015,7 +11793,7 @@
               </a:ln>
               <a:extLst>
                 <a:ext uri="{91240B29-F687-4f45-9708-019B960494DF}">
-                  <a14:hiddenLine xmlns:a14="http://schemas.microsoft.com/office/drawing/2010/main" xmlns="" w="9525">
+                  <a14:hiddenLine xmlns="" xmlns:a14="http://schemas.microsoft.com/office/drawing/2010/main" w="9525">
                     <a:solidFill>
                       <a:srgbClr val="000000"/>
                     </a:solidFill>
@@ -11077,7 +11855,7 @@
               </a:ln>
               <a:extLst>
                 <a:ext uri="{91240B29-F687-4f45-9708-019B960494DF}">
-                  <a14:hiddenLine xmlns:a14="http://schemas.microsoft.com/office/drawing/2010/main" xmlns="" w="9525">
+                  <a14:hiddenLine xmlns="" xmlns:a14="http://schemas.microsoft.com/office/drawing/2010/main" w="9525">
                     <a:solidFill>
                       <a:srgbClr val="000000"/>
                     </a:solidFill>
@@ -11167,7 +11945,7 @@
               </a:ln>
               <a:extLst>
                 <a:ext uri="{91240B29-F687-4f45-9708-019B960494DF}">
-                  <a14:hiddenLine xmlns:a14="http://schemas.microsoft.com/office/drawing/2010/main" xmlns="" w="9525">
+                  <a14:hiddenLine xmlns="" xmlns:a14="http://schemas.microsoft.com/office/drawing/2010/main" w="9525">
                     <a:solidFill>
                       <a:srgbClr val="000000"/>
                     </a:solidFill>
@@ -11257,7 +12035,7 @@
               </a:ln>
               <a:extLst>
                 <a:ext uri="{91240B29-F687-4f45-9708-019B960494DF}">
-                  <a14:hiddenLine xmlns:a14="http://schemas.microsoft.com/office/drawing/2010/main" xmlns="" w="9525">
+                  <a14:hiddenLine xmlns="" xmlns:a14="http://schemas.microsoft.com/office/drawing/2010/main" w="9525">
                     <a:solidFill>
                       <a:srgbClr val="000000"/>
                     </a:solidFill>
@@ -11319,7 +12097,7 @@
               </a:ln>
               <a:extLst>
                 <a:ext uri="{91240B29-F687-4f45-9708-019B960494DF}">
-                  <a14:hiddenLine xmlns:a14="http://schemas.microsoft.com/office/drawing/2010/main" xmlns="" w="9525">
+                  <a14:hiddenLine xmlns="" xmlns:a14="http://schemas.microsoft.com/office/drawing/2010/main" w="9525">
                     <a:solidFill>
                       <a:srgbClr val="000000"/>
                     </a:solidFill>
@@ -11429,7 +12207,7 @@
               </a:ln>
               <a:extLst>
                 <a:ext uri="{91240B29-F687-4f45-9708-019B960494DF}">
-                  <a14:hiddenLine xmlns:a14="http://schemas.microsoft.com/office/drawing/2010/main" xmlns="" w="9525">
+                  <a14:hiddenLine xmlns="" xmlns:a14="http://schemas.microsoft.com/office/drawing/2010/main" w="9525">
                     <a:solidFill>
                       <a:srgbClr val="000000"/>
                     </a:solidFill>
@@ -11513,7 +12291,7 @@
               </a:ln>
               <a:extLst>
                 <a:ext uri="{91240B29-F687-4f45-9708-019B960494DF}">
-                  <a14:hiddenLine xmlns:a14="http://schemas.microsoft.com/office/drawing/2010/main" xmlns="" w="9525">
+                  <a14:hiddenLine xmlns="" xmlns:a14="http://schemas.microsoft.com/office/drawing/2010/main" w="9525">
                     <a:solidFill>
                       <a:srgbClr val="000000"/>
                     </a:solidFill>
@@ -11575,7 +12353,7 @@
               </a:ln>
               <a:extLst>
                 <a:ext uri="{91240B29-F687-4f45-9708-019B960494DF}">
-                  <a14:hiddenLine xmlns:a14="http://schemas.microsoft.com/office/drawing/2010/main" xmlns="" w="9525">
+                  <a14:hiddenLine xmlns="" xmlns:a14="http://schemas.microsoft.com/office/drawing/2010/main" w="9525">
                     <a:solidFill>
                       <a:srgbClr val="000000"/>
                     </a:solidFill>
@@ -11637,7 +12415,7 @@
               </a:ln>
               <a:extLst>
                 <a:ext uri="{91240B29-F687-4f45-9708-019B960494DF}">
-                  <a14:hiddenLine xmlns:a14="http://schemas.microsoft.com/office/drawing/2010/main" xmlns="" w="9525">
+                  <a14:hiddenLine xmlns="" xmlns:a14="http://schemas.microsoft.com/office/drawing/2010/main" w="9525">
                     <a:solidFill>
                       <a:srgbClr val="000000"/>
                     </a:solidFill>
@@ -11727,7 +12505,7 @@
               </a:ln>
               <a:extLst>
                 <a:ext uri="{91240B29-F687-4f45-9708-019B960494DF}">
-                  <a14:hiddenLine xmlns:a14="http://schemas.microsoft.com/office/drawing/2010/main" xmlns="" w="9525">
+                  <a14:hiddenLine xmlns="" xmlns:a14="http://schemas.microsoft.com/office/drawing/2010/main" w="9525">
                     <a:solidFill>
                       <a:srgbClr val="000000"/>
                     </a:solidFill>
@@ -11761,7 +12539,7 @@
               </a:ln>
               <a:extLst>
                 <a:ext uri="{91240B29-F687-4f45-9708-019B960494DF}">
-                  <a14:hiddenLine xmlns:a14="http://schemas.microsoft.com/office/drawing/2010/main" xmlns="" w="9525">
+                  <a14:hiddenLine xmlns="" xmlns:a14="http://schemas.microsoft.com/office/drawing/2010/main" w="9525">
                     <a:solidFill>
                       <a:srgbClr val="000000"/>
                     </a:solidFill>
@@ -11826,7 +12604,7 @@
               </a:ln>
               <a:extLst>
                 <a:ext uri="{91240B29-F687-4f45-9708-019B960494DF}">
-                  <a14:hiddenLine xmlns:a14="http://schemas.microsoft.com/office/drawing/2010/main" xmlns="" w="9525">
+                  <a14:hiddenLine xmlns="" xmlns:a14="http://schemas.microsoft.com/office/drawing/2010/main" w="9525">
                     <a:solidFill>
                       <a:srgbClr val="000000"/>
                     </a:solidFill>
@@ -11916,7 +12694,7 @@
               </a:ln>
               <a:extLst>
                 <a:ext uri="{91240B29-F687-4f45-9708-019B960494DF}">
-                  <a14:hiddenLine xmlns:a14="http://schemas.microsoft.com/office/drawing/2010/main" xmlns="" w="9525">
+                  <a14:hiddenLine xmlns="" xmlns:a14="http://schemas.microsoft.com/office/drawing/2010/main" w="9525">
                     <a:solidFill>
                       <a:srgbClr val="000000"/>
                     </a:solidFill>
@@ -11978,7 +12756,7 @@
               </a:ln>
               <a:extLst>
                 <a:ext uri="{91240B29-F687-4f45-9708-019B960494DF}">
-                  <a14:hiddenLine xmlns:a14="http://schemas.microsoft.com/office/drawing/2010/main" xmlns="" w="9525">
+                  <a14:hiddenLine xmlns="" xmlns:a14="http://schemas.microsoft.com/office/drawing/2010/main" w="9525">
                     <a:solidFill>
                       <a:srgbClr val="000000"/>
                     </a:solidFill>
@@ -12068,7 +12846,7 @@
               </a:ln>
               <a:extLst>
                 <a:ext uri="{91240B29-F687-4f45-9708-019B960494DF}">
-                  <a14:hiddenLine xmlns:a14="http://schemas.microsoft.com/office/drawing/2010/main" xmlns="" w="9525">
+                  <a14:hiddenLine xmlns="" xmlns:a14="http://schemas.microsoft.com/office/drawing/2010/main" w="9525">
                     <a:solidFill>
                       <a:srgbClr val="000000"/>
                     </a:solidFill>
@@ -12133,7 +12911,7 @@
               </a:ln>
               <a:extLst>
                 <a:ext uri="{91240B29-F687-4f45-9708-019B960494DF}">
-                  <a14:hiddenLine xmlns:a14="http://schemas.microsoft.com/office/drawing/2010/main" xmlns="" w="9525">
+                  <a14:hiddenLine xmlns="" xmlns:a14="http://schemas.microsoft.com/office/drawing/2010/main" w="9525">
                     <a:solidFill>
                       <a:srgbClr val="000000"/>
                     </a:solidFill>
@@ -12195,7 +12973,7 @@
               </a:ln>
               <a:extLst>
                 <a:ext uri="{91240B29-F687-4f45-9708-019B960494DF}">
-                  <a14:hiddenLine xmlns:a14="http://schemas.microsoft.com/office/drawing/2010/main" xmlns="" w="9525">
+                  <a14:hiddenLine xmlns="" xmlns:a14="http://schemas.microsoft.com/office/drawing/2010/main" w="9525">
                     <a:solidFill>
                       <a:srgbClr val="000000"/>
                     </a:solidFill>
@@ -12285,7 +13063,7 @@
               </a:ln>
               <a:extLst>
                 <a:ext uri="{91240B29-F687-4f45-9708-019B960494DF}">
-                  <a14:hiddenLine xmlns:a14="http://schemas.microsoft.com/office/drawing/2010/main" xmlns="" w="9525">
+                  <a14:hiddenLine xmlns="" xmlns:a14="http://schemas.microsoft.com/office/drawing/2010/main" w="9525">
                     <a:solidFill>
                       <a:srgbClr val="000000"/>
                     </a:solidFill>
@@ -12375,7 +13153,7 @@
               </a:ln>
               <a:extLst>
                 <a:ext uri="{91240B29-F687-4f45-9708-019B960494DF}">
-                  <a14:hiddenLine xmlns:a14="http://schemas.microsoft.com/office/drawing/2010/main" xmlns="" w="9525">
+                  <a14:hiddenLine xmlns="" xmlns:a14="http://schemas.microsoft.com/office/drawing/2010/main" w="9525">
                     <a:solidFill>
                       <a:srgbClr val="000000"/>
                     </a:solidFill>
@@ -12440,7 +13218,7 @@
               </a:ln>
               <a:extLst>
                 <a:ext uri="{91240B29-F687-4f45-9708-019B960494DF}">
-                  <a14:hiddenLine xmlns:a14="http://schemas.microsoft.com/office/drawing/2010/main" xmlns="" w="9525">
+                  <a14:hiddenLine xmlns="" xmlns:a14="http://schemas.microsoft.com/office/drawing/2010/main" w="9525">
                     <a:solidFill>
                       <a:srgbClr val="000000"/>
                     </a:solidFill>
@@ -12560,7 +13338,7 @@
               </a:ln>
               <a:extLst>
                 <a:ext uri="{91240B29-F687-4f45-9708-019B960494DF}">
-                  <a14:hiddenLine xmlns:a14="http://schemas.microsoft.com/office/drawing/2010/main" xmlns="" w="9525">
+                  <a14:hiddenLine xmlns="" xmlns:a14="http://schemas.microsoft.com/office/drawing/2010/main" w="9525">
                     <a:solidFill>
                       <a:srgbClr val="000000"/>
                     </a:solidFill>
@@ -12658,7 +13436,7 @@
               </a:ln>
               <a:extLst>
                 <a:ext uri="{91240B29-F687-4f45-9708-019B960494DF}">
-                  <a14:hiddenLine xmlns:a14="http://schemas.microsoft.com/office/drawing/2010/main" xmlns="" w="9525">
+                  <a14:hiddenLine xmlns="" xmlns:a14="http://schemas.microsoft.com/office/drawing/2010/main" w="9525">
                     <a:solidFill>
                       <a:srgbClr val="000000"/>
                     </a:solidFill>
@@ -12773,7 +13551,7 @@
               </a:ln>
               <a:extLst>
                 <a:ext uri="{91240B29-F687-4f45-9708-019B960494DF}">
-                  <a14:hiddenLine xmlns:a14="http://schemas.microsoft.com/office/drawing/2010/main" xmlns="" w="9525">
+                  <a14:hiddenLine xmlns="" xmlns:a14="http://schemas.microsoft.com/office/drawing/2010/main" w="9525">
                     <a:solidFill>
                       <a:srgbClr val="000000"/>
                     </a:solidFill>
@@ -12863,7 +13641,7 @@
               </a:ln>
               <a:extLst>
                 <a:ext uri="{91240B29-F687-4f45-9708-019B960494DF}">
-                  <a14:hiddenLine xmlns:a14="http://schemas.microsoft.com/office/drawing/2010/main" xmlns="" w="9525">
+                  <a14:hiddenLine xmlns="" xmlns:a14="http://schemas.microsoft.com/office/drawing/2010/main" w="9525">
                     <a:solidFill>
                       <a:srgbClr val="000000"/>
                     </a:solidFill>
@@ -12928,7 +13706,7 @@
               </a:ln>
               <a:extLst>
                 <a:ext uri="{91240B29-F687-4f45-9708-019B960494DF}">
-                  <a14:hiddenLine xmlns:a14="http://schemas.microsoft.com/office/drawing/2010/main" xmlns="" w="9525">
+                  <a14:hiddenLine xmlns="" xmlns:a14="http://schemas.microsoft.com/office/drawing/2010/main" w="9525">
                     <a:solidFill>
                       <a:srgbClr val="000000"/>
                     </a:solidFill>
@@ -13018,7 +13796,7 @@
               </a:ln>
               <a:extLst>
                 <a:ext uri="{91240B29-F687-4f45-9708-019B960494DF}">
-                  <a14:hiddenLine xmlns:a14="http://schemas.microsoft.com/office/drawing/2010/main" xmlns="" w="9525">
+                  <a14:hiddenLine xmlns="" xmlns:a14="http://schemas.microsoft.com/office/drawing/2010/main" w="9525">
                     <a:solidFill>
                       <a:srgbClr val="000000"/>
                     </a:solidFill>
@@ -13086,7 +13864,7 @@
               </a:ln>
               <a:extLst>
                 <a:ext uri="{91240B29-F687-4f45-9708-019B960494DF}">
-                  <a14:hiddenLine xmlns:a14="http://schemas.microsoft.com/office/drawing/2010/main" xmlns="" w="9525">
+                  <a14:hiddenLine xmlns="" xmlns:a14="http://schemas.microsoft.com/office/drawing/2010/main" w="9525">
                     <a:solidFill>
                       <a:srgbClr val="000000"/>
                     </a:solidFill>
@@ -13176,7 +13954,7 @@
               </a:ln>
               <a:extLst>
                 <a:ext uri="{91240B29-F687-4f45-9708-019B960494DF}">
-                  <a14:hiddenLine xmlns:a14="http://schemas.microsoft.com/office/drawing/2010/main" xmlns="" w="9525">
+                  <a14:hiddenLine xmlns="" xmlns:a14="http://schemas.microsoft.com/office/drawing/2010/main" w="9525">
                     <a:solidFill>
                       <a:srgbClr val="000000"/>
                     </a:solidFill>
@@ -13244,7 +14022,7 @@
               </a:ln>
               <a:extLst>
                 <a:ext uri="{91240B29-F687-4f45-9708-019B960494DF}">
-                  <a14:hiddenLine xmlns:a14="http://schemas.microsoft.com/office/drawing/2010/main" xmlns="" w="9525">
+                  <a14:hiddenLine xmlns="" xmlns:a14="http://schemas.microsoft.com/office/drawing/2010/main" w="9525">
                     <a:solidFill>
                       <a:srgbClr val="000000"/>
                     </a:solidFill>
@@ -13334,7 +14112,7 @@
               </a:ln>
               <a:extLst>
                 <a:ext uri="{91240B29-F687-4f45-9708-019B960494DF}">
-                  <a14:hiddenLine xmlns:a14="http://schemas.microsoft.com/office/drawing/2010/main" xmlns="" w="9525">
+                  <a14:hiddenLine xmlns="" xmlns:a14="http://schemas.microsoft.com/office/drawing/2010/main" w="9525">
                     <a:solidFill>
                       <a:srgbClr val="000000"/>
                     </a:solidFill>
@@ -13368,7 +14146,7 @@
               </a:ln>
               <a:extLst>
                 <a:ext uri="{91240B29-F687-4f45-9708-019B960494DF}">
-                  <a14:hiddenLine xmlns:a14="http://schemas.microsoft.com/office/drawing/2010/main" xmlns="" w="9525">
+                  <a14:hiddenLine xmlns="" xmlns:a14="http://schemas.microsoft.com/office/drawing/2010/main" w="9525">
                     <a:solidFill>
                       <a:srgbClr val="000000"/>
                     </a:solidFill>
@@ -13940,12 +14718,14 @@
         </p:nvSpPr>
         <p:spPr>
           <a:xfrm>
-            <a:off x="1597455" y="2020351"/>
-            <a:ext cx="8791575" cy="2387600"/>
+            <a:off x="2657013" y="1877769"/>
+            <a:ext cx="7916246" cy="2387600"/>
           </a:xfrm>
         </p:spPr>
         <p:txBody>
-          <a:bodyPr/>
+          <a:bodyPr>
+            <a:normAutofit fontScale="90000"/>
+          </a:bodyPr>
           <a:lstStyle/>
           <a:p>
             <a:pPr algn="ctr"/>
@@ -14018,8 +14798,12 @@
           <a:lstStyle/>
           <a:p>
             <a:r>
+              <a:rPr lang="sr-Latn-RS" dirty="0"/>
+              <a:t>Programsko rešenje problema </a:t>
+            </a:r>
+            <a:r>
               <a:rPr lang="sr-Latn-RS" dirty="0" smtClean="0"/>
-              <a:t>Interne strukture podataka</a:t>
+              <a:t>(2)</a:t>
             </a:r>
             <a:endParaRPr lang="en-US" dirty="0"/>
           </a:p>
@@ -14041,34 +14825,42 @@
           <a:lstStyle/>
           <a:p>
             <a:r>
+              <a:rPr lang="sr-Latn-RS" dirty="0"/>
+              <a:t>Prolazimo </a:t>
+            </a:r>
+            <a:r>
               <a:rPr lang="sr-Latn-RS" dirty="0" smtClean="0"/>
-              <a:t>Lista</a:t>
+              <a:t>kroz bajtove grešaka </a:t>
+            </a:r>
+            <a:r>
+              <a:rPr lang="sr-Latn-RS" dirty="0"/>
+              <a:t>pronađenog fajla i za sektor sa greškom tražimo korespodentni sektor u drugim fajlovima koji nema grešku.</a:t>
             </a:r>
           </a:p>
           <a:p>
             <a:r>
               <a:rPr lang="sr-Latn-RS" dirty="0" smtClean="0"/>
-              <a:t>Niz</a:t>
-            </a:r>
-          </a:p>
-          <a:p>
+              <a:t>Ukoliko prona</a:t>
+            </a:r>
+            <a:r>
+              <a:rPr lang="sr-Latn-RS" dirty="0"/>
+              <a:t>đ</a:t>
+            </a:r>
             <a:r>
               <a:rPr lang="sr-Latn-RS" dirty="0" smtClean="0"/>
-              <a:t>Bajt</a:t>
-            </a:r>
-          </a:p>
-          <a:p>
-            <a:r>
-              <a:rPr lang="sr-Latn-RS" dirty="0" smtClean="0"/>
-              <a:t>Fajl</a:t>
-            </a:r>
+              <a:t>emo sektor bez greške vršimo njihovu zamenu.</a:t>
+            </a:r>
+            <a:endParaRPr lang="sr-Latn-RS" dirty="0"/>
+          </a:p>
+          <a:p>
+            <a:endParaRPr lang="en-US" dirty="0"/>
           </a:p>
         </p:txBody>
       </p:sp>
     </p:spTree>
     <p:extLst>
       <p:ext uri="{BB962C8B-B14F-4D97-AF65-F5344CB8AC3E}">
-        <p14:creationId xmlns:p14="http://schemas.microsoft.com/office/powerpoint/2010/main" val="632320174"/>
+        <p14:creationId xmlns:p14="http://schemas.microsoft.com/office/powerpoint/2010/main" val="3561966349"/>
       </p:ext>
     </p:extLst>
   </p:cSld>
@@ -14102,6 +14894,321 @@
           <a:chExt cx="0" cy="0"/>
         </a:xfrm>
       </p:grpSpPr>
+      <p:pic>
+        <p:nvPicPr>
+          <p:cNvPr id="5" name="Picture 4"/>
+          <p:cNvPicPr>
+            <a:picLocks noChangeAspect="1"/>
+          </p:cNvPicPr>
+          <p:nvPr/>
+        </p:nvPicPr>
+        <p:blipFill>
+          <a:blip r:embed="rId3">
+            <a:extLst>
+              <a:ext uri="{28A0092B-C50C-407E-A947-70E740481C1C}">
+                <a14:useLocalDpi xmlns:a14="http://schemas.microsoft.com/office/drawing/2010/main" val="0"/>
+              </a:ext>
+            </a:extLst>
+          </a:blip>
+          <a:stretch>
+            <a:fillRect/>
+          </a:stretch>
+        </p:blipFill>
+        <p:spPr>
+          <a:xfrm>
+            <a:off x="1486853" y="1937288"/>
+            <a:ext cx="3734666" cy="4362769"/>
+          </a:xfrm>
+          <a:prstGeom prst="rect">
+            <a:avLst/>
+          </a:prstGeom>
+        </p:spPr>
+      </p:pic>
+      <p:pic>
+        <p:nvPicPr>
+          <p:cNvPr id="7" name="Picture 6"/>
+          <p:cNvPicPr>
+            <a:picLocks noChangeAspect="1"/>
+          </p:cNvPicPr>
+          <p:nvPr/>
+        </p:nvPicPr>
+        <p:blipFill>
+          <a:blip r:embed="rId4">
+            <a:extLst>
+              <a:ext uri="{28A0092B-C50C-407E-A947-70E740481C1C}">
+                <a14:useLocalDpi xmlns:a14="http://schemas.microsoft.com/office/drawing/2010/main" val="0"/>
+              </a:ext>
+            </a:extLst>
+          </a:blip>
+          <a:stretch>
+            <a:fillRect/>
+          </a:stretch>
+        </p:blipFill>
+        <p:spPr>
+          <a:xfrm>
+            <a:off x="6586742" y="2930225"/>
+            <a:ext cx="3760203" cy="2376894"/>
+          </a:xfrm>
+          <a:prstGeom prst="rect">
+            <a:avLst/>
+          </a:prstGeom>
+        </p:spPr>
+      </p:pic>
+      <p:sp>
+        <p:nvSpPr>
+          <p:cNvPr id="11" name="Right Arrow 10"/>
+          <p:cNvSpPr/>
+          <p:nvPr/>
+        </p:nvSpPr>
+        <p:spPr>
+          <a:xfrm>
+            <a:off x="5423683" y="3630475"/>
+            <a:ext cx="960895" cy="976394"/>
+          </a:xfrm>
+          <a:prstGeom prst="rightArrow">
+            <a:avLst/>
+          </a:prstGeom>
+        </p:spPr>
+        <p:style>
+          <a:lnRef idx="2">
+            <a:schemeClr val="accent5"/>
+          </a:lnRef>
+          <a:fillRef idx="1">
+            <a:schemeClr val="lt1"/>
+          </a:fillRef>
+          <a:effectRef idx="0">
+            <a:schemeClr val="accent5"/>
+          </a:effectRef>
+          <a:fontRef idx="minor">
+            <a:schemeClr val="dk1"/>
+          </a:fontRef>
+        </p:style>
+        <p:txBody>
+          <a:bodyPr rtlCol="0" anchor="ctr"/>
+          <a:lstStyle/>
+          <a:p>
+            <a:pPr algn="ctr"/>
+            <a:endParaRPr lang="en-US"/>
+          </a:p>
+        </p:txBody>
+      </p:sp>
+      <p:sp>
+        <p:nvSpPr>
+          <p:cNvPr id="12" name="Title 1"/>
+          <p:cNvSpPr>
+            <a:spLocks noGrp="1"/>
+          </p:cNvSpPr>
+          <p:nvPr>
+            <p:ph type="title"/>
+          </p:nvPr>
+        </p:nvSpPr>
+        <p:spPr>
+          <a:xfrm>
+            <a:off x="1141413" y="618518"/>
+            <a:ext cx="9905998" cy="1478570"/>
+          </a:xfrm>
+        </p:spPr>
+        <p:txBody>
+          <a:bodyPr/>
+          <a:lstStyle/>
+          <a:p>
+            <a:r>
+              <a:rPr lang="sr-Latn-RS" dirty="0"/>
+              <a:t>Programsko rešenje problema </a:t>
+            </a:r>
+            <a:r>
+              <a:rPr lang="sr-Latn-RS" dirty="0" smtClean="0"/>
+              <a:t>(3)</a:t>
+            </a:r>
+            <a:endParaRPr lang="en-US" dirty="0"/>
+          </a:p>
+        </p:txBody>
+      </p:sp>
+    </p:spTree>
+    <p:extLst>
+      <p:ext uri="{BB962C8B-B14F-4D97-AF65-F5344CB8AC3E}">
+        <p14:creationId xmlns:p14="http://schemas.microsoft.com/office/powerpoint/2010/main" val="754127598"/>
+      </p:ext>
+    </p:extLst>
+  </p:cSld>
+  <p:clrMapOvr>
+    <a:masterClrMapping/>
+  </p:clrMapOvr>
+  <p:timing>
+    <p:tnLst>
+      <p:par>
+        <p:cTn id="1" dur="indefinite" restart="never" nodeType="tmRoot"/>
+      </p:par>
+    </p:tnLst>
+  </p:timing>
+</p:sld>
+</file>
+
+<file path=ppt/slides/slide12.xml><?xml version="1.0" encoding="utf-8"?>
+<p:sld xmlns:a="http://schemas.openxmlformats.org/drawingml/2006/main" xmlns:r="http://schemas.openxmlformats.org/officeDocument/2006/relationships" xmlns:p="http://schemas.openxmlformats.org/presentationml/2006/main">
+  <p:cSld>
+    <p:spTree>
+      <p:nvGrpSpPr>
+        <p:cNvPr id="1" name=""/>
+        <p:cNvGrpSpPr/>
+        <p:nvPr/>
+      </p:nvGrpSpPr>
+      <p:grpSpPr>
+        <a:xfrm>
+          <a:off x="0" y="0"/>
+          <a:ext cx="0" cy="0"/>
+          <a:chOff x="0" y="0"/>
+          <a:chExt cx="0" cy="0"/>
+        </a:xfrm>
+      </p:grpSpPr>
+      <p:sp>
+        <p:nvSpPr>
+          <p:cNvPr id="2" name="Title 1"/>
+          <p:cNvSpPr>
+            <a:spLocks noGrp="1"/>
+          </p:cNvSpPr>
+          <p:nvPr>
+            <p:ph type="title"/>
+          </p:nvPr>
+        </p:nvSpPr>
+        <p:spPr/>
+        <p:txBody>
+          <a:bodyPr/>
+          <a:lstStyle/>
+          <a:p>
+            <a:r>
+              <a:rPr lang="sr-Latn-RS" dirty="0" smtClean="0"/>
+              <a:t>Interne strukture podataka</a:t>
+            </a:r>
+            <a:endParaRPr lang="en-US" dirty="0"/>
+          </a:p>
+        </p:txBody>
+      </p:sp>
+      <p:sp>
+        <p:nvSpPr>
+          <p:cNvPr id="3" name="Content Placeholder 2"/>
+          <p:cNvSpPr>
+            <a:spLocks noGrp="1"/>
+          </p:cNvSpPr>
+          <p:nvPr>
+            <p:ph idx="1"/>
+          </p:nvPr>
+        </p:nvSpPr>
+        <p:spPr/>
+        <p:txBody>
+          <a:bodyPr/>
+          <a:lstStyle/>
+          <a:p>
+            <a:r>
+              <a:rPr lang="sr-Latn-RS" dirty="0" smtClean="0"/>
+              <a:t>Fajl </a:t>
+            </a:r>
+            <a:r>
+              <a:rPr lang="en-US" dirty="0" smtClean="0"/>
+              <a:t> </a:t>
+            </a:r>
+            <a:r>
+              <a:rPr lang="sr-Latn-RS" dirty="0" smtClean="0"/>
+              <a:t>(java. File)</a:t>
+            </a:r>
+            <a:endParaRPr lang="sr-Latn-RS" dirty="0"/>
+          </a:p>
+          <a:p>
+            <a:r>
+              <a:rPr lang="sr-Latn-RS" dirty="0"/>
+              <a:t>Bajt</a:t>
+            </a:r>
+            <a:r>
+              <a:rPr lang="en-US" dirty="0"/>
+              <a:t> (java. byte</a:t>
+            </a:r>
+            <a:r>
+              <a:rPr lang="en-US" dirty="0" smtClean="0"/>
+              <a:t>)</a:t>
+            </a:r>
+            <a:endParaRPr lang="sr-Latn-RS" dirty="0" smtClean="0"/>
+          </a:p>
+          <a:p>
+            <a:r>
+              <a:rPr lang="sr-Latn-RS" dirty="0" smtClean="0"/>
+              <a:t>Niz </a:t>
+            </a:r>
+            <a:r>
+              <a:rPr lang="en-US" dirty="0" smtClean="0"/>
+              <a:t> </a:t>
+            </a:r>
+            <a:r>
+              <a:rPr lang="sr-Latn-RS" dirty="0" smtClean="0"/>
+              <a:t>(java. File</a:t>
+            </a:r>
+            <a:r>
+              <a:rPr lang="en-US" dirty="0" smtClean="0"/>
+              <a:t>[] </a:t>
+            </a:r>
+            <a:r>
+              <a:rPr lang="en-US" dirty="0" err="1" smtClean="0"/>
+              <a:t>i</a:t>
+            </a:r>
+            <a:r>
+              <a:rPr lang="en-US" dirty="0" smtClean="0"/>
+              <a:t> byte[]</a:t>
+            </a:r>
+            <a:r>
+              <a:rPr lang="sr-Latn-RS" dirty="0" smtClean="0"/>
+              <a:t>) </a:t>
+            </a:r>
+            <a:endParaRPr lang="en-US" dirty="0" smtClean="0"/>
+          </a:p>
+          <a:p>
+            <a:r>
+              <a:rPr lang="en-US" dirty="0" err="1" smtClean="0"/>
+              <a:t>Lista</a:t>
+            </a:r>
+            <a:r>
+              <a:rPr lang="en-US" dirty="0" smtClean="0"/>
+              <a:t>  (java. List&lt;byte[]&gt;)</a:t>
+            </a:r>
+            <a:endParaRPr lang="sr-Latn-RS" dirty="0" smtClean="0"/>
+          </a:p>
+        </p:txBody>
+      </p:sp>
+    </p:spTree>
+    <p:extLst>
+      <p:ext uri="{BB962C8B-B14F-4D97-AF65-F5344CB8AC3E}">
+        <p14:creationId xmlns:p14="http://schemas.microsoft.com/office/powerpoint/2010/main" val="632320174"/>
+      </p:ext>
+    </p:extLst>
+  </p:cSld>
+  <p:clrMapOvr>
+    <a:masterClrMapping/>
+  </p:clrMapOvr>
+  <p:timing>
+    <p:tnLst>
+      <p:par>
+        <p:cTn id="1" dur="indefinite" restart="never" nodeType="tmRoot"/>
+      </p:par>
+    </p:tnLst>
+  </p:timing>
+</p:sld>
+</file>
+
+<file path=ppt/slides/slide13.xml><?xml version="1.0" encoding="utf-8"?>
+<p:sld xmlns:a="http://schemas.openxmlformats.org/drawingml/2006/main" xmlns:r="http://schemas.openxmlformats.org/officeDocument/2006/relationships" xmlns:p="http://schemas.openxmlformats.org/presentationml/2006/main">
+  <p:cSld>
+    <p:spTree>
+      <p:nvGrpSpPr>
+        <p:cNvPr id="1" name=""/>
+        <p:cNvGrpSpPr/>
+        <p:nvPr/>
+      </p:nvGrpSpPr>
+      <p:grpSpPr>
+        <a:xfrm>
+          <a:off x="0" y="0"/>
+          <a:ext cx="0" cy="0"/>
+          <a:chOff x="0" y="0"/>
+          <a:chExt cx="0" cy="0"/>
+        </a:xfrm>
+      </p:grpSpPr>
       <p:sp>
         <p:nvSpPr>
           <p:cNvPr id="2" name="Title 1"/>
@@ -14136,7 +15243,7 @@
           </p:nvPr>
         </p:nvPicPr>
         <p:blipFill>
-          <a:blip r:embed="rId2">
+          <a:blip r:embed="rId3">
             <a:extLst>
               <a:ext uri="{28A0092B-C50C-407E-A947-70E740481C1C}">
                 <a14:useLocalDpi xmlns:a14="http://schemas.microsoft.com/office/drawing/2010/main" val="0"/>
@@ -14163,7 +15270,7 @@
           <p:nvPr/>
         </p:nvPicPr>
         <p:blipFill>
-          <a:blip r:embed="rId3">
+          <a:blip r:embed="rId4">
             <a:extLst>
               <a:ext uri="{28A0092B-C50C-407E-A947-70E740481C1C}">
                 <a14:useLocalDpi xmlns:a14="http://schemas.microsoft.com/office/drawing/2010/main" val="0"/>
@@ -14204,6 +15311,262 @@
 </p:sld>
 </file>
 
+<file path=ppt/slides/slide14.xml><?xml version="1.0" encoding="utf-8"?>
+<p:sld xmlns:a="http://schemas.openxmlformats.org/drawingml/2006/main" xmlns:r="http://schemas.openxmlformats.org/officeDocument/2006/relationships" xmlns:p="http://schemas.openxmlformats.org/presentationml/2006/main">
+  <p:cSld>
+    <p:spTree>
+      <p:nvGrpSpPr>
+        <p:cNvPr id="1" name=""/>
+        <p:cNvGrpSpPr/>
+        <p:nvPr/>
+      </p:nvGrpSpPr>
+      <p:grpSpPr>
+        <a:xfrm>
+          <a:off x="0" y="0"/>
+          <a:ext cx="0" cy="0"/>
+          <a:chOff x="0" y="0"/>
+          <a:chExt cx="0" cy="0"/>
+        </a:xfrm>
+      </p:grpSpPr>
+      <p:sp>
+        <p:nvSpPr>
+          <p:cNvPr id="2" name="Title 1"/>
+          <p:cNvSpPr>
+            <a:spLocks noGrp="1"/>
+          </p:cNvSpPr>
+          <p:nvPr>
+            <p:ph type="title"/>
+          </p:nvPr>
+        </p:nvSpPr>
+        <p:spPr>
+          <a:xfrm>
+            <a:off x="1125914" y="2369827"/>
+            <a:ext cx="9905998" cy="1478570"/>
+          </a:xfrm>
+        </p:spPr>
+        <p:txBody>
+          <a:bodyPr/>
+          <a:lstStyle/>
+          <a:p>
+            <a:pPr algn="ctr"/>
+            <a:r>
+              <a:rPr lang="sr-Latn-RS" dirty="0" smtClean="0"/>
+              <a:t>Hvala na Pažnji</a:t>
+            </a:r>
+            <a:endParaRPr lang="en-US" dirty="0"/>
+          </a:p>
+        </p:txBody>
+      </p:sp>
+      <p:pic>
+        <p:nvPicPr>
+          <p:cNvPr id="4" name="Picture 3"/>
+          <p:cNvPicPr>
+            <a:picLocks noChangeAspect="1"/>
+          </p:cNvPicPr>
+          <p:nvPr/>
+        </p:nvPicPr>
+        <p:blipFill>
+          <a:blip r:embed="rId2">
+            <a:extLst>
+              <a:ext uri="{28A0092B-C50C-407E-A947-70E740481C1C}">
+                <a14:useLocalDpi xmlns:a14="http://schemas.microsoft.com/office/drawing/2010/main" val="0"/>
+              </a:ext>
+            </a:extLst>
+          </a:blip>
+          <a:stretch>
+            <a:fillRect/>
+          </a:stretch>
+        </p:blipFill>
+        <p:spPr>
+          <a:xfrm>
+            <a:off x="1815928" y="2360907"/>
+            <a:ext cx="1421324" cy="1421324"/>
+          </a:xfrm>
+          <a:prstGeom prst="rect">
+            <a:avLst/>
+          </a:prstGeom>
+        </p:spPr>
+      </p:pic>
+      <p:pic>
+        <p:nvPicPr>
+          <p:cNvPr id="5" name="Picture 4"/>
+          <p:cNvPicPr>
+            <a:picLocks noChangeAspect="1"/>
+          </p:cNvPicPr>
+          <p:nvPr/>
+        </p:nvPicPr>
+        <p:blipFill>
+          <a:blip r:embed="rId3" cstate="print">
+            <a:extLst>
+              <a:ext uri="{28A0092B-C50C-407E-A947-70E740481C1C}">
+                <a14:useLocalDpi xmlns:a14="http://schemas.microsoft.com/office/drawing/2010/main" val="0"/>
+              </a:ext>
+            </a:extLst>
+          </a:blip>
+          <a:stretch>
+            <a:fillRect/>
+          </a:stretch>
+        </p:blipFill>
+        <p:spPr>
+          <a:xfrm>
+            <a:off x="8990149" y="2360907"/>
+            <a:ext cx="1297158" cy="1421324"/>
+          </a:xfrm>
+          <a:prstGeom prst="rect">
+            <a:avLst/>
+          </a:prstGeom>
+        </p:spPr>
+      </p:pic>
+    </p:spTree>
+    <p:extLst>
+      <p:ext uri="{BB962C8B-B14F-4D97-AF65-F5344CB8AC3E}">
+        <p14:creationId xmlns:p14="http://schemas.microsoft.com/office/powerpoint/2010/main" val="1031474836"/>
+      </p:ext>
+    </p:extLst>
+  </p:cSld>
+  <p:clrMapOvr>
+    <a:masterClrMapping/>
+  </p:clrMapOvr>
+  <p:timing>
+    <p:tnLst>
+      <p:par>
+        <p:cTn id="1" dur="indefinite" restart="never" nodeType="tmRoot"/>
+      </p:par>
+    </p:tnLst>
+  </p:timing>
+</p:sld>
+</file>
+
+<file path=ppt/slides/slide15.xml><?xml version="1.0" encoding="utf-8"?>
+<p:sld xmlns:a="http://schemas.openxmlformats.org/drawingml/2006/main" xmlns:r="http://schemas.openxmlformats.org/officeDocument/2006/relationships" xmlns:p="http://schemas.openxmlformats.org/presentationml/2006/main">
+  <p:cSld>
+    <p:spTree>
+      <p:nvGrpSpPr>
+        <p:cNvPr id="1" name=""/>
+        <p:cNvGrpSpPr/>
+        <p:nvPr/>
+      </p:nvGrpSpPr>
+      <p:grpSpPr>
+        <a:xfrm>
+          <a:off x="0" y="0"/>
+          <a:ext cx="0" cy="0"/>
+          <a:chOff x="0" y="0"/>
+          <a:chExt cx="0" cy="0"/>
+        </a:xfrm>
+      </p:grpSpPr>
+      <p:sp>
+        <p:nvSpPr>
+          <p:cNvPr id="2" name="Title 1"/>
+          <p:cNvSpPr>
+            <a:spLocks noGrp="1"/>
+          </p:cNvSpPr>
+          <p:nvPr>
+            <p:ph type="title"/>
+          </p:nvPr>
+        </p:nvSpPr>
+        <p:spPr>
+          <a:xfrm>
+            <a:off x="1094918" y="2338831"/>
+            <a:ext cx="9905998" cy="1478570"/>
+          </a:xfrm>
+        </p:spPr>
+        <p:txBody>
+          <a:bodyPr/>
+          <a:lstStyle/>
+          <a:p>
+            <a:pPr algn="ctr"/>
+            <a:r>
+              <a:rPr lang="sr-Latn-RS" dirty="0" smtClean="0"/>
+              <a:t>Pitanja</a:t>
+            </a:r>
+            <a:r>
+              <a:rPr lang="en-US" dirty="0" smtClean="0"/>
+              <a:t>?</a:t>
+            </a:r>
+            <a:endParaRPr lang="en-US" dirty="0"/>
+          </a:p>
+        </p:txBody>
+      </p:sp>
+      <p:pic>
+        <p:nvPicPr>
+          <p:cNvPr id="4" name="Picture 3"/>
+          <p:cNvPicPr>
+            <a:picLocks noChangeAspect="1"/>
+          </p:cNvPicPr>
+          <p:nvPr/>
+        </p:nvPicPr>
+        <p:blipFill>
+          <a:blip r:embed="rId2" cstate="print">
+            <a:extLst>
+              <a:ext uri="{28A0092B-C50C-407E-A947-70E740481C1C}">
+                <a14:useLocalDpi xmlns:a14="http://schemas.microsoft.com/office/drawing/2010/main" val="0"/>
+              </a:ext>
+            </a:extLst>
+          </a:blip>
+          <a:stretch>
+            <a:fillRect/>
+          </a:stretch>
+        </p:blipFill>
+        <p:spPr>
+          <a:xfrm>
+            <a:off x="8990149" y="2360907"/>
+            <a:ext cx="1297158" cy="1421324"/>
+          </a:xfrm>
+          <a:prstGeom prst="rect">
+            <a:avLst/>
+          </a:prstGeom>
+        </p:spPr>
+      </p:pic>
+      <p:pic>
+        <p:nvPicPr>
+          <p:cNvPr id="5" name="Picture 4"/>
+          <p:cNvPicPr>
+            <a:picLocks noChangeAspect="1"/>
+          </p:cNvPicPr>
+          <p:nvPr/>
+        </p:nvPicPr>
+        <p:blipFill>
+          <a:blip r:embed="rId3">
+            <a:extLst>
+              <a:ext uri="{28A0092B-C50C-407E-A947-70E740481C1C}">
+                <a14:useLocalDpi xmlns:a14="http://schemas.microsoft.com/office/drawing/2010/main" val="0"/>
+              </a:ext>
+            </a:extLst>
+          </a:blip>
+          <a:stretch>
+            <a:fillRect/>
+          </a:stretch>
+        </p:blipFill>
+        <p:spPr>
+          <a:xfrm>
+            <a:off x="1815928" y="2360907"/>
+            <a:ext cx="1421324" cy="1421324"/>
+          </a:xfrm>
+          <a:prstGeom prst="rect">
+            <a:avLst/>
+          </a:prstGeom>
+        </p:spPr>
+      </p:pic>
+    </p:spTree>
+    <p:extLst>
+      <p:ext uri="{BB962C8B-B14F-4D97-AF65-F5344CB8AC3E}">
+        <p14:creationId xmlns:p14="http://schemas.microsoft.com/office/powerpoint/2010/main" val="1059551402"/>
+      </p:ext>
+    </p:extLst>
+  </p:cSld>
+  <p:clrMapOvr>
+    <a:masterClrMapping/>
+  </p:clrMapOvr>
+  <p:timing>
+    <p:tnLst>
+      <p:par>
+        <p:cTn id="1" dur="indefinite" restart="never" nodeType="tmRoot"/>
+      </p:par>
+    </p:tnLst>
+  </p:timing>
+</p:sld>
+</file>
+
 <file path=ppt/slides/slide2.xml><?xml version="1.0" encoding="utf-8"?>
 <p:sld xmlns:a="http://schemas.openxmlformats.org/drawingml/2006/main" xmlns:r="http://schemas.openxmlformats.org/officeDocument/2006/relationships" xmlns:p="http://schemas.openxmlformats.org/presentationml/2006/main">
   <p:cSld>
@@ -14316,11 +15679,7 @@
             </a:br>
             <a:r>
               <a:rPr lang="sr-Latn-RS" dirty="0" smtClean="0"/>
-              <a:t>razvijen </a:t>
-            </a:r>
-            <a:r>
-              <a:rPr lang="sr-Latn-RS" dirty="0" smtClean="0"/>
-              <a:t>1982</a:t>
+              <a:t>razvijen 1982</a:t>
             </a:r>
             <a:r>
               <a:rPr lang="en-US" dirty="0" smtClean="0"/>
@@ -14448,7 +15807,15 @@
           <a:p>
             <a:r>
               <a:rPr lang="en-US" dirty="0" smtClean="0"/>
-              <a:t>5.25"flopi </a:t>
+              <a:t>5.25“ </a:t>
+            </a:r>
+            <a:r>
+              <a:rPr lang="en-US" dirty="0" err="1" smtClean="0"/>
+              <a:t>flopi</a:t>
+            </a:r>
+            <a:r>
+              <a:rPr lang="en-US" dirty="0" smtClean="0"/>
+              <a:t> </a:t>
             </a:r>
             <a:r>
               <a:rPr lang="en-US" dirty="0" err="1" smtClean="0"/>
@@ -14529,8 +15896,16 @@
               <a:t> </a:t>
             </a:r>
             <a:r>
-              <a:rPr lang="sr-Latn-RS" dirty="0"/>
-              <a:t>medium </a:t>
+              <a:rPr lang="sr-Latn-RS" dirty="0" smtClean="0"/>
+              <a:t>medi</a:t>
+            </a:r>
+            <a:r>
+              <a:rPr lang="en-US" dirty="0" smtClean="0"/>
+              <a:t>j</a:t>
+            </a:r>
+            <a:r>
+              <a:rPr lang="sr-Latn-RS" dirty="0" smtClean="0"/>
+              <a:t>um </a:t>
             </a:r>
             <a:r>
               <a:rPr lang="en-US" dirty="0"/>
@@ -15264,15 +16639,7 @@
                       <a:pPr algn="ctr"/>
                       <a:r>
                         <a:rPr lang="sr-Latn-RS" dirty="0" smtClean="0"/>
-                        <a:t>35 traka, </a:t>
-                      </a:r>
-                      <a:r>
-                        <a:rPr lang="sr-Latn-RS" dirty="0" smtClean="0"/>
-                        <a:t>683 </a:t>
-                      </a:r>
-                      <a:r>
-                        <a:rPr lang="sr-Latn-RS" dirty="0" smtClean="0"/>
-                        <a:t>bajtova greški</a:t>
+                        <a:t>35 traka, 683 bajtova greški</a:t>
                       </a:r>
                       <a:endParaRPr lang="en-US" dirty="0"/>
                     </a:p>
@@ -15502,22 +16869,14 @@
             </a:br>
             <a:r>
               <a:rPr lang="sr-Latn-RS" i="1" dirty="0" smtClean="0"/>
-              <a:t>osnovu njih se </a:t>
-            </a:r>
-            <a:r>
-              <a:rPr lang="sr-Latn-RS" i="1" dirty="0" smtClean="0"/>
-              <a:t>vrši dalja analiza i</a:t>
+              <a:t>osnovu njih se vrši dalja analiza i</a:t>
             </a:r>
             <a:br>
               <a:rPr lang="sr-Latn-RS" i="1" dirty="0" smtClean="0"/>
             </a:br>
             <a:r>
               <a:rPr lang="sr-Latn-RS" i="1" dirty="0" smtClean="0"/>
-              <a:t> </a:t>
-            </a:r>
-            <a:r>
-              <a:rPr lang="sr-Latn-RS" i="1" dirty="0" smtClean="0"/>
-              <a:t>iscrtavanje.</a:t>
+              <a:t> iscrtavanje.</a:t>
             </a:r>
           </a:p>
         </p:txBody>
@@ -15821,7 +17180,6 @@
               <a:rPr lang="sr-Latn-RS" dirty="0" smtClean="0"/>
               <a:t>okruženju.</a:t>
             </a:r>
-            <a:endParaRPr lang="sr-Latn-RS" dirty="0" smtClean="0"/>
           </a:p>
           <a:p>
             <a:r>
@@ -15841,22 +17199,14 @@
             </a:r>
             <a:r>
               <a:rPr lang="sr-Latn-RS" dirty="0" smtClean="0"/>
-              <a:t>radni okvir koji </a:t>
-            </a:r>
-            <a:r>
-              <a:rPr lang="sr-Latn-RS" dirty="0" smtClean="0"/>
-              <a:t>obezbeđuje potreban</a:t>
+              <a:t>radni okvir koji obezbeđuje potreban</a:t>
             </a:r>
             <a:br>
               <a:rPr lang="sr-Latn-RS" dirty="0" smtClean="0"/>
             </a:br>
             <a:r>
               <a:rPr lang="sr-Latn-RS" dirty="0" smtClean="0"/>
-              <a:t>skup grafičkih </a:t>
-            </a:r>
-            <a:r>
-              <a:rPr lang="sr-Latn-RS" dirty="0" smtClean="0"/>
-              <a:t>komponenti.</a:t>
+              <a:t>skup grafičkih komponenti.</a:t>
             </a:r>
             <a:endParaRPr lang="sr-Latn-RS" dirty="0"/>
           </a:p>
@@ -16029,7 +17379,11 @@
           <a:p>
             <a:r>
               <a:rPr lang="sr-Latn-RS" dirty="0" smtClean="0"/>
-              <a:t>Programsko rešenje problema</a:t>
+              <a:t>Programsko rešenje </a:t>
+            </a:r>
+            <a:r>
+              <a:rPr lang="sr-Latn-RS" dirty="0" smtClean="0"/>
+              <a:t>problema (1)</a:t>
             </a:r>
             <a:endParaRPr lang="en-US" dirty="0"/>
           </a:p>
@@ -16052,20 +17406,29 @@
           <a:p>
             <a:r>
               <a:rPr lang="sr-Latn-RS" dirty="0" smtClean="0"/>
-              <a:t>Od selektovanih D64 fajlova biramo fajl sa najmanje grešaka.</a:t>
-            </a:r>
-          </a:p>
-          <a:p>
+              <a:t>Od selektovanih D64 fajlova biramo fajl sa najmanje grešaka</a:t>
+            </a:r>
             <a:r>
               <a:rPr lang="sr-Latn-RS" dirty="0" smtClean="0"/>
-              <a:t>Prolazimo kroz greške pronađenog fajla i za sektor sa greškom tražimo korespodentni sektor u drugim fajlovima koji nema grešku.</a:t>
+              <a:t>.</a:t>
             </a:r>
           </a:p>
           <a:p>
             <a:r>
               <a:rPr lang="sr-Latn-RS" dirty="0" smtClean="0"/>
-              <a:t>Ukoliko ga pronađemo menjamo ga sa sektorm koji ima grešku.</a:t>
-            </a:r>
+              <a:t>Izbor se vrši na osnovu dodatnih fajlova greški na kraju D64 fajla po</a:t>
+            </a:r>
+            <a:br>
+              <a:rPr lang="sr-Latn-RS" dirty="0" smtClean="0"/>
+            </a:br>
+            <a:r>
+              <a:rPr lang="sr-Latn-RS" dirty="0" smtClean="0"/>
+              <a:t>principu traženja minimuma.</a:t>
+            </a:r>
+            <a:endParaRPr lang="sr-Latn-RS" dirty="0" smtClean="0"/>
+          </a:p>
+          <a:p>
+            <a:endParaRPr lang="sr-Latn-RS" dirty="0" smtClean="0"/>
           </a:p>
         </p:txBody>
       </p:sp>
